--- a/Smart Trainer.pptx
+++ b/Smart Trainer.pptx
@@ -4,15 +4,23 @@
   <p:sldMasterIdLst>
     <p:sldMasterId id="2147483648" r:id="rId1"/>
   </p:sldMasterIdLst>
+  <p:notesMasterIdLst>
+    <p:notesMasterId r:id="rId12"/>
+  </p:notesMasterIdLst>
+  <p:handoutMasterIdLst>
+    <p:handoutMasterId r:id="rId13"/>
+  </p:handoutMasterIdLst>
   <p:sldIdLst>
     <p:sldId id="256" r:id="rId2"/>
     <p:sldId id="259" r:id="rId3"/>
-    <p:sldId id="257" r:id="rId4"/>
-    <p:sldId id="263" r:id="rId5"/>
+    <p:sldId id="264" r:id="rId4"/>
+    <p:sldId id="257" r:id="rId5"/>
     <p:sldId id="261" r:id="rId6"/>
-    <p:sldId id="262" r:id="rId7"/>
-    <p:sldId id="260" r:id="rId8"/>
-    <p:sldId id="258" r:id="rId9"/>
+    <p:sldId id="260" r:id="rId7"/>
+    <p:sldId id="265" r:id="rId8"/>
+    <p:sldId id="262" r:id="rId9"/>
+    <p:sldId id="258" r:id="rId10"/>
+    <p:sldId id="266" r:id="rId11"/>
   </p:sldIdLst>
   <p:sldSz cx="12192000" cy="6858000"/>
   <p:notesSz cx="6858000" cy="9144000"/>
@@ -111,7 +119,537 @@
       </a:defRPr>
     </a:lvl9pPr>
   </p:defaultTextStyle>
+  <p:extLst>
+    <p:ext uri="{EFAFB233-063F-42B5-8137-9DF3F51BA10A}">
+      <p15:sldGuideLst xmlns:p15="http://schemas.microsoft.com/office/powerpoint/2012/main"/>
+    </p:ext>
+  </p:extLst>
 </p:presentation>
+</file>
+
+<file path=ppt/handoutMasters/handoutMaster1.xml><?xml version="1.0" encoding="utf-8"?>
+<p:handoutMaster xmlns:a="http://schemas.openxmlformats.org/drawingml/2006/main" xmlns:r="http://schemas.openxmlformats.org/officeDocument/2006/relationships" xmlns:p="http://schemas.openxmlformats.org/presentationml/2006/main">
+  <p:cSld>
+    <p:bg>
+      <p:bgRef idx="1001">
+        <a:schemeClr val="bg1"/>
+      </p:bgRef>
+    </p:bg>
+    <p:spTree>
+      <p:nvGrpSpPr>
+        <p:cNvPr id="1" name=""/>
+        <p:cNvGrpSpPr/>
+        <p:nvPr/>
+      </p:nvGrpSpPr>
+      <p:grpSpPr>
+        <a:xfrm>
+          <a:off x="0" y="0"/>
+          <a:ext cx="0" cy="0"/>
+          <a:chOff x="0" y="0"/>
+          <a:chExt cx="0" cy="0"/>
+        </a:xfrm>
+      </p:grpSpPr>
+      <p:sp>
+        <p:nvSpPr>
+          <p:cNvPr id="2" name="Header Placeholder 1"/>
+          <p:cNvSpPr>
+            <a:spLocks noGrp="1"/>
+          </p:cNvSpPr>
+          <p:nvPr>
+            <p:ph type="hdr" sz="quarter"/>
+          </p:nvPr>
+        </p:nvSpPr>
+        <p:spPr>
+          <a:xfrm>
+            <a:off x="0" y="0"/>
+            <a:ext cx="2971800" cy="458788"/>
+          </a:xfrm>
+          <a:prstGeom prst="rect">
+            <a:avLst/>
+          </a:prstGeom>
+        </p:spPr>
+        <p:txBody>
+          <a:bodyPr vert="horz" lIns="91440" tIns="45720" rIns="91440" bIns="45720" rtlCol="0"/>
+          <a:lstStyle>
+            <a:lvl1pPr algn="l">
+              <a:defRPr sz="1200"/>
+            </a:lvl1pPr>
+          </a:lstStyle>
+          <a:p>
+            <a:r>
+              <a:rPr lang="en-US" smtClean="0"/>
+              <a:t>SmartTrainer</a:t>
+            </a:r>
+            <a:endParaRPr lang="en-US"/>
+          </a:p>
+        </p:txBody>
+      </p:sp>
+      <p:sp>
+        <p:nvSpPr>
+          <p:cNvPr id="3" name="Date Placeholder 2"/>
+          <p:cNvSpPr>
+            <a:spLocks noGrp="1"/>
+          </p:cNvSpPr>
+          <p:nvPr>
+            <p:ph type="dt" sz="quarter" idx="1"/>
+          </p:nvPr>
+        </p:nvSpPr>
+        <p:spPr>
+          <a:xfrm>
+            <a:off x="3884613" y="0"/>
+            <a:ext cx="2971800" cy="458788"/>
+          </a:xfrm>
+          <a:prstGeom prst="rect">
+            <a:avLst/>
+          </a:prstGeom>
+        </p:spPr>
+        <p:txBody>
+          <a:bodyPr vert="horz" lIns="91440" tIns="45720" rIns="91440" bIns="45720" rtlCol="0"/>
+          <a:lstStyle>
+            <a:lvl1pPr algn="r">
+              <a:defRPr sz="1200"/>
+            </a:lvl1pPr>
+          </a:lstStyle>
+          <a:p>
+            <a:fld id="{26E27FD0-925A-4319-84D2-22A3EB8F8C66}" type="datetimeFigureOut">
+              <a:rPr lang="en-US" smtClean="0"/>
+              <a:t>3/8/2019</a:t>
+            </a:fld>
+            <a:endParaRPr lang="en-US"/>
+          </a:p>
+        </p:txBody>
+      </p:sp>
+      <p:sp>
+        <p:nvSpPr>
+          <p:cNvPr id="4" name="Footer Placeholder 3"/>
+          <p:cNvSpPr>
+            <a:spLocks noGrp="1"/>
+          </p:cNvSpPr>
+          <p:nvPr>
+            <p:ph type="ftr" sz="quarter" idx="2"/>
+          </p:nvPr>
+        </p:nvSpPr>
+        <p:spPr>
+          <a:xfrm>
+            <a:off x="0" y="8685213"/>
+            <a:ext cx="2971800" cy="458787"/>
+          </a:xfrm>
+          <a:prstGeom prst="rect">
+            <a:avLst/>
+          </a:prstGeom>
+        </p:spPr>
+        <p:txBody>
+          <a:bodyPr vert="horz" lIns="91440" tIns="45720" rIns="91440" bIns="45720" rtlCol="0" anchor="b"/>
+          <a:lstStyle>
+            <a:lvl1pPr algn="l">
+              <a:defRPr sz="1200"/>
+            </a:lvl1pPr>
+          </a:lstStyle>
+          <a:p>
+            <a:endParaRPr lang="en-US"/>
+          </a:p>
+        </p:txBody>
+      </p:sp>
+      <p:sp>
+        <p:nvSpPr>
+          <p:cNvPr id="5" name="Slide Number Placeholder 4"/>
+          <p:cNvSpPr>
+            <a:spLocks noGrp="1"/>
+          </p:cNvSpPr>
+          <p:nvPr>
+            <p:ph type="sldNum" sz="quarter" idx="3"/>
+          </p:nvPr>
+        </p:nvSpPr>
+        <p:spPr>
+          <a:xfrm>
+            <a:off x="3884613" y="8685213"/>
+            <a:ext cx="2971800" cy="458787"/>
+          </a:xfrm>
+          <a:prstGeom prst="rect">
+            <a:avLst/>
+          </a:prstGeom>
+        </p:spPr>
+        <p:txBody>
+          <a:bodyPr vert="horz" lIns="91440" tIns="45720" rIns="91440" bIns="45720" rtlCol="0" anchor="b"/>
+          <a:lstStyle>
+            <a:lvl1pPr algn="r">
+              <a:defRPr sz="1200"/>
+            </a:lvl1pPr>
+          </a:lstStyle>
+          <a:p>
+            <a:fld id="{96D815DE-F0E3-44F2-BF9C-6C72B8132BDE}" type="slidenum">
+              <a:rPr lang="en-US" smtClean="0"/>
+              <a:t>‹#›</a:t>
+            </a:fld>
+            <a:endParaRPr lang="en-US"/>
+          </a:p>
+        </p:txBody>
+      </p:sp>
+    </p:spTree>
+    <p:extLst>
+      <p:ext uri="{BB962C8B-B14F-4D97-AF65-F5344CB8AC3E}">
+        <p14:creationId xmlns:p14="http://schemas.microsoft.com/office/powerpoint/2010/main" val="3556570732"/>
+      </p:ext>
+    </p:extLst>
+  </p:cSld>
+  <p:clrMap bg1="lt1" tx1="dk1" bg2="lt2" tx2="dk2" accent1="accent1" accent2="accent2" accent3="accent3" accent4="accent4" accent5="accent5" accent6="accent6" hlink="hlink" folHlink="folHlink"/>
+  <p:hf hdr="0" ftr="0" dt="0"/>
+</p:handoutMaster>
+</file>
+
+<file path=ppt/notesMasters/notesMaster1.xml><?xml version="1.0" encoding="utf-8"?>
+<p:notesMaster xmlns:a="http://schemas.openxmlformats.org/drawingml/2006/main" xmlns:r="http://schemas.openxmlformats.org/officeDocument/2006/relationships" xmlns:p="http://schemas.openxmlformats.org/presentationml/2006/main">
+  <p:cSld>
+    <p:bg>
+      <p:bgRef idx="1001">
+        <a:schemeClr val="bg1"/>
+      </p:bgRef>
+    </p:bg>
+    <p:spTree>
+      <p:nvGrpSpPr>
+        <p:cNvPr id="1" name=""/>
+        <p:cNvGrpSpPr/>
+        <p:nvPr/>
+      </p:nvGrpSpPr>
+      <p:grpSpPr>
+        <a:xfrm>
+          <a:off x="0" y="0"/>
+          <a:ext cx="0" cy="0"/>
+          <a:chOff x="0" y="0"/>
+          <a:chExt cx="0" cy="0"/>
+        </a:xfrm>
+      </p:grpSpPr>
+      <p:sp>
+        <p:nvSpPr>
+          <p:cNvPr id="2" name="Header Placeholder 1"/>
+          <p:cNvSpPr>
+            <a:spLocks noGrp="1"/>
+          </p:cNvSpPr>
+          <p:nvPr>
+            <p:ph type="hdr" sz="quarter"/>
+          </p:nvPr>
+        </p:nvSpPr>
+        <p:spPr>
+          <a:xfrm>
+            <a:off x="0" y="0"/>
+            <a:ext cx="2971800" cy="458788"/>
+          </a:xfrm>
+          <a:prstGeom prst="rect">
+            <a:avLst/>
+          </a:prstGeom>
+        </p:spPr>
+        <p:txBody>
+          <a:bodyPr vert="horz" lIns="91440" tIns="45720" rIns="91440" bIns="45720" rtlCol="0"/>
+          <a:lstStyle>
+            <a:lvl1pPr algn="l">
+              <a:defRPr sz="1200"/>
+            </a:lvl1pPr>
+          </a:lstStyle>
+          <a:p>
+            <a:r>
+              <a:rPr lang="en-US" smtClean="0"/>
+              <a:t>SmartTrainer</a:t>
+            </a:r>
+            <a:endParaRPr lang="en-US"/>
+          </a:p>
+        </p:txBody>
+      </p:sp>
+      <p:sp>
+        <p:nvSpPr>
+          <p:cNvPr id="3" name="Date Placeholder 2"/>
+          <p:cNvSpPr>
+            <a:spLocks noGrp="1"/>
+          </p:cNvSpPr>
+          <p:nvPr>
+            <p:ph type="dt" idx="1"/>
+          </p:nvPr>
+        </p:nvSpPr>
+        <p:spPr>
+          <a:xfrm>
+            <a:off x="3884613" y="0"/>
+            <a:ext cx="2971800" cy="458788"/>
+          </a:xfrm>
+          <a:prstGeom prst="rect">
+            <a:avLst/>
+          </a:prstGeom>
+        </p:spPr>
+        <p:txBody>
+          <a:bodyPr vert="horz" lIns="91440" tIns="45720" rIns="91440" bIns="45720" rtlCol="0"/>
+          <a:lstStyle>
+            <a:lvl1pPr algn="r">
+              <a:defRPr sz="1200"/>
+            </a:lvl1pPr>
+          </a:lstStyle>
+          <a:p>
+            <a:fld id="{3A39A34A-B577-4822-9E04-BED87EC64BE8}" type="datetimeFigureOut">
+              <a:rPr lang="en-US" smtClean="0"/>
+              <a:t>3/8/2019</a:t>
+            </a:fld>
+            <a:endParaRPr lang="en-US"/>
+          </a:p>
+        </p:txBody>
+      </p:sp>
+      <p:sp>
+        <p:nvSpPr>
+          <p:cNvPr id="4" name="Slide Image Placeholder 3"/>
+          <p:cNvSpPr>
+            <a:spLocks noGrp="1" noRot="1" noChangeAspect="1"/>
+          </p:cNvSpPr>
+          <p:nvPr>
+            <p:ph type="sldImg" idx="2"/>
+          </p:nvPr>
+        </p:nvSpPr>
+        <p:spPr>
+          <a:xfrm>
+            <a:off x="685800" y="1143000"/>
+            <a:ext cx="5486400" cy="3086100"/>
+          </a:xfrm>
+          <a:prstGeom prst="rect">
+            <a:avLst/>
+          </a:prstGeom>
+          <a:noFill/>
+          <a:ln w="12700">
+            <a:solidFill>
+              <a:prstClr val="black"/>
+            </a:solidFill>
+          </a:ln>
+        </p:spPr>
+        <p:txBody>
+          <a:bodyPr vert="horz" lIns="91440" tIns="45720" rIns="91440" bIns="45720" rtlCol="0" anchor="ctr"/>
+          <a:lstStyle/>
+          <a:p>
+            <a:endParaRPr lang="en-US"/>
+          </a:p>
+        </p:txBody>
+      </p:sp>
+      <p:sp>
+        <p:nvSpPr>
+          <p:cNvPr id="5" name="Notes Placeholder 4"/>
+          <p:cNvSpPr>
+            <a:spLocks noGrp="1"/>
+          </p:cNvSpPr>
+          <p:nvPr>
+            <p:ph type="body" sz="quarter" idx="3"/>
+          </p:nvPr>
+        </p:nvSpPr>
+        <p:spPr>
+          <a:xfrm>
+            <a:off x="685800" y="4400550"/>
+            <a:ext cx="5486400" cy="3600450"/>
+          </a:xfrm>
+          <a:prstGeom prst="rect">
+            <a:avLst/>
+          </a:prstGeom>
+        </p:spPr>
+        <p:txBody>
+          <a:bodyPr vert="horz" lIns="91440" tIns="45720" rIns="91440" bIns="45720" rtlCol="0"/>
+          <a:lstStyle/>
+          <a:p>
+            <a:pPr lvl="0"/>
+            <a:r>
+              <a:rPr lang="en-US" smtClean="0"/>
+              <a:t>Edit Master text styles</a:t>
+            </a:r>
+          </a:p>
+          <a:p>
+            <a:pPr lvl="1"/>
+            <a:r>
+              <a:rPr lang="en-US" smtClean="0"/>
+              <a:t>Second level</a:t>
+            </a:r>
+          </a:p>
+          <a:p>
+            <a:pPr lvl="2"/>
+            <a:r>
+              <a:rPr lang="en-US" smtClean="0"/>
+              <a:t>Third level</a:t>
+            </a:r>
+          </a:p>
+          <a:p>
+            <a:pPr lvl="3"/>
+            <a:r>
+              <a:rPr lang="en-US" smtClean="0"/>
+              <a:t>Fourth level</a:t>
+            </a:r>
+          </a:p>
+          <a:p>
+            <a:pPr lvl="4"/>
+            <a:r>
+              <a:rPr lang="en-US" smtClean="0"/>
+              <a:t>Fifth level</a:t>
+            </a:r>
+            <a:endParaRPr lang="en-US"/>
+          </a:p>
+        </p:txBody>
+      </p:sp>
+      <p:sp>
+        <p:nvSpPr>
+          <p:cNvPr id="6" name="Footer Placeholder 5"/>
+          <p:cNvSpPr>
+            <a:spLocks noGrp="1"/>
+          </p:cNvSpPr>
+          <p:nvPr>
+            <p:ph type="ftr" sz="quarter" idx="4"/>
+          </p:nvPr>
+        </p:nvSpPr>
+        <p:spPr>
+          <a:xfrm>
+            <a:off x="0" y="8685213"/>
+            <a:ext cx="2971800" cy="458787"/>
+          </a:xfrm>
+          <a:prstGeom prst="rect">
+            <a:avLst/>
+          </a:prstGeom>
+        </p:spPr>
+        <p:txBody>
+          <a:bodyPr vert="horz" lIns="91440" tIns="45720" rIns="91440" bIns="45720" rtlCol="0" anchor="b"/>
+          <a:lstStyle>
+            <a:lvl1pPr algn="l">
+              <a:defRPr sz="1200"/>
+            </a:lvl1pPr>
+          </a:lstStyle>
+          <a:p>
+            <a:endParaRPr lang="en-US"/>
+          </a:p>
+        </p:txBody>
+      </p:sp>
+      <p:sp>
+        <p:nvSpPr>
+          <p:cNvPr id="7" name="Slide Number Placeholder 6"/>
+          <p:cNvSpPr>
+            <a:spLocks noGrp="1"/>
+          </p:cNvSpPr>
+          <p:nvPr>
+            <p:ph type="sldNum" sz="quarter" idx="5"/>
+          </p:nvPr>
+        </p:nvSpPr>
+        <p:spPr>
+          <a:xfrm>
+            <a:off x="3884613" y="8685213"/>
+            <a:ext cx="2971800" cy="458787"/>
+          </a:xfrm>
+          <a:prstGeom prst="rect">
+            <a:avLst/>
+          </a:prstGeom>
+        </p:spPr>
+        <p:txBody>
+          <a:bodyPr vert="horz" lIns="91440" tIns="45720" rIns="91440" bIns="45720" rtlCol="0" anchor="b"/>
+          <a:lstStyle>
+            <a:lvl1pPr algn="r">
+              <a:defRPr sz="1200"/>
+            </a:lvl1pPr>
+          </a:lstStyle>
+          <a:p>
+            <a:fld id="{498C7DDE-E6CF-4C49-B432-6C6756017978}" type="slidenum">
+              <a:rPr lang="en-US" smtClean="0"/>
+              <a:t>‹#›</a:t>
+            </a:fld>
+            <a:endParaRPr lang="en-US"/>
+          </a:p>
+        </p:txBody>
+      </p:sp>
+    </p:spTree>
+    <p:extLst>
+      <p:ext uri="{BB962C8B-B14F-4D97-AF65-F5344CB8AC3E}">
+        <p14:creationId xmlns:p14="http://schemas.microsoft.com/office/powerpoint/2010/main" val="3337903337"/>
+      </p:ext>
+    </p:extLst>
+  </p:cSld>
+  <p:clrMap bg1="lt1" tx1="dk1" bg2="lt2" tx2="dk2" accent1="accent1" accent2="accent2" accent3="accent3" accent4="accent4" accent5="accent5" accent6="accent6" hlink="hlink" folHlink="folHlink"/>
+  <p:hf hdr="0" ftr="0" dt="0"/>
+  <p:notesStyle>
+    <a:lvl1pPr marL="0" algn="l" defTabSz="914400" rtl="0" eaLnBrk="1" latinLnBrk="0" hangingPunct="1">
+      <a:defRPr sz="1200" kern="1200">
+        <a:solidFill>
+          <a:schemeClr val="tx1"/>
+        </a:solidFill>
+        <a:latin typeface="+mn-lt"/>
+        <a:ea typeface="+mn-ea"/>
+        <a:cs typeface="+mn-cs"/>
+      </a:defRPr>
+    </a:lvl1pPr>
+    <a:lvl2pPr marL="457200" algn="l" defTabSz="914400" rtl="0" eaLnBrk="1" latinLnBrk="0" hangingPunct="1">
+      <a:defRPr sz="1200" kern="1200">
+        <a:solidFill>
+          <a:schemeClr val="tx1"/>
+        </a:solidFill>
+        <a:latin typeface="+mn-lt"/>
+        <a:ea typeface="+mn-ea"/>
+        <a:cs typeface="+mn-cs"/>
+      </a:defRPr>
+    </a:lvl2pPr>
+    <a:lvl3pPr marL="914400" algn="l" defTabSz="914400" rtl="0" eaLnBrk="1" latinLnBrk="0" hangingPunct="1">
+      <a:defRPr sz="1200" kern="1200">
+        <a:solidFill>
+          <a:schemeClr val="tx1"/>
+        </a:solidFill>
+        <a:latin typeface="+mn-lt"/>
+        <a:ea typeface="+mn-ea"/>
+        <a:cs typeface="+mn-cs"/>
+      </a:defRPr>
+    </a:lvl3pPr>
+    <a:lvl4pPr marL="1371600" algn="l" defTabSz="914400" rtl="0" eaLnBrk="1" latinLnBrk="0" hangingPunct="1">
+      <a:defRPr sz="1200" kern="1200">
+        <a:solidFill>
+          <a:schemeClr val="tx1"/>
+        </a:solidFill>
+        <a:latin typeface="+mn-lt"/>
+        <a:ea typeface="+mn-ea"/>
+        <a:cs typeface="+mn-cs"/>
+      </a:defRPr>
+    </a:lvl4pPr>
+    <a:lvl5pPr marL="1828800" algn="l" defTabSz="914400" rtl="0" eaLnBrk="1" latinLnBrk="0" hangingPunct="1">
+      <a:defRPr sz="1200" kern="1200">
+        <a:solidFill>
+          <a:schemeClr val="tx1"/>
+        </a:solidFill>
+        <a:latin typeface="+mn-lt"/>
+        <a:ea typeface="+mn-ea"/>
+        <a:cs typeface="+mn-cs"/>
+      </a:defRPr>
+    </a:lvl5pPr>
+    <a:lvl6pPr marL="2286000" algn="l" defTabSz="914400" rtl="0" eaLnBrk="1" latinLnBrk="0" hangingPunct="1">
+      <a:defRPr sz="1200" kern="1200">
+        <a:solidFill>
+          <a:schemeClr val="tx1"/>
+        </a:solidFill>
+        <a:latin typeface="+mn-lt"/>
+        <a:ea typeface="+mn-ea"/>
+        <a:cs typeface="+mn-cs"/>
+      </a:defRPr>
+    </a:lvl6pPr>
+    <a:lvl7pPr marL="2743200" algn="l" defTabSz="914400" rtl="0" eaLnBrk="1" latinLnBrk="0" hangingPunct="1">
+      <a:defRPr sz="1200" kern="1200">
+        <a:solidFill>
+          <a:schemeClr val="tx1"/>
+        </a:solidFill>
+        <a:latin typeface="+mn-lt"/>
+        <a:ea typeface="+mn-ea"/>
+        <a:cs typeface="+mn-cs"/>
+      </a:defRPr>
+    </a:lvl7pPr>
+    <a:lvl8pPr marL="3200400" algn="l" defTabSz="914400" rtl="0" eaLnBrk="1" latinLnBrk="0" hangingPunct="1">
+      <a:defRPr sz="1200" kern="1200">
+        <a:solidFill>
+          <a:schemeClr val="tx1"/>
+        </a:solidFill>
+        <a:latin typeface="+mn-lt"/>
+        <a:ea typeface="+mn-ea"/>
+        <a:cs typeface="+mn-cs"/>
+      </a:defRPr>
+    </a:lvl8pPr>
+    <a:lvl9pPr marL="3657600" algn="l" defTabSz="914400" rtl="0" eaLnBrk="1" latinLnBrk="0" hangingPunct="1">
+      <a:defRPr sz="1200" kern="1200">
+        <a:solidFill>
+          <a:schemeClr val="tx1"/>
+        </a:solidFill>
+        <a:latin typeface="+mn-lt"/>
+        <a:ea typeface="+mn-ea"/>
+        <a:cs typeface="+mn-cs"/>
+      </a:defRPr>
+    </a:lvl9pPr>
+  </p:notesStyle>
+</p:notesMaster>
 </file>
 
 <file path=ppt/slideLayouts/slideLayout1.xml><?xml version="1.0" encoding="utf-8"?>
@@ -243,9 +781,9 @@
           <a:bodyPr/>
           <a:lstStyle/>
           <a:p>
-            <a:fld id="{9A86CC99-9A1E-485A-BBD4-1F17EF1A1A5F}" type="datetimeFigureOut">
-              <a:rPr lang="en-US" smtClean="0"/>
-              <a:t>3/5/2018</a:t>
+            <a:fld id="{F8928817-B442-4882-89C0-FEB114C5DF5E}" type="datetime1">
+              <a:rPr lang="en-US" smtClean="0"/>
+              <a:t>3/8/2019</a:t>
             </a:fld>
             <a:endParaRPr lang="en-US"/>
           </a:p>
@@ -266,6 +804,10 @@
           <a:bodyPr/>
           <a:lstStyle/>
           <a:p>
+            <a:r>
+              <a:rPr lang="en-US" smtClean="0"/>
+              <a:t>http://bit.ly/smarTrainer</a:t>
+            </a:r>
             <a:endParaRPr lang="en-US"/>
           </a:p>
         </p:txBody>
@@ -413,9 +955,9 @@
           <a:bodyPr/>
           <a:lstStyle/>
           <a:p>
-            <a:fld id="{9A86CC99-9A1E-485A-BBD4-1F17EF1A1A5F}" type="datetimeFigureOut">
-              <a:rPr lang="en-US" smtClean="0"/>
-              <a:t>3/5/2018</a:t>
+            <a:fld id="{60C586EC-80A7-4A5A-936E-9F77B7F7DD95}" type="datetime1">
+              <a:rPr lang="en-US" smtClean="0"/>
+              <a:t>3/8/2019</a:t>
             </a:fld>
             <a:endParaRPr lang="en-US"/>
           </a:p>
@@ -436,6 +978,10 @@
           <a:bodyPr/>
           <a:lstStyle/>
           <a:p>
+            <a:r>
+              <a:rPr lang="en-US" smtClean="0"/>
+              <a:t>http://bit.ly/smarTrainer</a:t>
+            </a:r>
             <a:endParaRPr lang="en-US"/>
           </a:p>
         </p:txBody>
@@ -593,9 +1139,9 @@
           <a:bodyPr/>
           <a:lstStyle/>
           <a:p>
-            <a:fld id="{9A86CC99-9A1E-485A-BBD4-1F17EF1A1A5F}" type="datetimeFigureOut">
-              <a:rPr lang="en-US" smtClean="0"/>
-              <a:t>3/5/2018</a:t>
+            <a:fld id="{A43C20CD-562E-47CE-8F18-B36CD88EB756}" type="datetime1">
+              <a:rPr lang="en-US" smtClean="0"/>
+              <a:t>3/8/2019</a:t>
             </a:fld>
             <a:endParaRPr lang="en-US"/>
           </a:p>
@@ -616,6 +1162,10 @@
           <a:bodyPr/>
           <a:lstStyle/>
           <a:p>
+            <a:r>
+              <a:rPr lang="en-US" smtClean="0"/>
+              <a:t>http://bit.ly/smarTrainer</a:t>
+            </a:r>
             <a:endParaRPr lang="en-US"/>
           </a:p>
         </p:txBody>
@@ -763,9 +1313,9 @@
           <a:bodyPr/>
           <a:lstStyle/>
           <a:p>
-            <a:fld id="{9A86CC99-9A1E-485A-BBD4-1F17EF1A1A5F}" type="datetimeFigureOut">
-              <a:rPr lang="en-US" smtClean="0"/>
-              <a:t>3/5/2018</a:t>
+            <a:fld id="{D376477A-B1DB-4F66-82FD-25BE2AEB125C}" type="datetime1">
+              <a:rPr lang="en-US" smtClean="0"/>
+              <a:t>3/8/2019</a:t>
             </a:fld>
             <a:endParaRPr lang="en-US"/>
           </a:p>
@@ -786,6 +1336,10 @@
           <a:bodyPr/>
           <a:lstStyle/>
           <a:p>
+            <a:r>
+              <a:rPr lang="en-US" smtClean="0"/>
+              <a:t>http://bit.ly/smarTrainer</a:t>
+            </a:r>
             <a:endParaRPr lang="en-US"/>
           </a:p>
         </p:txBody>
@@ -1009,9 +1563,9 @@
           <a:bodyPr/>
           <a:lstStyle/>
           <a:p>
-            <a:fld id="{9A86CC99-9A1E-485A-BBD4-1F17EF1A1A5F}" type="datetimeFigureOut">
-              <a:rPr lang="en-US" smtClean="0"/>
-              <a:t>3/5/2018</a:t>
+            <a:fld id="{15BC9EEF-7878-4697-90EF-FBC17DBF014F}" type="datetime1">
+              <a:rPr lang="en-US" smtClean="0"/>
+              <a:t>3/8/2019</a:t>
             </a:fld>
             <a:endParaRPr lang="en-US"/>
           </a:p>
@@ -1032,6 +1586,10 @@
           <a:bodyPr/>
           <a:lstStyle/>
           <a:p>
+            <a:r>
+              <a:rPr lang="en-US" smtClean="0"/>
+              <a:t>http://bit.ly/smarTrainer</a:t>
+            </a:r>
             <a:endParaRPr lang="en-US"/>
           </a:p>
         </p:txBody>
@@ -1241,9 +1799,9 @@
           <a:bodyPr/>
           <a:lstStyle/>
           <a:p>
-            <a:fld id="{9A86CC99-9A1E-485A-BBD4-1F17EF1A1A5F}" type="datetimeFigureOut">
-              <a:rPr lang="en-US" smtClean="0"/>
-              <a:t>3/5/2018</a:t>
+            <a:fld id="{CD0705C3-2C08-48DA-9B1A-CC9D1161A64A}" type="datetime1">
+              <a:rPr lang="en-US" smtClean="0"/>
+              <a:t>3/8/2019</a:t>
             </a:fld>
             <a:endParaRPr lang="en-US"/>
           </a:p>
@@ -1264,6 +1822,10 @@
           <a:bodyPr/>
           <a:lstStyle/>
           <a:p>
+            <a:r>
+              <a:rPr lang="en-US" smtClean="0"/>
+              <a:t>http://bit.ly/smarTrainer</a:t>
+            </a:r>
             <a:endParaRPr lang="en-US"/>
           </a:p>
         </p:txBody>
@@ -1608,9 +2170,9 @@
           <a:bodyPr/>
           <a:lstStyle/>
           <a:p>
-            <a:fld id="{9A86CC99-9A1E-485A-BBD4-1F17EF1A1A5F}" type="datetimeFigureOut">
-              <a:rPr lang="en-US" smtClean="0"/>
-              <a:t>3/5/2018</a:t>
+            <a:fld id="{FA1A5361-1C1F-4B7D-8AA6-B65C199B576C}" type="datetime1">
+              <a:rPr lang="en-US" smtClean="0"/>
+              <a:t>3/8/2019</a:t>
             </a:fld>
             <a:endParaRPr lang="en-US"/>
           </a:p>
@@ -1631,6 +2193,10 @@
           <a:bodyPr/>
           <a:lstStyle/>
           <a:p>
+            <a:r>
+              <a:rPr lang="en-US" smtClean="0"/>
+              <a:t>http://bit.ly/smarTrainer</a:t>
+            </a:r>
             <a:endParaRPr lang="en-US"/>
           </a:p>
         </p:txBody>
@@ -1726,9 +2292,9 @@
           <a:bodyPr/>
           <a:lstStyle/>
           <a:p>
-            <a:fld id="{9A86CC99-9A1E-485A-BBD4-1F17EF1A1A5F}" type="datetimeFigureOut">
-              <a:rPr lang="en-US" smtClean="0"/>
-              <a:t>3/5/2018</a:t>
+            <a:fld id="{7306E5F8-B740-4847-B9F4-52A525224AB6}" type="datetime1">
+              <a:rPr lang="en-US" smtClean="0"/>
+              <a:t>3/8/2019</a:t>
             </a:fld>
             <a:endParaRPr lang="en-US"/>
           </a:p>
@@ -1749,6 +2315,10 @@
           <a:bodyPr/>
           <a:lstStyle/>
           <a:p>
+            <a:r>
+              <a:rPr lang="en-US" smtClean="0"/>
+              <a:t>http://bit.ly/smarTrainer</a:t>
+            </a:r>
             <a:endParaRPr lang="en-US"/>
           </a:p>
         </p:txBody>
@@ -1821,9 +2391,9 @@
           <a:bodyPr/>
           <a:lstStyle/>
           <a:p>
-            <a:fld id="{9A86CC99-9A1E-485A-BBD4-1F17EF1A1A5F}" type="datetimeFigureOut">
-              <a:rPr lang="en-US" smtClean="0"/>
-              <a:t>3/5/2018</a:t>
+            <a:fld id="{27EEE175-04E7-4AB0-83EF-F006007972C5}" type="datetime1">
+              <a:rPr lang="en-US" smtClean="0"/>
+              <a:t>3/8/2019</a:t>
             </a:fld>
             <a:endParaRPr lang="en-US"/>
           </a:p>
@@ -1844,6 +2414,10 @@
           <a:bodyPr/>
           <a:lstStyle/>
           <a:p>
+            <a:r>
+              <a:rPr lang="en-US" smtClean="0"/>
+              <a:t>http://bit.ly/smarTrainer</a:t>
+            </a:r>
             <a:endParaRPr lang="en-US"/>
           </a:p>
         </p:txBody>
@@ -2098,9 +2672,9 @@
           <a:bodyPr/>
           <a:lstStyle/>
           <a:p>
-            <a:fld id="{9A86CC99-9A1E-485A-BBD4-1F17EF1A1A5F}" type="datetimeFigureOut">
-              <a:rPr lang="en-US" smtClean="0"/>
-              <a:t>3/5/2018</a:t>
+            <a:fld id="{4D6085ED-B5C3-42A6-AE63-EA4ECA3D8C0B}" type="datetime1">
+              <a:rPr lang="en-US" smtClean="0"/>
+              <a:t>3/8/2019</a:t>
             </a:fld>
             <a:endParaRPr lang="en-US"/>
           </a:p>
@@ -2121,6 +2695,10 @@
           <a:bodyPr/>
           <a:lstStyle/>
           <a:p>
+            <a:r>
+              <a:rPr lang="en-US" smtClean="0"/>
+              <a:t>http://bit.ly/smarTrainer</a:t>
+            </a:r>
             <a:endParaRPr lang="en-US"/>
           </a:p>
         </p:txBody>
@@ -2351,9 +2929,9 @@
           <a:bodyPr/>
           <a:lstStyle/>
           <a:p>
-            <a:fld id="{9A86CC99-9A1E-485A-BBD4-1F17EF1A1A5F}" type="datetimeFigureOut">
-              <a:rPr lang="en-US" smtClean="0"/>
-              <a:t>3/5/2018</a:t>
+            <a:fld id="{EBCB0B42-0D7A-4D2A-90BB-D33ED4596C4E}" type="datetime1">
+              <a:rPr lang="en-US" smtClean="0"/>
+              <a:t>3/8/2019</a:t>
             </a:fld>
             <a:endParaRPr lang="en-US"/>
           </a:p>
@@ -2374,6 +2952,10 @@
           <a:bodyPr/>
           <a:lstStyle/>
           <a:p>
+            <a:r>
+              <a:rPr lang="en-US" smtClean="0"/>
+              <a:t>http://bit.ly/smarTrainer</a:t>
+            </a:r>
             <a:endParaRPr lang="en-US"/>
           </a:p>
         </p:txBody>
@@ -2564,9 +3146,9 @@
             </a:lvl1pPr>
           </a:lstStyle>
           <a:p>
-            <a:fld id="{9A86CC99-9A1E-485A-BBD4-1F17EF1A1A5F}" type="datetimeFigureOut">
-              <a:rPr lang="en-US" smtClean="0"/>
-              <a:t>3/5/2018</a:t>
+            <a:fld id="{77AE52C5-DC1A-4CBF-9AD7-9B8E76A298BE}" type="datetime1">
+              <a:rPr lang="en-US" smtClean="0"/>
+              <a:t>3/8/2019</a:t>
             </a:fld>
             <a:endParaRPr lang="en-US"/>
           </a:p>
@@ -2605,6 +3187,10 @@
             </a:lvl1pPr>
           </a:lstStyle>
           <a:p>
+            <a:r>
+              <a:rPr lang="en-US" smtClean="0"/>
+              <a:t>http://bit.ly/smarTrainer</a:t>
+            </a:r>
             <a:endParaRPr lang="en-US"/>
           </a:p>
         </p:txBody>
@@ -2671,6 +3257,7 @@
     <p:sldLayoutId id="2147483658" r:id="rId10"/>
     <p:sldLayoutId id="2147483659" r:id="rId11"/>
   </p:sldLayoutIdLst>
+  <p:hf hdr="0" dt="0"/>
   <p:txStyles>
     <p:titleStyle>
       <a:lvl1pPr algn="l" defTabSz="914400" rtl="0" eaLnBrk="1" latinLnBrk="0" hangingPunct="1">
@@ -2971,6 +3558,36 @@
           <a:chExt cx="0" cy="0"/>
         </a:xfrm>
       </p:grpSpPr>
+      <p:pic>
+        <p:nvPicPr>
+          <p:cNvPr id="5" name="Picture 4"/>
+          <p:cNvPicPr>
+            <a:picLocks noChangeAspect="1"/>
+          </p:cNvPicPr>
+          <p:nvPr/>
+        </p:nvPicPr>
+        <p:blipFill>
+          <a:blip r:embed="rId2">
+            <a:extLst>
+              <a:ext uri="{28A0092B-C50C-407E-A947-70E740481C1C}">
+                <a14:useLocalDpi xmlns:a14="http://schemas.microsoft.com/office/drawing/2010/main" val="0"/>
+              </a:ext>
+            </a:extLst>
+          </a:blip>
+          <a:stretch>
+            <a:fillRect/>
+          </a:stretch>
+        </p:blipFill>
+        <p:spPr>
+          <a:xfrm>
+            <a:off x="0" y="-28918"/>
+            <a:ext cx="12234034" cy="6886918"/>
+          </a:xfrm>
+          <a:prstGeom prst="rect">
+            <a:avLst/>
+          </a:prstGeom>
+        </p:spPr>
+      </p:pic>
       <p:sp>
         <p:nvSpPr>
           <p:cNvPr id="2" name="Title 1"/>
@@ -2981,35 +3598,184 @@
             <p:ph type="ctrTitle"/>
           </p:nvPr>
         </p:nvSpPr>
-        <p:spPr/>
+        <p:spPr>
+          <a:xfrm>
+            <a:off x="182880" y="2145552"/>
+            <a:ext cx="3879669" cy="1025434"/>
+          </a:xfrm>
+        </p:spPr>
+        <p:txBody>
+          <a:bodyPr>
+            <a:normAutofit fontScale="90000"/>
+          </a:bodyPr>
+          <a:lstStyle/>
+          <a:p>
+            <a:pPr algn="l"/>
+            <a:r>
+              <a:rPr lang="en-US" dirty="0" smtClean="0">
+                <a:solidFill>
+                  <a:schemeClr val="bg1"/>
+                </a:solidFill>
+              </a:rPr>
+              <a:t>Smart Trainer</a:t>
+            </a:r>
+            <a:endParaRPr lang="en-US" dirty="0">
+              <a:solidFill>
+                <a:schemeClr val="bg1"/>
+              </a:solidFill>
+            </a:endParaRPr>
+          </a:p>
+        </p:txBody>
+      </p:sp>
+      <p:sp>
+        <p:nvSpPr>
+          <p:cNvPr id="3" name="Subtitle 2"/>
+          <p:cNvSpPr>
+            <a:spLocks noGrp="1"/>
+          </p:cNvSpPr>
+          <p:nvPr>
+            <p:ph type="subTitle" idx="1"/>
+          </p:nvPr>
+        </p:nvSpPr>
+        <p:spPr>
+          <a:xfrm>
+            <a:off x="-104004" y="3062249"/>
+            <a:ext cx="3252651" cy="1655762"/>
+          </a:xfrm>
+        </p:spPr>
         <p:txBody>
           <a:bodyPr/>
           <a:lstStyle/>
           <a:p>
             <a:r>
-              <a:rPr lang="en-US" dirty="0" smtClean="0"/>
-              <a:t>Smart Trainer</a:t>
-            </a:r>
-            <a:endParaRPr lang="en-US" dirty="0"/>
-          </a:p>
-        </p:txBody>
-      </p:sp>
-      <p:sp>
-        <p:nvSpPr>
-          <p:cNvPr id="3" name="Subtitle 2"/>
-          <p:cNvSpPr>
-            <a:spLocks noGrp="1"/>
-          </p:cNvSpPr>
-          <p:nvPr>
-            <p:ph type="subTitle" idx="1"/>
-          </p:nvPr>
-        </p:nvSpPr>
-        <p:spPr/>
+              <a:rPr lang="bg-BG" dirty="0" smtClean="0">
+                <a:solidFill>
+                  <a:schemeClr val="accent5">
+                    <a:lumMod val="60000"/>
+                    <a:lumOff val="40000"/>
+                  </a:schemeClr>
+                </a:solidFill>
+              </a:rPr>
+              <a:t>Постигни най-добрата си форма до сега</a:t>
+            </a:r>
+            <a:r>
+              <a:rPr lang="en-US" dirty="0" smtClean="0">
+                <a:solidFill>
+                  <a:schemeClr val="accent5">
+                    <a:lumMod val="60000"/>
+                    <a:lumOff val="40000"/>
+                  </a:schemeClr>
+                </a:solidFill>
+              </a:rPr>
+              <a:t>!</a:t>
+            </a:r>
+            <a:endParaRPr lang="en-US" dirty="0">
+              <a:solidFill>
+                <a:schemeClr val="accent5">
+                  <a:lumMod val="60000"/>
+                  <a:lumOff val="40000"/>
+                </a:schemeClr>
+              </a:solidFill>
+            </a:endParaRPr>
+          </a:p>
+        </p:txBody>
+      </p:sp>
+      <p:pic>
+        <p:nvPicPr>
+          <p:cNvPr id="6" name="Picture 5"/>
+          <p:cNvPicPr>
+            <a:picLocks noChangeAspect="1"/>
+          </p:cNvPicPr>
+          <p:nvPr/>
+        </p:nvPicPr>
+        <p:blipFill>
+          <a:blip r:embed="rId3" cstate="print">
+            <a:extLst>
+              <a:ext uri="{28A0092B-C50C-407E-A947-70E740481C1C}">
+                <a14:useLocalDpi xmlns:a14="http://schemas.microsoft.com/office/drawing/2010/main" val="0"/>
+              </a:ext>
+            </a:extLst>
+          </a:blip>
+          <a:stretch>
+            <a:fillRect/>
+          </a:stretch>
+        </p:blipFill>
+        <p:spPr>
+          <a:xfrm>
+            <a:off x="245178" y="31853"/>
+            <a:ext cx="1430882" cy="1667828"/>
+          </a:xfrm>
+          <a:prstGeom prst="rect">
+            <a:avLst/>
+          </a:prstGeom>
+        </p:spPr>
+      </p:pic>
+      <p:sp>
+        <p:nvSpPr>
+          <p:cNvPr id="7" name="TextBox 6"/>
+          <p:cNvSpPr txBox="1"/>
+          <p:nvPr/>
+        </p:nvSpPr>
+        <p:spPr>
+          <a:xfrm>
+            <a:off x="0" y="6462378"/>
+            <a:ext cx="5212080" cy="369332"/>
+          </a:xfrm>
+          <a:prstGeom prst="rect">
+            <a:avLst/>
+          </a:prstGeom>
+          <a:noFill/>
+        </p:spPr>
+        <p:txBody>
+          <a:bodyPr wrap="square" rtlCol="0">
+            <a:spAutoFit/>
+          </a:bodyPr>
+          <a:lstStyle/>
+          <a:p>
+            <a:r>
+              <a:rPr lang="en-US" dirty="0">
+                <a:solidFill>
+                  <a:schemeClr val="bg1"/>
+                </a:solidFill>
+              </a:rPr>
+              <a:t>http://bit.ly/smarTrainer</a:t>
+            </a:r>
+          </a:p>
+        </p:txBody>
+      </p:sp>
+      <p:sp>
+        <p:nvSpPr>
+          <p:cNvPr id="9" name="Slide Number Placeholder 8"/>
+          <p:cNvSpPr>
+            <a:spLocks noGrp="1"/>
+          </p:cNvSpPr>
+          <p:nvPr>
+            <p:ph type="sldNum" sz="quarter" idx="12"/>
+          </p:nvPr>
+        </p:nvSpPr>
+        <p:spPr>
+          <a:xfrm>
+            <a:off x="9329057" y="6462378"/>
+            <a:ext cx="2743200" cy="365125"/>
+          </a:xfrm>
+        </p:spPr>
         <p:txBody>
           <a:bodyPr/>
           <a:lstStyle/>
           <a:p>
-            <a:endParaRPr lang="en-US" dirty="0"/>
+            <a:fld id="{C3483869-27D3-4E01-B51C-D2D621F71896}" type="slidenum">
+              <a:rPr lang="en-US" smtClean="0">
+                <a:solidFill>
+                  <a:schemeClr val="bg1"/>
+                </a:solidFill>
+              </a:rPr>
+              <a:t>1</a:t>
+            </a:fld>
+            <a:endParaRPr lang="en-US" dirty="0">
+              <a:solidFill>
+                <a:schemeClr val="bg1"/>
+              </a:solidFill>
+            </a:endParaRPr>
           </a:p>
         </p:txBody>
       </p:sp>
@@ -3023,6 +3789,263 @@
   <p:clrMapOvr>
     <a:masterClrMapping/>
   </p:clrMapOvr>
+  <p:timing>
+    <p:tnLst>
+      <p:par>
+        <p:cTn id="1" dur="indefinite" restart="never" nodeType="tmRoot"/>
+      </p:par>
+    </p:tnLst>
+  </p:timing>
+</p:sld>
+</file>
+
+<file path=ppt/slides/slide10.xml><?xml version="1.0" encoding="utf-8"?>
+<p:sld xmlns:a="http://schemas.openxmlformats.org/drawingml/2006/main" xmlns:r="http://schemas.openxmlformats.org/officeDocument/2006/relationships" xmlns:p="http://schemas.openxmlformats.org/presentationml/2006/main">
+  <p:cSld>
+    <p:spTree>
+      <p:nvGrpSpPr>
+        <p:cNvPr id="1" name=""/>
+        <p:cNvGrpSpPr/>
+        <p:nvPr/>
+      </p:nvGrpSpPr>
+      <p:grpSpPr>
+        <a:xfrm>
+          <a:off x="0" y="0"/>
+          <a:ext cx="0" cy="0"/>
+          <a:chOff x="0" y="0"/>
+          <a:chExt cx="0" cy="0"/>
+        </a:xfrm>
+      </p:grpSpPr>
+      <p:pic>
+        <p:nvPicPr>
+          <p:cNvPr id="8" name="Picture 7"/>
+          <p:cNvPicPr>
+            <a:picLocks noChangeAspect="1"/>
+          </p:cNvPicPr>
+          <p:nvPr/>
+        </p:nvPicPr>
+        <p:blipFill>
+          <a:blip r:embed="rId2">
+            <a:extLst>
+              <a:ext uri="{28A0092B-C50C-407E-A947-70E740481C1C}">
+                <a14:useLocalDpi xmlns:a14="http://schemas.microsoft.com/office/drawing/2010/main" val="0"/>
+              </a:ext>
+            </a:extLst>
+          </a:blip>
+          <a:stretch>
+            <a:fillRect/>
+          </a:stretch>
+        </p:blipFill>
+        <p:spPr>
+          <a:xfrm>
+            <a:off x="250018" y="712694"/>
+            <a:ext cx="11668557" cy="5591921"/>
+          </a:xfrm>
+          <a:prstGeom prst="rect">
+            <a:avLst/>
+          </a:prstGeom>
+        </p:spPr>
+      </p:pic>
+      <p:sp>
+        <p:nvSpPr>
+          <p:cNvPr id="4" name="Footer Placeholder 3"/>
+          <p:cNvSpPr>
+            <a:spLocks noGrp="1"/>
+          </p:cNvSpPr>
+          <p:nvPr>
+            <p:ph type="ftr" sz="quarter" idx="11"/>
+          </p:nvPr>
+        </p:nvSpPr>
+        <p:spPr/>
+        <p:txBody>
+          <a:bodyPr/>
+          <a:lstStyle/>
+          <a:p>
+            <a:r>
+              <a:rPr lang="en-US" smtClean="0"/>
+              <a:t>http://bit.ly/smarTrainer</a:t>
+            </a:r>
+            <a:endParaRPr lang="en-US"/>
+          </a:p>
+        </p:txBody>
+      </p:sp>
+      <p:sp>
+        <p:nvSpPr>
+          <p:cNvPr id="5" name="Slide Number Placeholder 4"/>
+          <p:cNvSpPr>
+            <a:spLocks noGrp="1"/>
+          </p:cNvSpPr>
+          <p:nvPr>
+            <p:ph type="sldNum" sz="quarter" idx="12"/>
+          </p:nvPr>
+        </p:nvSpPr>
+        <p:spPr/>
+        <p:txBody>
+          <a:bodyPr/>
+          <a:lstStyle/>
+          <a:p>
+            <a:fld id="{C3483869-27D3-4E01-B51C-D2D621F71896}" type="slidenum">
+              <a:rPr lang="en-US" smtClean="0"/>
+              <a:t>10</a:t>
+            </a:fld>
+            <a:endParaRPr lang="en-US"/>
+          </a:p>
+        </p:txBody>
+      </p:sp>
+      <p:pic>
+        <p:nvPicPr>
+          <p:cNvPr id="7" name="Picture 6"/>
+          <p:cNvPicPr>
+            <a:picLocks noChangeAspect="1"/>
+          </p:cNvPicPr>
+          <p:nvPr/>
+        </p:nvPicPr>
+        <p:blipFill>
+          <a:blip r:embed="rId3" cstate="print">
+            <a:extLst>
+              <a:ext uri="{28A0092B-C50C-407E-A947-70E740481C1C}">
+                <a14:useLocalDpi xmlns:a14="http://schemas.microsoft.com/office/drawing/2010/main" val="0"/>
+              </a:ext>
+            </a:extLst>
+          </a:blip>
+          <a:stretch>
+            <a:fillRect/>
+          </a:stretch>
+        </p:blipFill>
+        <p:spPr>
+          <a:xfrm>
+            <a:off x="250019" y="56137"/>
+            <a:ext cx="592759" cy="656557"/>
+          </a:xfrm>
+          <a:prstGeom prst="rect">
+            <a:avLst/>
+          </a:prstGeom>
+        </p:spPr>
+      </p:pic>
+      <p:sp>
+        <p:nvSpPr>
+          <p:cNvPr id="9" name="TextBox 8"/>
+          <p:cNvSpPr txBox="1"/>
+          <p:nvPr/>
+        </p:nvSpPr>
+        <p:spPr>
+          <a:xfrm>
+            <a:off x="2061930" y="4242512"/>
+            <a:ext cx="8068140" cy="2062103"/>
+          </a:xfrm>
+          <a:prstGeom prst="rect">
+            <a:avLst/>
+          </a:prstGeom>
+          <a:noFill/>
+        </p:spPr>
+        <p:txBody>
+          <a:bodyPr wrap="square" rtlCol="0">
+            <a:spAutoFit/>
+            <a:scene3d>
+              <a:camera prst="orthographicFront"/>
+              <a:lightRig rig="threePt" dir="t"/>
+            </a:scene3d>
+            <a:sp3d extrusionH="57150">
+              <a:bevelT w="1143000" h="114300"/>
+              <a:bevelB w="0"/>
+              <a:extrusionClr>
+                <a:schemeClr val="bg1">
+                  <a:lumMod val="95000"/>
+                </a:schemeClr>
+              </a:extrusionClr>
+            </a:sp3d>
+          </a:bodyPr>
+          <a:lstStyle/>
+          <a:p>
+            <a:r>
+              <a:rPr lang="bg-BG" sz="3200" b="1" dirty="0" smtClean="0">
+                <a:solidFill>
+                  <a:schemeClr val="bg1"/>
+                </a:solidFill>
+                <a:latin typeface="Times New Roman" panose="02020603050405020304" pitchFamily="18" charset="0"/>
+                <a:cs typeface="Times New Roman" panose="02020603050405020304" pitchFamily="18" charset="0"/>
+              </a:rPr>
+              <a:t>„Приложението е идеална алтернатива на </a:t>
+            </a:r>
+            <a:r>
+              <a:rPr lang="en-US" sz="3200" b="1" dirty="0" err="1" smtClean="0">
+                <a:solidFill>
+                  <a:schemeClr val="bg1"/>
+                </a:solidFill>
+                <a:latin typeface="Times New Roman" panose="02020603050405020304" pitchFamily="18" charset="0"/>
+                <a:cs typeface="Times New Roman" panose="02020603050405020304" pitchFamily="18" charset="0"/>
+              </a:rPr>
+              <a:t>MyFitnessPal</a:t>
+            </a:r>
+            <a:r>
+              <a:rPr lang="en-US" sz="3200" b="1" dirty="0" smtClean="0">
+                <a:solidFill>
+                  <a:schemeClr val="bg1"/>
+                </a:solidFill>
+                <a:latin typeface="Times New Roman" panose="02020603050405020304" pitchFamily="18" charset="0"/>
+                <a:cs typeface="Times New Roman" panose="02020603050405020304" pitchFamily="18" charset="0"/>
+              </a:rPr>
+              <a:t>.</a:t>
+            </a:r>
+            <a:r>
+              <a:rPr lang="bg-BG" sz="3200" b="1" dirty="0" smtClean="0">
+                <a:solidFill>
+                  <a:schemeClr val="bg1"/>
+                </a:solidFill>
+                <a:latin typeface="Times New Roman" panose="02020603050405020304" pitchFamily="18" charset="0"/>
+                <a:cs typeface="Times New Roman" panose="02020603050405020304" pitchFamily="18" charset="0"/>
+              </a:rPr>
+              <a:t> </a:t>
+            </a:r>
+          </a:p>
+          <a:p>
+            <a:r>
+              <a:rPr lang="bg-BG" sz="3200" b="1" dirty="0" smtClean="0">
+                <a:solidFill>
+                  <a:schemeClr val="bg1"/>
+                </a:solidFill>
+                <a:latin typeface="Times New Roman" panose="02020603050405020304" pitchFamily="18" charset="0"/>
+                <a:cs typeface="Times New Roman" panose="02020603050405020304" pitchFamily="18" charset="0"/>
+              </a:rPr>
+              <a:t>Лесно за използване, а това че е на български език е най-големият му плюс.</a:t>
+            </a:r>
+            <a:r>
+              <a:rPr lang="en-US" sz="3200" b="1" dirty="0" smtClean="0">
+                <a:solidFill>
+                  <a:schemeClr val="bg1"/>
+                </a:solidFill>
+                <a:latin typeface="Times New Roman" panose="02020603050405020304" pitchFamily="18" charset="0"/>
+                <a:cs typeface="Times New Roman" panose="02020603050405020304" pitchFamily="18" charset="0"/>
+              </a:rPr>
+              <a:t>”</a:t>
+            </a:r>
+            <a:endParaRPr lang="en-US" sz="3200" b="1" dirty="0">
+              <a:solidFill>
+                <a:schemeClr val="bg1"/>
+              </a:solidFill>
+              <a:latin typeface="Times New Roman" panose="02020603050405020304" pitchFamily="18" charset="0"/>
+              <a:cs typeface="Times New Roman" panose="02020603050405020304" pitchFamily="18" charset="0"/>
+            </a:endParaRPr>
+          </a:p>
+        </p:txBody>
+      </p:sp>
+    </p:spTree>
+    <p:extLst>
+      <p:ext uri="{BB962C8B-B14F-4D97-AF65-F5344CB8AC3E}">
+        <p14:creationId xmlns:p14="http://schemas.microsoft.com/office/powerpoint/2010/main" val="637170374"/>
+      </p:ext>
+    </p:extLst>
+  </p:cSld>
+  <p:clrMapOvr>
+    <a:masterClrMapping/>
+  </p:clrMapOvr>
+  <p:timing>
+    <p:tnLst>
+      <p:par>
+        <p:cTn id="1" dur="indefinite" restart="never" nodeType="tmRoot"/>
+      </p:par>
+    </p:tnLst>
+  </p:timing>
 </p:sld>
 </file>
 
@@ -3043,44 +4066,16 @@
           <a:chExt cx="0" cy="0"/>
         </a:xfrm>
       </p:grpSpPr>
-      <p:sp>
-        <p:nvSpPr>
-          <p:cNvPr id="2" name="Title 1"/>
-          <p:cNvSpPr>
-            <a:spLocks noGrp="1"/>
-          </p:cNvSpPr>
-          <p:nvPr>
-            <p:ph type="title"/>
-          </p:nvPr>
-        </p:nvSpPr>
-        <p:spPr/>
-        <p:txBody>
-          <a:bodyPr/>
-          <a:lstStyle/>
-          <a:p>
-            <a:r>
-              <a:rPr lang="bg-BG" dirty="0" smtClean="0"/>
-              <a:t>90 Дневна диета</a:t>
-            </a:r>
-            <a:br>
-              <a:rPr lang="bg-BG" dirty="0" smtClean="0"/>
-            </a:br>
-            <a:endParaRPr lang="en-US" dirty="0"/>
-          </a:p>
-        </p:txBody>
-      </p:sp>
       <p:pic>
         <p:nvPicPr>
-          <p:cNvPr id="4" name="Content Placeholder 3"/>
+          <p:cNvPr id="36" name="Picture 35"/>
           <p:cNvPicPr>
-            <a:picLocks noGrp="1" noChangeAspect="1"/>
+            <a:picLocks noChangeAspect="1"/>
           </p:cNvPicPr>
-          <p:nvPr>
-            <p:ph idx="1"/>
-          </p:nvPr>
+          <p:nvPr/>
         </p:nvPicPr>
         <p:blipFill>
-          <a:blip r:embed="rId2">
+          <a:blip r:embed="rId2" cstate="print">
             <a:extLst>
               <a:ext uri="{28A0092B-C50C-407E-A947-70E740481C1C}">
                 <a14:useLocalDpi xmlns:a14="http://schemas.microsoft.com/office/drawing/2010/main" val="0"/>
@@ -3093,11 +4088,916 @@
         </p:blipFill>
         <p:spPr>
           <a:xfrm>
-            <a:off x="2433499" y="1101929"/>
-            <a:ext cx="5156021" cy="5156021"/>
-          </a:xfrm>
+            <a:off x="0" y="1201782"/>
+            <a:ext cx="12191999" cy="5656217"/>
+          </a:xfrm>
+          <a:prstGeom prst="rect">
+            <a:avLst/>
+          </a:prstGeom>
         </p:spPr>
       </p:pic>
+      <p:pic>
+        <p:nvPicPr>
+          <p:cNvPr id="6" name="Picture 5"/>
+          <p:cNvPicPr>
+            <a:picLocks noChangeAspect="1"/>
+          </p:cNvPicPr>
+          <p:nvPr/>
+        </p:nvPicPr>
+        <p:blipFill>
+          <a:blip r:embed="rId3" cstate="print">
+            <a:extLst>
+              <a:ext uri="{28A0092B-C50C-407E-A947-70E740481C1C}">
+                <a14:useLocalDpi xmlns:a14="http://schemas.microsoft.com/office/drawing/2010/main" val="0"/>
+              </a:ext>
+            </a:extLst>
+          </a:blip>
+          <a:stretch>
+            <a:fillRect/>
+          </a:stretch>
+        </p:blipFill>
+        <p:spPr>
+          <a:xfrm>
+            <a:off x="235676" y="146265"/>
+            <a:ext cx="795745" cy="927516"/>
+          </a:xfrm>
+          <a:prstGeom prst="rect">
+            <a:avLst/>
+          </a:prstGeom>
+        </p:spPr>
+      </p:pic>
+      <p:sp>
+        <p:nvSpPr>
+          <p:cNvPr id="11" name="Rectangle 10"/>
+          <p:cNvSpPr/>
+          <p:nvPr/>
+        </p:nvSpPr>
+        <p:spPr>
+          <a:xfrm>
+            <a:off x="570412" y="2401797"/>
+            <a:ext cx="3265714" cy="3775166"/>
+          </a:xfrm>
+          <a:prstGeom prst="rect">
+            <a:avLst/>
+          </a:prstGeom>
+          <a:solidFill>
+            <a:schemeClr val="dk1">
+              <a:alpha val="50000"/>
+            </a:schemeClr>
+          </a:solidFill>
+          <a:ln>
+            <a:noFill/>
+          </a:ln>
+        </p:spPr>
+        <p:style>
+          <a:lnRef idx="0">
+            <a:scrgbClr r="0" g="0" b="0"/>
+          </a:lnRef>
+          <a:fillRef idx="0">
+            <a:scrgbClr r="0" g="0" b="0"/>
+          </a:fillRef>
+          <a:effectRef idx="0">
+            <a:scrgbClr r="0" g="0" b="0"/>
+          </a:effectRef>
+          <a:fontRef idx="minor">
+            <a:schemeClr val="lt1"/>
+          </a:fontRef>
+        </p:style>
+        <p:txBody>
+          <a:bodyPr rtlCol="0" anchor="ctr"/>
+          <a:lstStyle/>
+          <a:p>
+            <a:pPr algn="ctr"/>
+            <a:endParaRPr lang="en-US"/>
+          </a:p>
+        </p:txBody>
+      </p:sp>
+      <p:pic>
+        <p:nvPicPr>
+          <p:cNvPr id="14" name="Content Placeholder 13"/>
+          <p:cNvPicPr>
+            <a:picLocks noGrp="1" noChangeAspect="1"/>
+          </p:cNvPicPr>
+          <p:nvPr>
+            <p:ph idx="1"/>
+          </p:nvPr>
+        </p:nvPicPr>
+        <p:blipFill>
+          <a:blip r:embed="rId4">
+            <a:extLst>
+              <a:ext uri="{28A0092B-C50C-407E-A947-70E740481C1C}">
+                <a14:useLocalDpi xmlns:a14="http://schemas.microsoft.com/office/drawing/2010/main" val="0"/>
+              </a:ext>
+            </a:extLst>
+          </a:blip>
+          <a:stretch>
+            <a:fillRect/>
+          </a:stretch>
+        </p:blipFill>
+        <p:spPr>
+          <a:xfrm>
+            <a:off x="1870165" y="2495050"/>
+            <a:ext cx="666206" cy="666206"/>
+          </a:xfrm>
+        </p:spPr>
+      </p:pic>
+      <p:sp>
+        <p:nvSpPr>
+          <p:cNvPr id="16" name="Rectangle 15"/>
+          <p:cNvSpPr/>
+          <p:nvPr/>
+        </p:nvSpPr>
+        <p:spPr>
+          <a:xfrm>
+            <a:off x="570412" y="2401797"/>
+            <a:ext cx="3265713" cy="3775166"/>
+          </a:xfrm>
+          <a:prstGeom prst="rect">
+            <a:avLst/>
+          </a:prstGeom>
+          <a:noFill/>
+          <a:ln w="57150">
+            <a:solidFill>
+              <a:schemeClr val="tx1"/>
+            </a:solidFill>
+          </a:ln>
+        </p:spPr>
+        <p:style>
+          <a:lnRef idx="0">
+            <a:scrgbClr r="0" g="0" b="0"/>
+          </a:lnRef>
+          <a:fillRef idx="0">
+            <a:scrgbClr r="0" g="0" b="0"/>
+          </a:fillRef>
+          <a:effectRef idx="0">
+            <a:scrgbClr r="0" g="0" b="0"/>
+          </a:effectRef>
+          <a:fontRef idx="minor">
+            <a:schemeClr val="dk1"/>
+          </a:fontRef>
+        </p:style>
+        <p:txBody>
+          <a:bodyPr rtlCol="0" anchor="ctr"/>
+          <a:lstStyle/>
+          <a:p>
+            <a:pPr algn="ctr"/>
+            <a:endParaRPr lang="en-US"/>
+          </a:p>
+        </p:txBody>
+      </p:sp>
+      <p:cxnSp>
+        <p:nvCxnSpPr>
+          <p:cNvPr id="21" name="Straight Connector 20"/>
+          <p:cNvCxnSpPr/>
+          <p:nvPr/>
+        </p:nvCxnSpPr>
+        <p:spPr>
+          <a:xfrm>
+            <a:off x="570412" y="3306958"/>
+            <a:ext cx="3265713" cy="0"/>
+          </a:xfrm>
+          <a:prstGeom prst="line">
+            <a:avLst/>
+          </a:prstGeom>
+          <a:ln w="57150">
+            <a:solidFill>
+              <a:schemeClr val="tx1"/>
+            </a:solidFill>
+          </a:ln>
+        </p:spPr>
+        <p:style>
+          <a:lnRef idx="1">
+            <a:schemeClr val="accent1"/>
+          </a:lnRef>
+          <a:fillRef idx="0">
+            <a:schemeClr val="accent1"/>
+          </a:fillRef>
+          <a:effectRef idx="0">
+            <a:schemeClr val="accent1"/>
+          </a:effectRef>
+          <a:fontRef idx="minor">
+            <a:schemeClr val="tx1"/>
+          </a:fontRef>
+        </p:style>
+      </p:cxnSp>
+      <p:sp>
+        <p:nvSpPr>
+          <p:cNvPr id="23" name="Rectangle 22"/>
+          <p:cNvSpPr/>
+          <p:nvPr/>
+        </p:nvSpPr>
+        <p:spPr>
+          <a:xfrm>
+            <a:off x="4329247" y="2401841"/>
+            <a:ext cx="3265714" cy="3775166"/>
+          </a:xfrm>
+          <a:prstGeom prst="rect">
+            <a:avLst/>
+          </a:prstGeom>
+          <a:solidFill>
+            <a:schemeClr val="dk1">
+              <a:alpha val="50000"/>
+            </a:schemeClr>
+          </a:solidFill>
+          <a:ln>
+            <a:noFill/>
+          </a:ln>
+        </p:spPr>
+        <p:style>
+          <a:lnRef idx="0">
+            <a:scrgbClr r="0" g="0" b="0"/>
+          </a:lnRef>
+          <a:fillRef idx="0">
+            <a:scrgbClr r="0" g="0" b="0"/>
+          </a:fillRef>
+          <a:effectRef idx="0">
+            <a:scrgbClr r="0" g="0" b="0"/>
+          </a:effectRef>
+          <a:fontRef idx="minor">
+            <a:schemeClr val="lt1"/>
+          </a:fontRef>
+        </p:style>
+        <p:txBody>
+          <a:bodyPr rtlCol="0" anchor="ctr"/>
+          <a:lstStyle/>
+          <a:p>
+            <a:pPr algn="ctr"/>
+            <a:endParaRPr lang="en-US"/>
+          </a:p>
+        </p:txBody>
+      </p:sp>
+      <p:sp>
+        <p:nvSpPr>
+          <p:cNvPr id="25" name="Rectangle 24"/>
+          <p:cNvSpPr/>
+          <p:nvPr/>
+        </p:nvSpPr>
+        <p:spPr>
+          <a:xfrm>
+            <a:off x="4314010" y="2401797"/>
+            <a:ext cx="3265713" cy="3775166"/>
+          </a:xfrm>
+          <a:prstGeom prst="rect">
+            <a:avLst/>
+          </a:prstGeom>
+          <a:noFill/>
+          <a:ln w="57150">
+            <a:solidFill>
+              <a:schemeClr val="tx1"/>
+            </a:solidFill>
+          </a:ln>
+        </p:spPr>
+        <p:style>
+          <a:lnRef idx="0">
+            <a:scrgbClr r="0" g="0" b="0"/>
+          </a:lnRef>
+          <a:fillRef idx="0">
+            <a:scrgbClr r="0" g="0" b="0"/>
+          </a:fillRef>
+          <a:effectRef idx="0">
+            <a:scrgbClr r="0" g="0" b="0"/>
+          </a:effectRef>
+          <a:fontRef idx="minor">
+            <a:schemeClr val="dk1"/>
+          </a:fontRef>
+        </p:style>
+        <p:txBody>
+          <a:bodyPr rtlCol="0" anchor="ctr"/>
+          <a:lstStyle/>
+          <a:p>
+            <a:pPr algn="ctr"/>
+            <a:endParaRPr lang="en-US"/>
+          </a:p>
+        </p:txBody>
+      </p:sp>
+      <p:cxnSp>
+        <p:nvCxnSpPr>
+          <p:cNvPr id="26" name="Straight Connector 25"/>
+          <p:cNvCxnSpPr/>
+          <p:nvPr/>
+        </p:nvCxnSpPr>
+        <p:spPr>
+          <a:xfrm>
+            <a:off x="4314009" y="3306958"/>
+            <a:ext cx="3265713" cy="0"/>
+          </a:xfrm>
+          <a:prstGeom prst="line">
+            <a:avLst/>
+          </a:prstGeom>
+          <a:ln w="57150">
+            <a:solidFill>
+              <a:schemeClr val="tx1"/>
+            </a:solidFill>
+          </a:ln>
+        </p:spPr>
+        <p:style>
+          <a:lnRef idx="1">
+            <a:schemeClr val="accent1"/>
+          </a:lnRef>
+          <a:fillRef idx="0">
+            <a:schemeClr val="accent1"/>
+          </a:fillRef>
+          <a:effectRef idx="0">
+            <a:schemeClr val="accent1"/>
+          </a:effectRef>
+          <a:fontRef idx="minor">
+            <a:schemeClr val="tx1"/>
+          </a:fontRef>
+        </p:style>
+      </p:cxnSp>
+      <p:sp>
+        <p:nvSpPr>
+          <p:cNvPr id="32" name="Rectangle 31"/>
+          <p:cNvSpPr/>
+          <p:nvPr/>
+        </p:nvSpPr>
+        <p:spPr>
+          <a:xfrm>
+            <a:off x="8103319" y="2401841"/>
+            <a:ext cx="3265714" cy="3775166"/>
+          </a:xfrm>
+          <a:prstGeom prst="rect">
+            <a:avLst/>
+          </a:prstGeom>
+          <a:solidFill>
+            <a:schemeClr val="dk1">
+              <a:alpha val="50000"/>
+            </a:schemeClr>
+          </a:solidFill>
+          <a:ln>
+            <a:noFill/>
+          </a:ln>
+        </p:spPr>
+        <p:style>
+          <a:lnRef idx="0">
+            <a:scrgbClr r="0" g="0" b="0"/>
+          </a:lnRef>
+          <a:fillRef idx="0">
+            <a:scrgbClr r="0" g="0" b="0"/>
+          </a:fillRef>
+          <a:effectRef idx="0">
+            <a:scrgbClr r="0" g="0" b="0"/>
+          </a:effectRef>
+          <a:fontRef idx="minor">
+            <a:schemeClr val="lt1"/>
+          </a:fontRef>
+        </p:style>
+        <p:txBody>
+          <a:bodyPr rtlCol="0" anchor="ctr"/>
+          <a:lstStyle/>
+          <a:p>
+            <a:pPr algn="ctr"/>
+            <a:endParaRPr lang="en-US"/>
+          </a:p>
+        </p:txBody>
+      </p:sp>
+      <p:pic>
+        <p:nvPicPr>
+          <p:cNvPr id="33" name="Content Placeholder 13"/>
+          <p:cNvPicPr>
+            <a:picLocks noChangeAspect="1"/>
+          </p:cNvPicPr>
+          <p:nvPr/>
+        </p:nvPicPr>
+        <p:blipFill>
+          <a:blip r:embed="rId5">
+            <a:extLst>
+              <a:ext uri="{28A0092B-C50C-407E-A947-70E740481C1C}">
+                <a14:useLocalDpi xmlns:a14="http://schemas.microsoft.com/office/drawing/2010/main" val="0"/>
+              </a:ext>
+            </a:extLst>
+          </a:blip>
+          <a:stretch>
+            <a:fillRect/>
+          </a:stretch>
+        </p:blipFill>
+        <p:spPr>
+          <a:xfrm>
+            <a:off x="9403073" y="2453541"/>
+            <a:ext cx="666206" cy="666206"/>
+          </a:xfrm>
+          <a:prstGeom prst="rect">
+            <a:avLst/>
+          </a:prstGeom>
+        </p:spPr>
+      </p:pic>
+      <p:sp>
+        <p:nvSpPr>
+          <p:cNvPr id="34" name="Rectangle 33"/>
+          <p:cNvSpPr/>
+          <p:nvPr/>
+        </p:nvSpPr>
+        <p:spPr>
+          <a:xfrm>
+            <a:off x="8088082" y="2401797"/>
+            <a:ext cx="3265713" cy="3775166"/>
+          </a:xfrm>
+          <a:prstGeom prst="rect">
+            <a:avLst/>
+          </a:prstGeom>
+          <a:noFill/>
+          <a:ln w="57150">
+            <a:solidFill>
+              <a:schemeClr val="tx1"/>
+            </a:solidFill>
+          </a:ln>
+        </p:spPr>
+        <p:style>
+          <a:lnRef idx="0">
+            <a:scrgbClr r="0" g="0" b="0"/>
+          </a:lnRef>
+          <a:fillRef idx="0">
+            <a:scrgbClr r="0" g="0" b="0"/>
+          </a:fillRef>
+          <a:effectRef idx="0">
+            <a:scrgbClr r="0" g="0" b="0"/>
+          </a:effectRef>
+          <a:fontRef idx="minor">
+            <a:schemeClr val="dk1"/>
+          </a:fontRef>
+        </p:style>
+        <p:txBody>
+          <a:bodyPr rtlCol="0" anchor="ctr"/>
+          <a:lstStyle/>
+          <a:p>
+            <a:pPr algn="ctr"/>
+            <a:endParaRPr lang="en-US"/>
+          </a:p>
+        </p:txBody>
+      </p:sp>
+      <p:cxnSp>
+        <p:nvCxnSpPr>
+          <p:cNvPr id="35" name="Straight Connector 34"/>
+          <p:cNvCxnSpPr/>
+          <p:nvPr/>
+        </p:nvCxnSpPr>
+        <p:spPr>
+          <a:xfrm>
+            <a:off x="8088081" y="3306958"/>
+            <a:ext cx="3265713" cy="0"/>
+          </a:xfrm>
+          <a:prstGeom prst="line">
+            <a:avLst/>
+          </a:prstGeom>
+          <a:ln w="57150">
+            <a:solidFill>
+              <a:schemeClr val="tx1"/>
+            </a:solidFill>
+          </a:ln>
+        </p:spPr>
+        <p:style>
+          <a:lnRef idx="1">
+            <a:schemeClr val="accent1"/>
+          </a:lnRef>
+          <a:fillRef idx="0">
+            <a:schemeClr val="accent1"/>
+          </a:fillRef>
+          <a:effectRef idx="0">
+            <a:schemeClr val="accent1"/>
+          </a:effectRef>
+          <a:fontRef idx="minor">
+            <a:schemeClr val="tx1"/>
+          </a:fontRef>
+        </p:style>
+      </p:cxnSp>
+      <p:sp>
+        <p:nvSpPr>
+          <p:cNvPr id="37" name="TextBox 36"/>
+          <p:cNvSpPr txBox="1"/>
+          <p:nvPr/>
+        </p:nvSpPr>
+        <p:spPr>
+          <a:xfrm>
+            <a:off x="666206" y="3452661"/>
+            <a:ext cx="2939143" cy="430887"/>
+          </a:xfrm>
+          <a:prstGeom prst="rect">
+            <a:avLst/>
+          </a:prstGeom>
+          <a:noFill/>
+        </p:spPr>
+        <p:txBody>
+          <a:bodyPr wrap="square" rtlCol="0">
+            <a:spAutoFit/>
+          </a:bodyPr>
+          <a:lstStyle/>
+          <a:p>
+            <a:pPr algn="ctr"/>
+            <a:r>
+              <a:rPr lang="bg-BG" sz="2200" b="1" dirty="0" smtClean="0">
+                <a:solidFill>
+                  <a:schemeClr val="bg1"/>
+                </a:solidFill>
+                <a:latin typeface="Times New Roman" panose="02020603050405020304" pitchFamily="18" charset="0"/>
+                <a:cs typeface="Times New Roman" panose="02020603050405020304" pitchFamily="18" charset="0"/>
+              </a:rPr>
+              <a:t>Без повече гладуване </a:t>
+            </a:r>
+            <a:endParaRPr lang="en-US" sz="2200" b="1" dirty="0">
+              <a:solidFill>
+                <a:schemeClr val="bg1"/>
+              </a:solidFill>
+              <a:latin typeface="Times New Roman" panose="02020603050405020304" pitchFamily="18" charset="0"/>
+              <a:cs typeface="Times New Roman" panose="02020603050405020304" pitchFamily="18" charset="0"/>
+            </a:endParaRPr>
+          </a:p>
+        </p:txBody>
+      </p:sp>
+      <p:sp>
+        <p:nvSpPr>
+          <p:cNvPr id="38" name="TextBox 37"/>
+          <p:cNvSpPr txBox="1"/>
+          <p:nvPr/>
+        </p:nvSpPr>
+        <p:spPr>
+          <a:xfrm>
+            <a:off x="666206" y="4180114"/>
+            <a:ext cx="3069771" cy="1200329"/>
+          </a:xfrm>
+          <a:prstGeom prst="rect">
+            <a:avLst/>
+          </a:prstGeom>
+          <a:noFill/>
+        </p:spPr>
+        <p:txBody>
+          <a:bodyPr wrap="square" rtlCol="0">
+            <a:spAutoFit/>
+          </a:bodyPr>
+          <a:lstStyle/>
+          <a:p>
+            <a:r>
+              <a:rPr lang="bg-BG" dirty="0" smtClean="0">
+                <a:solidFill>
+                  <a:schemeClr val="bg1"/>
+                </a:solidFill>
+              </a:rPr>
+              <a:t>Приложението ви запознава с гъвкавата диета, а калорийният калкулатор ви помага да започнете.</a:t>
+            </a:r>
+            <a:endParaRPr lang="en-US" dirty="0">
+              <a:solidFill>
+                <a:schemeClr val="bg1"/>
+              </a:solidFill>
+            </a:endParaRPr>
+          </a:p>
+        </p:txBody>
+      </p:sp>
+      <p:sp>
+        <p:nvSpPr>
+          <p:cNvPr id="39" name="Footer Placeholder 38"/>
+          <p:cNvSpPr>
+            <a:spLocks noGrp="1"/>
+          </p:cNvSpPr>
+          <p:nvPr>
+            <p:ph type="ftr" sz="quarter" idx="11"/>
+          </p:nvPr>
+        </p:nvSpPr>
+        <p:spPr/>
+        <p:txBody>
+          <a:bodyPr/>
+          <a:lstStyle/>
+          <a:p>
+            <a:r>
+              <a:rPr lang="en-US" dirty="0" smtClean="0">
+                <a:solidFill>
+                  <a:schemeClr val="bg1"/>
+                </a:solidFill>
+              </a:rPr>
+              <a:t>http://bit.ly/smarTrainer</a:t>
+            </a:r>
+            <a:endParaRPr lang="en-US" dirty="0">
+              <a:solidFill>
+                <a:schemeClr val="bg1"/>
+              </a:solidFill>
+            </a:endParaRPr>
+          </a:p>
+        </p:txBody>
+      </p:sp>
+      <p:sp>
+        <p:nvSpPr>
+          <p:cNvPr id="40" name="Slide Number Placeholder 39"/>
+          <p:cNvSpPr>
+            <a:spLocks noGrp="1"/>
+          </p:cNvSpPr>
+          <p:nvPr>
+            <p:ph type="sldNum" sz="quarter" idx="12"/>
+          </p:nvPr>
+        </p:nvSpPr>
+        <p:spPr/>
+        <p:txBody>
+          <a:bodyPr/>
+          <a:lstStyle/>
+          <a:p>
+            <a:fld id="{C3483869-27D3-4E01-B51C-D2D621F71896}" type="slidenum">
+              <a:rPr lang="en-US" smtClean="0">
+                <a:solidFill>
+                  <a:schemeClr val="bg1"/>
+                </a:solidFill>
+              </a:rPr>
+              <a:t>2</a:t>
+            </a:fld>
+            <a:endParaRPr lang="en-US" dirty="0">
+              <a:solidFill>
+                <a:schemeClr val="bg1"/>
+              </a:solidFill>
+            </a:endParaRPr>
+          </a:p>
+        </p:txBody>
+      </p:sp>
+      <p:pic>
+        <p:nvPicPr>
+          <p:cNvPr id="41" name="Content Placeholder 13"/>
+          <p:cNvPicPr>
+            <a:picLocks noChangeAspect="1"/>
+          </p:cNvPicPr>
+          <p:nvPr/>
+        </p:nvPicPr>
+        <p:blipFill>
+          <a:blip r:embed="rId6">
+            <a:extLst>
+              <a:ext uri="{28A0092B-C50C-407E-A947-70E740481C1C}">
+                <a14:useLocalDpi xmlns:a14="http://schemas.microsoft.com/office/drawing/2010/main" val="0"/>
+              </a:ext>
+            </a:extLst>
+          </a:blip>
+          <a:stretch>
+            <a:fillRect/>
+          </a:stretch>
+        </p:blipFill>
+        <p:spPr>
+          <a:xfrm>
+            <a:off x="5613762" y="2551059"/>
+            <a:ext cx="666206" cy="666206"/>
+          </a:xfrm>
+          <a:prstGeom prst="rect">
+            <a:avLst/>
+          </a:prstGeom>
+        </p:spPr>
+      </p:pic>
+      <p:sp>
+        <p:nvSpPr>
+          <p:cNvPr id="42" name="TextBox 41"/>
+          <p:cNvSpPr txBox="1"/>
+          <p:nvPr/>
+        </p:nvSpPr>
+        <p:spPr>
+          <a:xfrm>
+            <a:off x="4406537" y="3486302"/>
+            <a:ext cx="3069771" cy="769441"/>
+          </a:xfrm>
+          <a:prstGeom prst="rect">
+            <a:avLst/>
+          </a:prstGeom>
+          <a:noFill/>
+        </p:spPr>
+        <p:txBody>
+          <a:bodyPr wrap="square" rtlCol="0">
+            <a:spAutoFit/>
+          </a:bodyPr>
+          <a:lstStyle/>
+          <a:p>
+            <a:pPr algn="ctr"/>
+            <a:r>
+              <a:rPr lang="bg-BG" sz="2200" b="1" dirty="0" smtClean="0">
+                <a:solidFill>
+                  <a:schemeClr val="bg1"/>
+                </a:solidFill>
+                <a:latin typeface="Times New Roman" panose="02020603050405020304" pitchFamily="18" charset="0"/>
+                <a:cs typeface="Times New Roman" panose="02020603050405020304" pitchFamily="18" charset="0"/>
+              </a:rPr>
+              <a:t>Лесно проследяване на прогреса</a:t>
+            </a:r>
+            <a:endParaRPr lang="en-US" sz="2200" b="1" dirty="0">
+              <a:solidFill>
+                <a:schemeClr val="bg1"/>
+              </a:solidFill>
+              <a:latin typeface="Times New Roman" panose="02020603050405020304" pitchFamily="18" charset="0"/>
+              <a:cs typeface="Times New Roman" panose="02020603050405020304" pitchFamily="18" charset="0"/>
+            </a:endParaRPr>
+          </a:p>
+        </p:txBody>
+      </p:sp>
+      <p:sp>
+        <p:nvSpPr>
+          <p:cNvPr id="43" name="TextBox 42"/>
+          <p:cNvSpPr txBox="1"/>
+          <p:nvPr/>
+        </p:nvSpPr>
+        <p:spPr>
+          <a:xfrm>
+            <a:off x="4406537" y="4330070"/>
+            <a:ext cx="3069771" cy="923330"/>
+          </a:xfrm>
+          <a:prstGeom prst="rect">
+            <a:avLst/>
+          </a:prstGeom>
+          <a:noFill/>
+        </p:spPr>
+        <p:txBody>
+          <a:bodyPr wrap="square" rtlCol="0">
+            <a:spAutoFit/>
+          </a:bodyPr>
+          <a:lstStyle/>
+          <a:p>
+            <a:r>
+              <a:rPr lang="en-US" dirty="0" err="1" smtClean="0">
+                <a:solidFill>
+                  <a:schemeClr val="bg1"/>
+                </a:solidFill>
+              </a:rPr>
+              <a:t>SmartTrainer</a:t>
+            </a:r>
+            <a:r>
+              <a:rPr lang="en-US" dirty="0" smtClean="0">
+                <a:solidFill>
+                  <a:schemeClr val="bg1"/>
+                </a:solidFill>
+              </a:rPr>
+              <a:t> </a:t>
+            </a:r>
+            <a:r>
+              <a:rPr lang="bg-BG" dirty="0" smtClean="0">
+                <a:solidFill>
+                  <a:schemeClr val="bg1"/>
+                </a:solidFill>
+              </a:rPr>
+              <a:t>записва всяка ваша тренировка и всички промени с теглото ви.</a:t>
+            </a:r>
+            <a:endParaRPr lang="en-US" dirty="0">
+              <a:solidFill>
+                <a:schemeClr val="bg1"/>
+              </a:solidFill>
+            </a:endParaRPr>
+          </a:p>
+        </p:txBody>
+      </p:sp>
+      <p:sp>
+        <p:nvSpPr>
+          <p:cNvPr id="44" name="TextBox 43"/>
+          <p:cNvSpPr txBox="1"/>
+          <p:nvPr/>
+        </p:nvSpPr>
+        <p:spPr>
+          <a:xfrm>
+            <a:off x="1384662" y="328627"/>
+            <a:ext cx="10175966" cy="830997"/>
+          </a:xfrm>
+          <a:prstGeom prst="rect">
+            <a:avLst/>
+          </a:prstGeom>
+          <a:noFill/>
+        </p:spPr>
+        <p:txBody>
+          <a:bodyPr wrap="square" rtlCol="0">
+            <a:spAutoFit/>
+          </a:bodyPr>
+          <a:lstStyle/>
+          <a:p>
+            <a:r>
+              <a:rPr lang="en-US" sz="2400" b="1" dirty="0" err="1" smtClean="0">
+                <a:latin typeface="Times New Roman" panose="02020603050405020304" pitchFamily="18" charset="0"/>
+                <a:cs typeface="Times New Roman" panose="02020603050405020304" pitchFamily="18" charset="0"/>
+              </a:rPr>
+              <a:t>SmartTrainer</a:t>
+            </a:r>
+            <a:r>
+              <a:rPr lang="bg-BG" sz="2400" b="1" dirty="0" smtClean="0">
+                <a:latin typeface="Times New Roman" panose="02020603050405020304" pitchFamily="18" charset="0"/>
+                <a:cs typeface="Times New Roman" panose="02020603050405020304" pitchFamily="18" charset="0"/>
+              </a:rPr>
+              <a:t> </a:t>
+            </a:r>
+            <a:r>
+              <a:rPr lang="bg-BG" sz="2400" b="1" dirty="0">
+                <a:latin typeface="Times New Roman" panose="02020603050405020304" pitchFamily="18" charset="0"/>
+                <a:cs typeface="Times New Roman" panose="02020603050405020304" pitchFamily="18" charset="0"/>
+              </a:rPr>
+              <a:t>се грижи за вас!</a:t>
+            </a:r>
+            <a:endParaRPr lang="en-US" sz="2400" b="1" dirty="0">
+              <a:latin typeface="Times New Roman" panose="02020603050405020304" pitchFamily="18" charset="0"/>
+              <a:cs typeface="Times New Roman" panose="02020603050405020304" pitchFamily="18" charset="0"/>
+            </a:endParaRPr>
+          </a:p>
+          <a:p>
+            <a:r>
+              <a:rPr lang="bg-BG" sz="2400" b="1" dirty="0" smtClean="0">
+                <a:latin typeface="Times New Roman" panose="02020603050405020304" pitchFamily="18" charset="0"/>
+                <a:cs typeface="Times New Roman" panose="02020603050405020304" pitchFamily="18" charset="0"/>
+              </a:rPr>
+              <a:t> </a:t>
+            </a:r>
+            <a:endParaRPr lang="en-US" sz="2400" b="1" dirty="0">
+              <a:latin typeface="Times New Roman" panose="02020603050405020304" pitchFamily="18" charset="0"/>
+              <a:cs typeface="Times New Roman" panose="02020603050405020304" pitchFamily="18" charset="0"/>
+            </a:endParaRPr>
+          </a:p>
+        </p:txBody>
+      </p:sp>
+      <p:sp>
+        <p:nvSpPr>
+          <p:cNvPr id="45" name="TextBox 44"/>
+          <p:cNvSpPr txBox="1"/>
+          <p:nvPr/>
+        </p:nvSpPr>
+        <p:spPr>
+          <a:xfrm>
+            <a:off x="8072844" y="3426061"/>
+            <a:ext cx="3069771" cy="769441"/>
+          </a:xfrm>
+          <a:prstGeom prst="rect">
+            <a:avLst/>
+          </a:prstGeom>
+          <a:noFill/>
+        </p:spPr>
+        <p:txBody>
+          <a:bodyPr wrap="square" rtlCol="0">
+            <a:spAutoFit/>
+          </a:bodyPr>
+          <a:lstStyle/>
+          <a:p>
+            <a:pPr algn="ctr"/>
+            <a:r>
+              <a:rPr lang="bg-BG" sz="2200" b="1" dirty="0" smtClean="0">
+                <a:solidFill>
+                  <a:schemeClr val="bg1"/>
+                </a:solidFill>
+                <a:latin typeface="Times New Roman" panose="02020603050405020304" pitchFamily="18" charset="0"/>
+                <a:cs typeface="Times New Roman" panose="02020603050405020304" pitchFamily="18" charset="0"/>
+              </a:rPr>
+              <a:t>Не забравяй никога повече</a:t>
+            </a:r>
+            <a:endParaRPr lang="en-US" sz="2200" b="1" dirty="0">
+              <a:solidFill>
+                <a:schemeClr val="bg1"/>
+              </a:solidFill>
+              <a:latin typeface="Times New Roman" panose="02020603050405020304" pitchFamily="18" charset="0"/>
+              <a:cs typeface="Times New Roman" panose="02020603050405020304" pitchFamily="18" charset="0"/>
+            </a:endParaRPr>
+          </a:p>
+        </p:txBody>
+      </p:sp>
+      <p:sp>
+        <p:nvSpPr>
+          <p:cNvPr id="24" name="TextBox 23"/>
+          <p:cNvSpPr txBox="1"/>
+          <p:nvPr/>
+        </p:nvSpPr>
+        <p:spPr>
+          <a:xfrm>
+            <a:off x="8165372" y="4255743"/>
+            <a:ext cx="3069771" cy="646331"/>
+          </a:xfrm>
+          <a:prstGeom prst="rect">
+            <a:avLst/>
+          </a:prstGeom>
+          <a:noFill/>
+        </p:spPr>
+        <p:txBody>
+          <a:bodyPr wrap="square" rtlCol="0">
+            <a:spAutoFit/>
+          </a:bodyPr>
+          <a:lstStyle/>
+          <a:p>
+            <a:r>
+              <a:rPr lang="en-US" dirty="0" err="1" smtClean="0">
+                <a:solidFill>
+                  <a:schemeClr val="bg1"/>
+                </a:solidFill>
+              </a:rPr>
+              <a:t>SmartTrainer</a:t>
+            </a:r>
+            <a:r>
+              <a:rPr lang="en-US" dirty="0" smtClean="0">
+                <a:solidFill>
+                  <a:schemeClr val="bg1"/>
+                </a:solidFill>
+              </a:rPr>
+              <a:t> </a:t>
+            </a:r>
+            <a:r>
+              <a:rPr lang="bg-BG" dirty="0" smtClean="0">
+                <a:solidFill>
+                  <a:schemeClr val="bg1"/>
+                </a:solidFill>
+              </a:rPr>
+              <a:t>ви подсеща кога трябва да се храните</a:t>
+            </a:r>
+            <a:r>
+              <a:rPr lang="bg-BG" dirty="0" smtClean="0">
+                <a:solidFill>
+                  <a:schemeClr val="bg1"/>
+                </a:solidFill>
+              </a:rPr>
+              <a:t>.</a:t>
+            </a:r>
+            <a:endParaRPr lang="en-US" dirty="0">
+              <a:solidFill>
+                <a:schemeClr val="bg1"/>
+              </a:solidFill>
+            </a:endParaRPr>
+          </a:p>
+        </p:txBody>
+      </p:sp>
     </p:spTree>
     <p:extLst>
       <p:ext uri="{BB962C8B-B14F-4D97-AF65-F5344CB8AC3E}">
@@ -3108,6 +5008,13 @@
   <p:clrMapOvr>
     <a:masterClrMapping/>
   </p:clrMapOvr>
+  <p:timing>
+    <p:tnLst>
+      <p:par>
+        <p:cTn id="1" dur="indefinite" restart="never" nodeType="tmRoot"/>
+      </p:par>
+    </p:tnLst>
+  </p:timing>
 </p:sld>
 </file>
 
@@ -3128,38 +5035,13 @@
           <a:chExt cx="0" cy="0"/>
         </a:xfrm>
       </p:grpSpPr>
-      <p:sp>
-        <p:nvSpPr>
-          <p:cNvPr id="2" name="Title 1"/>
-          <p:cNvSpPr>
-            <a:spLocks noGrp="1"/>
-          </p:cNvSpPr>
-          <p:nvPr>
-            <p:ph type="title"/>
-          </p:nvPr>
-        </p:nvSpPr>
-        <p:spPr/>
-        <p:txBody>
-          <a:bodyPr/>
-          <a:lstStyle/>
-          <a:p>
-            <a:r>
-              <a:rPr lang="en-US" dirty="0" smtClean="0"/>
-              <a:t>IIFYM</a:t>
-            </a:r>
-            <a:endParaRPr lang="en-US" dirty="0"/>
-          </a:p>
-        </p:txBody>
-      </p:sp>
       <p:pic>
         <p:nvPicPr>
-          <p:cNvPr id="4" name="Content Placeholder 3"/>
+          <p:cNvPr id="36" name="Picture 35"/>
           <p:cNvPicPr>
-            <a:picLocks noGrp="1" noChangeAspect="1"/>
+            <a:picLocks noChangeAspect="1"/>
           </p:cNvPicPr>
-          <p:nvPr>
-            <p:ph idx="1"/>
-          </p:nvPr>
+          <p:nvPr/>
         </p:nvPicPr>
         <p:blipFill>
           <a:blip r:embed="rId2">
@@ -3175,21 +5057,912 @@
         </p:blipFill>
         <p:spPr>
           <a:xfrm>
-            <a:off x="1319349" y="1783942"/>
-            <a:ext cx="8856617" cy="4536904"/>
-          </a:xfrm>
+            <a:off x="1" y="1201782"/>
+            <a:ext cx="12192000" cy="5669353"/>
+          </a:xfrm>
+          <a:prstGeom prst="rect">
+            <a:avLst/>
+          </a:prstGeom>
         </p:spPr>
       </p:pic>
+      <p:pic>
+        <p:nvPicPr>
+          <p:cNvPr id="6" name="Picture 5"/>
+          <p:cNvPicPr>
+            <a:picLocks noChangeAspect="1"/>
+          </p:cNvPicPr>
+          <p:nvPr/>
+        </p:nvPicPr>
+        <p:blipFill>
+          <a:blip r:embed="rId3" cstate="print">
+            <a:extLst>
+              <a:ext uri="{28A0092B-C50C-407E-A947-70E740481C1C}">
+                <a14:useLocalDpi xmlns:a14="http://schemas.microsoft.com/office/drawing/2010/main" val="0"/>
+              </a:ext>
+            </a:extLst>
+          </a:blip>
+          <a:stretch>
+            <a:fillRect/>
+          </a:stretch>
+        </p:blipFill>
+        <p:spPr>
+          <a:xfrm>
+            <a:off x="235676" y="146265"/>
+            <a:ext cx="795745" cy="927516"/>
+          </a:xfrm>
+          <a:prstGeom prst="rect">
+            <a:avLst/>
+          </a:prstGeom>
+        </p:spPr>
+      </p:pic>
+      <p:sp>
+        <p:nvSpPr>
+          <p:cNvPr id="11" name="Rectangle 10"/>
+          <p:cNvSpPr/>
+          <p:nvPr/>
+        </p:nvSpPr>
+        <p:spPr>
+          <a:xfrm>
+            <a:off x="570412" y="2401797"/>
+            <a:ext cx="3265714" cy="3775166"/>
+          </a:xfrm>
+          <a:prstGeom prst="rect">
+            <a:avLst/>
+          </a:prstGeom>
+          <a:solidFill>
+            <a:schemeClr val="dk1">
+              <a:alpha val="50000"/>
+            </a:schemeClr>
+          </a:solidFill>
+          <a:ln>
+            <a:noFill/>
+          </a:ln>
+        </p:spPr>
+        <p:style>
+          <a:lnRef idx="0">
+            <a:scrgbClr r="0" g="0" b="0"/>
+          </a:lnRef>
+          <a:fillRef idx="0">
+            <a:scrgbClr r="0" g="0" b="0"/>
+          </a:fillRef>
+          <a:effectRef idx="0">
+            <a:scrgbClr r="0" g="0" b="0"/>
+          </a:effectRef>
+          <a:fontRef idx="minor">
+            <a:schemeClr val="lt1"/>
+          </a:fontRef>
+        </p:style>
+        <p:txBody>
+          <a:bodyPr rtlCol="0" anchor="ctr"/>
+          <a:lstStyle/>
+          <a:p>
+            <a:pPr algn="ctr"/>
+            <a:endParaRPr lang="en-US"/>
+          </a:p>
+        </p:txBody>
+      </p:sp>
+      <p:pic>
+        <p:nvPicPr>
+          <p:cNvPr id="14" name="Content Placeholder 13"/>
+          <p:cNvPicPr>
+            <a:picLocks noGrp="1" noChangeAspect="1"/>
+          </p:cNvPicPr>
+          <p:nvPr>
+            <p:ph idx="1"/>
+          </p:nvPr>
+        </p:nvPicPr>
+        <p:blipFill>
+          <a:blip r:embed="rId4">
+            <a:extLst>
+              <a:ext uri="{28A0092B-C50C-407E-A947-70E740481C1C}">
+                <a14:useLocalDpi xmlns:a14="http://schemas.microsoft.com/office/drawing/2010/main" val="0"/>
+              </a:ext>
+            </a:extLst>
+          </a:blip>
+          <a:stretch>
+            <a:fillRect/>
+          </a:stretch>
+        </p:blipFill>
+        <p:spPr>
+          <a:xfrm>
+            <a:off x="1870165" y="2495050"/>
+            <a:ext cx="666206" cy="666206"/>
+          </a:xfrm>
+        </p:spPr>
+      </p:pic>
+      <p:sp>
+        <p:nvSpPr>
+          <p:cNvPr id="16" name="Rectangle 15"/>
+          <p:cNvSpPr/>
+          <p:nvPr/>
+        </p:nvSpPr>
+        <p:spPr>
+          <a:xfrm>
+            <a:off x="570412" y="2401797"/>
+            <a:ext cx="3265713" cy="3775166"/>
+          </a:xfrm>
+          <a:prstGeom prst="rect">
+            <a:avLst/>
+          </a:prstGeom>
+          <a:noFill/>
+          <a:ln w="57150">
+            <a:solidFill>
+              <a:schemeClr val="tx1"/>
+            </a:solidFill>
+          </a:ln>
+        </p:spPr>
+        <p:style>
+          <a:lnRef idx="0">
+            <a:scrgbClr r="0" g="0" b="0"/>
+          </a:lnRef>
+          <a:fillRef idx="0">
+            <a:scrgbClr r="0" g="0" b="0"/>
+          </a:fillRef>
+          <a:effectRef idx="0">
+            <a:scrgbClr r="0" g="0" b="0"/>
+          </a:effectRef>
+          <a:fontRef idx="minor">
+            <a:schemeClr val="dk1"/>
+          </a:fontRef>
+        </p:style>
+        <p:txBody>
+          <a:bodyPr rtlCol="0" anchor="ctr"/>
+          <a:lstStyle/>
+          <a:p>
+            <a:pPr algn="ctr"/>
+            <a:endParaRPr lang="en-US"/>
+          </a:p>
+        </p:txBody>
+      </p:sp>
+      <p:cxnSp>
+        <p:nvCxnSpPr>
+          <p:cNvPr id="21" name="Straight Connector 20"/>
+          <p:cNvCxnSpPr/>
+          <p:nvPr/>
+        </p:nvCxnSpPr>
+        <p:spPr>
+          <a:xfrm>
+            <a:off x="570412" y="3306958"/>
+            <a:ext cx="3265713" cy="0"/>
+          </a:xfrm>
+          <a:prstGeom prst="line">
+            <a:avLst/>
+          </a:prstGeom>
+          <a:ln w="57150">
+            <a:solidFill>
+              <a:schemeClr val="tx1"/>
+            </a:solidFill>
+          </a:ln>
+        </p:spPr>
+        <p:style>
+          <a:lnRef idx="1">
+            <a:schemeClr val="accent1"/>
+          </a:lnRef>
+          <a:fillRef idx="0">
+            <a:schemeClr val="accent1"/>
+          </a:fillRef>
+          <a:effectRef idx="0">
+            <a:schemeClr val="accent1"/>
+          </a:effectRef>
+          <a:fontRef idx="minor">
+            <a:schemeClr val="tx1"/>
+          </a:fontRef>
+        </p:style>
+      </p:cxnSp>
+      <p:sp>
+        <p:nvSpPr>
+          <p:cNvPr id="23" name="Rectangle 22"/>
+          <p:cNvSpPr/>
+          <p:nvPr/>
+        </p:nvSpPr>
+        <p:spPr>
+          <a:xfrm>
+            <a:off x="4329247" y="2401841"/>
+            <a:ext cx="3265714" cy="3775166"/>
+          </a:xfrm>
+          <a:prstGeom prst="rect">
+            <a:avLst/>
+          </a:prstGeom>
+          <a:solidFill>
+            <a:schemeClr val="dk1">
+              <a:alpha val="50000"/>
+            </a:schemeClr>
+          </a:solidFill>
+          <a:ln>
+            <a:noFill/>
+          </a:ln>
+        </p:spPr>
+        <p:style>
+          <a:lnRef idx="0">
+            <a:scrgbClr r="0" g="0" b="0"/>
+          </a:lnRef>
+          <a:fillRef idx="0">
+            <a:scrgbClr r="0" g="0" b="0"/>
+          </a:fillRef>
+          <a:effectRef idx="0">
+            <a:scrgbClr r="0" g="0" b="0"/>
+          </a:effectRef>
+          <a:fontRef idx="minor">
+            <a:schemeClr val="lt1"/>
+          </a:fontRef>
+        </p:style>
+        <p:txBody>
+          <a:bodyPr rtlCol="0" anchor="ctr"/>
+          <a:lstStyle/>
+          <a:p>
+            <a:pPr algn="ctr"/>
+            <a:endParaRPr lang="en-US"/>
+          </a:p>
+        </p:txBody>
+      </p:sp>
+      <p:sp>
+        <p:nvSpPr>
+          <p:cNvPr id="25" name="Rectangle 24"/>
+          <p:cNvSpPr/>
+          <p:nvPr/>
+        </p:nvSpPr>
+        <p:spPr>
+          <a:xfrm>
+            <a:off x="4314010" y="2401797"/>
+            <a:ext cx="3265713" cy="3775166"/>
+          </a:xfrm>
+          <a:prstGeom prst="rect">
+            <a:avLst/>
+          </a:prstGeom>
+          <a:noFill/>
+          <a:ln w="57150">
+            <a:solidFill>
+              <a:schemeClr val="tx1"/>
+            </a:solidFill>
+          </a:ln>
+        </p:spPr>
+        <p:style>
+          <a:lnRef idx="0">
+            <a:scrgbClr r="0" g="0" b="0"/>
+          </a:lnRef>
+          <a:fillRef idx="0">
+            <a:scrgbClr r="0" g="0" b="0"/>
+          </a:fillRef>
+          <a:effectRef idx="0">
+            <a:scrgbClr r="0" g="0" b="0"/>
+          </a:effectRef>
+          <a:fontRef idx="minor">
+            <a:schemeClr val="dk1"/>
+          </a:fontRef>
+        </p:style>
+        <p:txBody>
+          <a:bodyPr rtlCol="0" anchor="ctr"/>
+          <a:lstStyle/>
+          <a:p>
+            <a:pPr algn="ctr"/>
+            <a:endParaRPr lang="en-US"/>
+          </a:p>
+        </p:txBody>
+      </p:sp>
+      <p:cxnSp>
+        <p:nvCxnSpPr>
+          <p:cNvPr id="26" name="Straight Connector 25"/>
+          <p:cNvCxnSpPr/>
+          <p:nvPr/>
+        </p:nvCxnSpPr>
+        <p:spPr>
+          <a:xfrm>
+            <a:off x="4314009" y="3306958"/>
+            <a:ext cx="3265713" cy="0"/>
+          </a:xfrm>
+          <a:prstGeom prst="line">
+            <a:avLst/>
+          </a:prstGeom>
+          <a:ln w="57150">
+            <a:solidFill>
+              <a:schemeClr val="tx1"/>
+            </a:solidFill>
+          </a:ln>
+        </p:spPr>
+        <p:style>
+          <a:lnRef idx="1">
+            <a:schemeClr val="accent1"/>
+          </a:lnRef>
+          <a:fillRef idx="0">
+            <a:schemeClr val="accent1"/>
+          </a:fillRef>
+          <a:effectRef idx="0">
+            <a:schemeClr val="accent1"/>
+          </a:effectRef>
+          <a:fontRef idx="minor">
+            <a:schemeClr val="tx1"/>
+          </a:fontRef>
+        </p:style>
+      </p:cxnSp>
+      <p:sp>
+        <p:nvSpPr>
+          <p:cNvPr id="32" name="Rectangle 31"/>
+          <p:cNvSpPr/>
+          <p:nvPr/>
+        </p:nvSpPr>
+        <p:spPr>
+          <a:xfrm>
+            <a:off x="8103319" y="2401841"/>
+            <a:ext cx="3265714" cy="3775166"/>
+          </a:xfrm>
+          <a:prstGeom prst="rect">
+            <a:avLst/>
+          </a:prstGeom>
+          <a:solidFill>
+            <a:schemeClr val="dk1">
+              <a:alpha val="50000"/>
+            </a:schemeClr>
+          </a:solidFill>
+          <a:ln>
+            <a:noFill/>
+          </a:ln>
+        </p:spPr>
+        <p:style>
+          <a:lnRef idx="0">
+            <a:scrgbClr r="0" g="0" b="0"/>
+          </a:lnRef>
+          <a:fillRef idx="0">
+            <a:scrgbClr r="0" g="0" b="0"/>
+          </a:fillRef>
+          <a:effectRef idx="0">
+            <a:scrgbClr r="0" g="0" b="0"/>
+          </a:effectRef>
+          <a:fontRef idx="minor">
+            <a:schemeClr val="lt1"/>
+          </a:fontRef>
+        </p:style>
+        <p:txBody>
+          <a:bodyPr rtlCol="0" anchor="ctr"/>
+          <a:lstStyle/>
+          <a:p>
+            <a:pPr algn="ctr"/>
+            <a:endParaRPr lang="en-US"/>
+          </a:p>
+        </p:txBody>
+      </p:sp>
+      <p:pic>
+        <p:nvPicPr>
+          <p:cNvPr id="33" name="Content Placeholder 13"/>
+          <p:cNvPicPr>
+            <a:picLocks noChangeAspect="1"/>
+          </p:cNvPicPr>
+          <p:nvPr/>
+        </p:nvPicPr>
+        <p:blipFill>
+          <a:blip r:embed="rId5">
+            <a:extLst>
+              <a:ext uri="{28A0092B-C50C-407E-A947-70E740481C1C}">
+                <a14:useLocalDpi xmlns:a14="http://schemas.microsoft.com/office/drawing/2010/main" val="0"/>
+              </a:ext>
+            </a:extLst>
+          </a:blip>
+          <a:stretch>
+            <a:fillRect/>
+          </a:stretch>
+        </p:blipFill>
+        <p:spPr>
+          <a:xfrm>
+            <a:off x="9403073" y="2453541"/>
+            <a:ext cx="666206" cy="666206"/>
+          </a:xfrm>
+          <a:prstGeom prst="rect">
+            <a:avLst/>
+          </a:prstGeom>
+        </p:spPr>
+      </p:pic>
+      <p:sp>
+        <p:nvSpPr>
+          <p:cNvPr id="34" name="Rectangle 33"/>
+          <p:cNvSpPr/>
+          <p:nvPr/>
+        </p:nvSpPr>
+        <p:spPr>
+          <a:xfrm>
+            <a:off x="8088082" y="2401797"/>
+            <a:ext cx="3265713" cy="3775166"/>
+          </a:xfrm>
+          <a:prstGeom prst="rect">
+            <a:avLst/>
+          </a:prstGeom>
+          <a:noFill/>
+          <a:ln w="57150">
+            <a:solidFill>
+              <a:schemeClr val="tx1"/>
+            </a:solidFill>
+          </a:ln>
+        </p:spPr>
+        <p:style>
+          <a:lnRef idx="0">
+            <a:scrgbClr r="0" g="0" b="0"/>
+          </a:lnRef>
+          <a:fillRef idx="0">
+            <a:scrgbClr r="0" g="0" b="0"/>
+          </a:fillRef>
+          <a:effectRef idx="0">
+            <a:scrgbClr r="0" g="0" b="0"/>
+          </a:effectRef>
+          <a:fontRef idx="minor">
+            <a:schemeClr val="dk1"/>
+          </a:fontRef>
+        </p:style>
+        <p:txBody>
+          <a:bodyPr rtlCol="0" anchor="ctr"/>
+          <a:lstStyle/>
+          <a:p>
+            <a:pPr algn="ctr"/>
+            <a:endParaRPr lang="en-US"/>
+          </a:p>
+        </p:txBody>
+      </p:sp>
+      <p:cxnSp>
+        <p:nvCxnSpPr>
+          <p:cNvPr id="35" name="Straight Connector 34"/>
+          <p:cNvCxnSpPr/>
+          <p:nvPr/>
+        </p:nvCxnSpPr>
+        <p:spPr>
+          <a:xfrm>
+            <a:off x="8088081" y="3306958"/>
+            <a:ext cx="3265713" cy="0"/>
+          </a:xfrm>
+          <a:prstGeom prst="line">
+            <a:avLst/>
+          </a:prstGeom>
+          <a:ln w="57150">
+            <a:solidFill>
+              <a:schemeClr val="tx1"/>
+            </a:solidFill>
+          </a:ln>
+        </p:spPr>
+        <p:style>
+          <a:lnRef idx="1">
+            <a:schemeClr val="accent1"/>
+          </a:lnRef>
+          <a:fillRef idx="0">
+            <a:schemeClr val="accent1"/>
+          </a:fillRef>
+          <a:effectRef idx="0">
+            <a:schemeClr val="accent1"/>
+          </a:effectRef>
+          <a:fontRef idx="minor">
+            <a:schemeClr val="tx1"/>
+          </a:fontRef>
+        </p:style>
+      </p:cxnSp>
+      <p:sp>
+        <p:nvSpPr>
+          <p:cNvPr id="37" name="TextBox 36"/>
+          <p:cNvSpPr txBox="1"/>
+          <p:nvPr/>
+        </p:nvSpPr>
+        <p:spPr>
+          <a:xfrm>
+            <a:off x="666206" y="3452661"/>
+            <a:ext cx="2939143" cy="430887"/>
+          </a:xfrm>
+          <a:prstGeom prst="rect">
+            <a:avLst/>
+          </a:prstGeom>
+          <a:noFill/>
+        </p:spPr>
+        <p:txBody>
+          <a:bodyPr wrap="square" rtlCol="0">
+            <a:spAutoFit/>
+          </a:bodyPr>
+          <a:lstStyle/>
+          <a:p>
+            <a:pPr algn="ctr"/>
+            <a:r>
+              <a:rPr lang="bg-BG" sz="2200" b="1" dirty="0" smtClean="0">
+                <a:solidFill>
+                  <a:schemeClr val="bg1"/>
+                </a:solidFill>
+                <a:latin typeface="Times New Roman" panose="02020603050405020304" pitchFamily="18" charset="0"/>
+                <a:cs typeface="Times New Roman" panose="02020603050405020304" pitchFamily="18" charset="0"/>
+              </a:rPr>
+              <a:t>Лесен за използване</a:t>
+            </a:r>
+            <a:endParaRPr lang="en-US" sz="2200" b="1" dirty="0">
+              <a:solidFill>
+                <a:schemeClr val="bg1"/>
+              </a:solidFill>
+              <a:latin typeface="Times New Roman" panose="02020603050405020304" pitchFamily="18" charset="0"/>
+              <a:cs typeface="Times New Roman" panose="02020603050405020304" pitchFamily="18" charset="0"/>
+            </a:endParaRPr>
+          </a:p>
+        </p:txBody>
+      </p:sp>
+      <p:sp>
+        <p:nvSpPr>
+          <p:cNvPr id="38" name="TextBox 37"/>
+          <p:cNvSpPr txBox="1"/>
+          <p:nvPr/>
+        </p:nvSpPr>
+        <p:spPr>
+          <a:xfrm>
+            <a:off x="666206" y="4180114"/>
+            <a:ext cx="3069771" cy="646331"/>
+          </a:xfrm>
+          <a:prstGeom prst="rect">
+            <a:avLst/>
+          </a:prstGeom>
+          <a:noFill/>
+        </p:spPr>
+        <p:txBody>
+          <a:bodyPr wrap="square" rtlCol="0">
+            <a:spAutoFit/>
+          </a:bodyPr>
+          <a:lstStyle/>
+          <a:p>
+            <a:r>
+              <a:rPr lang="en-US" dirty="0" err="1" smtClean="0">
+                <a:solidFill>
+                  <a:schemeClr val="bg1"/>
+                </a:solidFill>
+              </a:rPr>
+              <a:t>SmartTrainer</a:t>
+            </a:r>
+            <a:r>
+              <a:rPr lang="bg-BG" dirty="0">
+                <a:solidFill>
+                  <a:schemeClr val="bg1"/>
+                </a:solidFill>
+              </a:rPr>
+              <a:t> </a:t>
+            </a:r>
+            <a:r>
+              <a:rPr lang="bg-BG" dirty="0" smtClean="0">
+                <a:solidFill>
+                  <a:schemeClr val="bg1"/>
+                </a:solidFill>
+              </a:rPr>
+              <a:t>има лесен и интуитивен интерфейс.</a:t>
+            </a:r>
+            <a:endParaRPr lang="en-US" dirty="0">
+              <a:solidFill>
+                <a:schemeClr val="bg1"/>
+              </a:solidFill>
+            </a:endParaRPr>
+          </a:p>
+        </p:txBody>
+      </p:sp>
+      <p:sp>
+        <p:nvSpPr>
+          <p:cNvPr id="39" name="Footer Placeholder 38"/>
+          <p:cNvSpPr>
+            <a:spLocks noGrp="1"/>
+          </p:cNvSpPr>
+          <p:nvPr>
+            <p:ph type="ftr" sz="quarter" idx="11"/>
+          </p:nvPr>
+        </p:nvSpPr>
+        <p:spPr/>
+        <p:txBody>
+          <a:bodyPr/>
+          <a:lstStyle/>
+          <a:p>
+            <a:r>
+              <a:rPr lang="en-US" dirty="0" smtClean="0">
+                <a:solidFill>
+                  <a:schemeClr val="bg1"/>
+                </a:solidFill>
+              </a:rPr>
+              <a:t>http://bit.ly/smarTrainer</a:t>
+            </a:r>
+            <a:endParaRPr lang="en-US" dirty="0">
+              <a:solidFill>
+                <a:schemeClr val="bg1"/>
+              </a:solidFill>
+            </a:endParaRPr>
+          </a:p>
+        </p:txBody>
+      </p:sp>
+      <p:sp>
+        <p:nvSpPr>
+          <p:cNvPr id="40" name="Slide Number Placeholder 39"/>
+          <p:cNvSpPr>
+            <a:spLocks noGrp="1"/>
+          </p:cNvSpPr>
+          <p:nvPr>
+            <p:ph type="sldNum" sz="quarter" idx="12"/>
+          </p:nvPr>
+        </p:nvSpPr>
+        <p:spPr/>
+        <p:txBody>
+          <a:bodyPr/>
+          <a:lstStyle/>
+          <a:p>
+            <a:fld id="{C3483869-27D3-4E01-B51C-D2D621F71896}" type="slidenum">
+              <a:rPr lang="en-US" smtClean="0">
+                <a:solidFill>
+                  <a:schemeClr val="bg1"/>
+                </a:solidFill>
+              </a:rPr>
+              <a:t>3</a:t>
+            </a:fld>
+            <a:endParaRPr lang="en-US" dirty="0">
+              <a:solidFill>
+                <a:schemeClr val="bg1"/>
+              </a:solidFill>
+            </a:endParaRPr>
+          </a:p>
+        </p:txBody>
+      </p:sp>
+      <p:pic>
+        <p:nvPicPr>
+          <p:cNvPr id="41" name="Content Placeholder 13"/>
+          <p:cNvPicPr>
+            <a:picLocks noChangeAspect="1"/>
+          </p:cNvPicPr>
+          <p:nvPr/>
+        </p:nvPicPr>
+        <p:blipFill>
+          <a:blip r:embed="rId6">
+            <a:extLst>
+              <a:ext uri="{28A0092B-C50C-407E-A947-70E740481C1C}">
+                <a14:useLocalDpi xmlns:a14="http://schemas.microsoft.com/office/drawing/2010/main" val="0"/>
+              </a:ext>
+            </a:extLst>
+          </a:blip>
+          <a:stretch>
+            <a:fillRect/>
+          </a:stretch>
+        </p:blipFill>
+        <p:spPr>
+          <a:xfrm>
+            <a:off x="5613762" y="2551059"/>
+            <a:ext cx="666206" cy="666206"/>
+          </a:xfrm>
+          <a:prstGeom prst="rect">
+            <a:avLst/>
+          </a:prstGeom>
+        </p:spPr>
+      </p:pic>
+      <p:sp>
+        <p:nvSpPr>
+          <p:cNvPr id="42" name="TextBox 41"/>
+          <p:cNvSpPr txBox="1"/>
+          <p:nvPr/>
+        </p:nvSpPr>
+        <p:spPr>
+          <a:xfrm>
+            <a:off x="4406537" y="3486302"/>
+            <a:ext cx="3069771" cy="430887"/>
+          </a:xfrm>
+          <a:prstGeom prst="rect">
+            <a:avLst/>
+          </a:prstGeom>
+          <a:noFill/>
+        </p:spPr>
+        <p:txBody>
+          <a:bodyPr wrap="square" rtlCol="0">
+            <a:spAutoFit/>
+          </a:bodyPr>
+          <a:lstStyle/>
+          <a:p>
+            <a:pPr algn="ctr"/>
+            <a:r>
+              <a:rPr lang="bg-BG" sz="2200" b="1" dirty="0" smtClean="0">
+                <a:solidFill>
+                  <a:schemeClr val="bg1"/>
+                </a:solidFill>
+                <a:latin typeface="Times New Roman" panose="02020603050405020304" pitchFamily="18" charset="0"/>
+                <a:cs typeface="Times New Roman" panose="02020603050405020304" pitchFamily="18" charset="0"/>
+              </a:rPr>
+              <a:t>Сигурни източници</a:t>
+            </a:r>
+            <a:endParaRPr lang="en-US" sz="2200" b="1" dirty="0">
+              <a:solidFill>
+                <a:schemeClr val="bg1"/>
+              </a:solidFill>
+              <a:latin typeface="Times New Roman" panose="02020603050405020304" pitchFamily="18" charset="0"/>
+              <a:cs typeface="Times New Roman" panose="02020603050405020304" pitchFamily="18" charset="0"/>
+            </a:endParaRPr>
+          </a:p>
+        </p:txBody>
+      </p:sp>
+      <p:sp>
+        <p:nvSpPr>
+          <p:cNvPr id="43" name="TextBox 42"/>
+          <p:cNvSpPr txBox="1"/>
+          <p:nvPr/>
+        </p:nvSpPr>
+        <p:spPr>
+          <a:xfrm>
+            <a:off x="4406537" y="4330070"/>
+            <a:ext cx="3069771" cy="646331"/>
+          </a:xfrm>
+          <a:prstGeom prst="rect">
+            <a:avLst/>
+          </a:prstGeom>
+          <a:noFill/>
+        </p:spPr>
+        <p:txBody>
+          <a:bodyPr wrap="square" rtlCol="0">
+            <a:spAutoFit/>
+          </a:bodyPr>
+          <a:lstStyle/>
+          <a:p>
+            <a:r>
+              <a:rPr lang="bg-BG" dirty="0" smtClean="0">
+                <a:solidFill>
+                  <a:schemeClr val="bg1"/>
+                </a:solidFill>
+              </a:rPr>
+              <a:t>Сигурни източници на информация.</a:t>
+            </a:r>
+            <a:endParaRPr lang="en-US" dirty="0">
+              <a:solidFill>
+                <a:schemeClr val="bg1"/>
+              </a:solidFill>
+            </a:endParaRPr>
+          </a:p>
+        </p:txBody>
+      </p:sp>
+      <p:sp>
+        <p:nvSpPr>
+          <p:cNvPr id="44" name="TextBox 43"/>
+          <p:cNvSpPr txBox="1"/>
+          <p:nvPr/>
+        </p:nvSpPr>
+        <p:spPr>
+          <a:xfrm>
+            <a:off x="1384662" y="328627"/>
+            <a:ext cx="10175966" cy="461665"/>
+          </a:xfrm>
+          <a:prstGeom prst="rect">
+            <a:avLst/>
+          </a:prstGeom>
+          <a:noFill/>
+        </p:spPr>
+        <p:txBody>
+          <a:bodyPr wrap="square" rtlCol="0">
+            <a:spAutoFit/>
+          </a:bodyPr>
+          <a:lstStyle/>
+          <a:p>
+            <a:r>
+              <a:rPr lang="en-US" sz="2400" b="1" dirty="0" err="1">
+                <a:latin typeface="Times New Roman" panose="02020603050405020304" pitchFamily="18" charset="0"/>
+                <a:cs typeface="Times New Roman" panose="02020603050405020304" pitchFamily="18" charset="0"/>
+              </a:rPr>
+              <a:t>SmartTrainer</a:t>
+            </a:r>
+            <a:r>
+              <a:rPr lang="en-US" sz="2400" b="1" dirty="0">
+                <a:latin typeface="Times New Roman" panose="02020603050405020304" pitchFamily="18" charset="0"/>
+                <a:cs typeface="Times New Roman" panose="02020603050405020304" pitchFamily="18" charset="0"/>
+              </a:rPr>
+              <a:t> </a:t>
+            </a:r>
+            <a:r>
+              <a:rPr lang="bg-BG" sz="2400" b="1" dirty="0">
+                <a:latin typeface="Times New Roman" panose="02020603050405020304" pitchFamily="18" charset="0"/>
+                <a:cs typeface="Times New Roman" panose="02020603050405020304" pitchFamily="18" charset="0"/>
+              </a:rPr>
+              <a:t>е винаги до теб!</a:t>
+            </a:r>
+            <a:endParaRPr lang="en-US" sz="2400" b="1" dirty="0">
+              <a:latin typeface="Times New Roman" panose="02020603050405020304" pitchFamily="18" charset="0"/>
+              <a:cs typeface="Times New Roman" panose="02020603050405020304" pitchFamily="18" charset="0"/>
+            </a:endParaRPr>
+          </a:p>
+        </p:txBody>
+      </p:sp>
+      <p:sp>
+        <p:nvSpPr>
+          <p:cNvPr id="45" name="TextBox 44"/>
+          <p:cNvSpPr txBox="1"/>
+          <p:nvPr/>
+        </p:nvSpPr>
+        <p:spPr>
+          <a:xfrm>
+            <a:off x="8072844" y="3426061"/>
+            <a:ext cx="3069771" cy="769441"/>
+          </a:xfrm>
+          <a:prstGeom prst="rect">
+            <a:avLst/>
+          </a:prstGeom>
+          <a:noFill/>
+        </p:spPr>
+        <p:txBody>
+          <a:bodyPr wrap="square" rtlCol="0">
+            <a:spAutoFit/>
+          </a:bodyPr>
+          <a:lstStyle/>
+          <a:p>
+            <a:pPr algn="ctr"/>
+            <a:r>
+              <a:rPr lang="bg-BG" sz="2200" b="1" dirty="0" smtClean="0">
+                <a:solidFill>
+                  <a:schemeClr val="bg1"/>
+                </a:solidFill>
+                <a:latin typeface="Times New Roman" panose="02020603050405020304" pitchFamily="18" charset="0"/>
+                <a:cs typeface="Times New Roman" panose="02020603050405020304" pitchFamily="18" charset="0"/>
+              </a:rPr>
+              <a:t>Няма интернет, няма проблем</a:t>
+            </a:r>
+            <a:endParaRPr lang="en-US" sz="2200" b="1" dirty="0">
+              <a:solidFill>
+                <a:schemeClr val="bg1"/>
+              </a:solidFill>
+              <a:latin typeface="Times New Roman" panose="02020603050405020304" pitchFamily="18" charset="0"/>
+              <a:cs typeface="Times New Roman" panose="02020603050405020304" pitchFamily="18" charset="0"/>
+            </a:endParaRPr>
+          </a:p>
+        </p:txBody>
+      </p:sp>
+      <p:sp>
+        <p:nvSpPr>
+          <p:cNvPr id="24" name="TextBox 23"/>
+          <p:cNvSpPr txBox="1"/>
+          <p:nvPr/>
+        </p:nvSpPr>
+        <p:spPr>
+          <a:xfrm>
+            <a:off x="8186051" y="4330070"/>
+            <a:ext cx="3069771" cy="646331"/>
+          </a:xfrm>
+          <a:prstGeom prst="rect">
+            <a:avLst/>
+          </a:prstGeom>
+          <a:noFill/>
+        </p:spPr>
+        <p:txBody>
+          <a:bodyPr wrap="square" rtlCol="0">
+            <a:spAutoFit/>
+          </a:bodyPr>
+          <a:lstStyle/>
+          <a:p>
+            <a:r>
+              <a:rPr lang="en-US" dirty="0" err="1" smtClean="0">
+                <a:solidFill>
+                  <a:schemeClr val="bg1"/>
+                </a:solidFill>
+              </a:rPr>
+              <a:t>SmartTrainer</a:t>
+            </a:r>
+            <a:r>
+              <a:rPr lang="en-US" dirty="0" smtClean="0">
+                <a:solidFill>
+                  <a:schemeClr val="bg1"/>
+                </a:solidFill>
+              </a:rPr>
+              <a:t>  </a:t>
+            </a:r>
+            <a:r>
+              <a:rPr lang="bg-BG" dirty="0" smtClean="0">
+                <a:solidFill>
+                  <a:schemeClr val="bg1"/>
+                </a:solidFill>
+              </a:rPr>
+              <a:t>може да работи и офлайн.</a:t>
+            </a:r>
+            <a:endParaRPr lang="en-US" dirty="0">
+              <a:solidFill>
+                <a:schemeClr val="bg1"/>
+              </a:solidFill>
+            </a:endParaRPr>
+          </a:p>
+        </p:txBody>
+      </p:sp>
     </p:spTree>
     <p:extLst>
       <p:ext uri="{BB962C8B-B14F-4D97-AF65-F5344CB8AC3E}">
-        <p14:creationId xmlns:p14="http://schemas.microsoft.com/office/powerpoint/2010/main" val="2753425326"/>
+        <p14:creationId xmlns:p14="http://schemas.microsoft.com/office/powerpoint/2010/main" val="1053761537"/>
       </p:ext>
     </p:extLst>
   </p:cSld>
   <p:clrMapOvr>
     <a:masterClrMapping/>
   </p:clrMapOvr>
+  <p:timing>
+    <p:tnLst>
+      <p:par>
+        <p:cTn id="1" dur="indefinite" restart="never" nodeType="tmRoot"/>
+      </p:par>
+    </p:tnLst>
+  </p:timing>
 </p:sld>
 </file>
 
@@ -3212,12 +5985,72 @@
       </p:grpSpPr>
       <p:sp>
         <p:nvSpPr>
-          <p:cNvPr id="2" name="Title 1"/>
-          <p:cNvSpPr>
-            <a:spLocks noGrp="1"/>
-          </p:cNvSpPr>
-          <p:nvPr>
-            <p:ph type="title"/>
+          <p:cNvPr id="8" name="Rectangle 7"/>
+          <p:cNvSpPr/>
+          <p:nvPr/>
+        </p:nvSpPr>
+        <p:spPr>
+          <a:xfrm>
+            <a:off x="235676" y="726141"/>
+            <a:ext cx="11682900" cy="5630209"/>
+          </a:xfrm>
+          <a:prstGeom prst="rect">
+            <a:avLst/>
+          </a:prstGeom>
+          <a:gradFill flip="none" rotWithShape="1">
+            <a:gsLst>
+              <a:gs pos="0">
+                <a:schemeClr val="accent5">
+                  <a:lumMod val="0"/>
+                  <a:lumOff val="100000"/>
+                </a:schemeClr>
+              </a:gs>
+              <a:gs pos="54000">
+                <a:schemeClr val="accent5">
+                  <a:lumMod val="100000"/>
+                </a:schemeClr>
+              </a:gs>
+            </a:gsLst>
+            <a:path path="circle">
+              <a:fillToRect l="100000" b="100000"/>
+            </a:path>
+            <a:tileRect t="-100000" r="-100000"/>
+          </a:gradFill>
+          <a:ln>
+            <a:noFill/>
+          </a:ln>
+        </p:spPr>
+        <p:style>
+          <a:lnRef idx="0">
+            <a:scrgbClr r="0" g="0" b="0"/>
+          </a:lnRef>
+          <a:fillRef idx="0">
+            <a:scrgbClr r="0" g="0" b="0"/>
+          </a:fillRef>
+          <a:effectRef idx="0">
+            <a:scrgbClr r="0" g="0" b="0"/>
+          </a:effectRef>
+          <a:fontRef idx="minor">
+            <a:schemeClr val="lt1"/>
+          </a:fontRef>
+        </p:style>
+        <p:txBody>
+          <a:bodyPr rtlCol="0" anchor="ctr"/>
+          <a:lstStyle/>
+          <a:p>
+            <a:pPr algn="ctr"/>
+            <a:endParaRPr lang="en-US" dirty="0"/>
+          </a:p>
+        </p:txBody>
+      </p:sp>
+      <p:sp>
+        <p:nvSpPr>
+          <p:cNvPr id="3" name="Footer Placeholder 2"/>
+          <p:cNvSpPr>
+            <a:spLocks noGrp="1"/>
+          </p:cNvSpPr>
+          <p:nvPr>
+            <p:ph type="ftr" sz="quarter" idx="11"/>
           </p:nvPr>
         </p:nvSpPr>
         <p:spPr/>
@@ -3225,22 +6058,47 @@
           <a:bodyPr/>
           <a:lstStyle/>
           <a:p>
-            <a:endParaRPr lang="en-US"/>
+            <a:r>
+              <a:rPr lang="en-US" smtClean="0"/>
+              <a:t>http://bit.ly/smarTrainer</a:t>
+            </a:r>
+            <a:endParaRPr lang="en-US"/>
+          </a:p>
+        </p:txBody>
+      </p:sp>
+      <p:sp>
+        <p:nvSpPr>
+          <p:cNvPr id="5" name="Slide Number Placeholder 4"/>
+          <p:cNvSpPr>
+            <a:spLocks noGrp="1"/>
+          </p:cNvSpPr>
+          <p:nvPr>
+            <p:ph type="sldNum" sz="quarter" idx="12"/>
+          </p:nvPr>
+        </p:nvSpPr>
+        <p:spPr/>
+        <p:txBody>
+          <a:bodyPr/>
+          <a:lstStyle/>
+          <a:p>
+            <a:fld id="{C3483869-27D3-4E01-B51C-D2D621F71896}" type="slidenum">
+              <a:rPr lang="en-US" smtClean="0"/>
+              <a:t>4</a:t>
+            </a:fld>
+            <a:endParaRPr lang="en-US" dirty="0"/>
           </a:p>
         </p:txBody>
       </p:sp>
       <p:pic>
         <p:nvPicPr>
-          <p:cNvPr id="4" name="Content Placeholder 3"/>
+          <p:cNvPr id="9" name="Picture 8"/>
           <p:cNvPicPr>
-            <a:picLocks noGrp="1" noChangeAspect="1"/>
+            <a:picLocks noChangeAspect="1"/>
           </p:cNvPicPr>
-          <p:nvPr>
-            <p:ph idx="1"/>
-          </p:nvPr>
+          <p:nvPr/>
         </p:nvPicPr>
         <p:blipFill>
-          <a:blip r:embed="rId2">
+          <a:blip r:embed="rId2" cstate="print">
             <a:extLst>
               <a:ext uri="{28A0092B-C50C-407E-A947-70E740481C1C}">
                 <a14:useLocalDpi xmlns:a14="http://schemas.microsoft.com/office/drawing/2010/main" val="0"/>
@@ -3253,21 +6111,203 @@
         </p:blipFill>
         <p:spPr>
           <a:xfrm>
-            <a:off x="3852419" y="1690688"/>
-            <a:ext cx="4168176" cy="4893076"/>
-          </a:xfrm>
+            <a:off x="235677" y="90282"/>
+            <a:ext cx="602523" cy="635859"/>
+          </a:xfrm>
+          <a:prstGeom prst="rect">
+            <a:avLst/>
+          </a:prstGeom>
         </p:spPr>
       </p:pic>
+      <p:pic>
+        <p:nvPicPr>
+          <p:cNvPr id="14" name="Content Placeholder 13"/>
+          <p:cNvPicPr>
+            <a:picLocks noGrp="1" noChangeAspect="1"/>
+          </p:cNvPicPr>
+          <p:nvPr>
+            <p:ph idx="1"/>
+          </p:nvPr>
+        </p:nvPicPr>
+        <p:blipFill>
+          <a:blip r:embed="rId3">
+            <a:extLst>
+              <a:ext uri="{28A0092B-C50C-407E-A947-70E740481C1C}">
+                <a14:useLocalDpi xmlns:a14="http://schemas.microsoft.com/office/drawing/2010/main" val="0"/>
+              </a:ext>
+            </a:extLst>
+          </a:blip>
+          <a:stretch>
+            <a:fillRect/>
+          </a:stretch>
+        </p:blipFill>
+        <p:spPr>
+          <a:xfrm>
+            <a:off x="-1054578" y="574143"/>
+            <a:ext cx="8728824" cy="4917648"/>
+          </a:xfrm>
+        </p:spPr>
+      </p:pic>
+      <p:sp>
+        <p:nvSpPr>
+          <p:cNvPr id="15" name="TextBox 14"/>
+          <p:cNvSpPr txBox="1"/>
+          <p:nvPr/>
+        </p:nvSpPr>
+        <p:spPr>
+          <a:xfrm>
+            <a:off x="6472646" y="1341112"/>
+            <a:ext cx="4481494" cy="1569660"/>
+          </a:xfrm>
+          <a:prstGeom prst="rect">
+            <a:avLst/>
+          </a:prstGeom>
+          <a:noFill/>
+        </p:spPr>
+        <p:txBody>
+          <a:bodyPr wrap="square" rtlCol="0">
+            <a:spAutoFit/>
+          </a:bodyPr>
+          <a:lstStyle/>
+          <a:p>
+            <a:r>
+              <a:rPr lang="bg-BG" sz="3200" b="1" dirty="0" smtClean="0">
+                <a:latin typeface="Times New Roman" panose="02020603050405020304" pitchFamily="18" charset="0"/>
+                <a:cs typeface="Times New Roman" panose="02020603050405020304" pitchFamily="18" charset="0"/>
+              </a:rPr>
+              <a:t>Записването на храненията е по-лесно от всякога.</a:t>
+            </a:r>
+            <a:endParaRPr lang="en-US" sz="3200" b="1" dirty="0">
+              <a:latin typeface="Times New Roman" panose="02020603050405020304" pitchFamily="18" charset="0"/>
+              <a:cs typeface="Times New Roman" panose="02020603050405020304" pitchFamily="18" charset="0"/>
+            </a:endParaRPr>
+          </a:p>
+        </p:txBody>
+      </p:sp>
+      <p:sp>
+        <p:nvSpPr>
+          <p:cNvPr id="16" name="TextBox 15"/>
+          <p:cNvSpPr txBox="1"/>
+          <p:nvPr/>
+        </p:nvSpPr>
+        <p:spPr>
+          <a:xfrm>
+            <a:off x="6531429" y="3415004"/>
+            <a:ext cx="4217436" cy="2062103"/>
+          </a:xfrm>
+          <a:prstGeom prst="rect">
+            <a:avLst/>
+          </a:prstGeom>
+          <a:noFill/>
+        </p:spPr>
+        <p:txBody>
+          <a:bodyPr wrap="square" rtlCol="0">
+            <a:spAutoFit/>
+          </a:bodyPr>
+          <a:lstStyle/>
+          <a:p>
+            <a:r>
+              <a:rPr lang="bg-BG" sz="2400" b="1" dirty="0" smtClean="0">
+                <a:solidFill>
+                  <a:schemeClr val="bg1"/>
+                </a:solidFill>
+                <a:latin typeface="Times New Roman" panose="02020603050405020304" pitchFamily="18" charset="0"/>
+                <a:cs typeface="Times New Roman" panose="02020603050405020304" pitchFamily="18" charset="0"/>
+              </a:rPr>
+              <a:t>Хранителен </a:t>
+            </a:r>
+            <a:r>
+              <a:rPr lang="bg-BG" sz="2400" b="1" dirty="0" smtClean="0">
+                <a:solidFill>
+                  <a:schemeClr val="bg1"/>
+                </a:solidFill>
+                <a:latin typeface="Times New Roman" panose="02020603050405020304" pitchFamily="18" charset="0"/>
+                <a:cs typeface="Times New Roman" panose="02020603050405020304" pitchFamily="18" charset="0"/>
+              </a:rPr>
+              <a:t>дневник</a:t>
+            </a:r>
+            <a:endParaRPr lang="en-US" sz="2400" b="1" dirty="0" smtClean="0">
+              <a:solidFill>
+                <a:schemeClr val="bg1"/>
+              </a:solidFill>
+              <a:latin typeface="Times New Roman" panose="02020603050405020304" pitchFamily="18" charset="0"/>
+              <a:cs typeface="Times New Roman" panose="02020603050405020304" pitchFamily="18" charset="0"/>
+            </a:endParaRPr>
+          </a:p>
+          <a:p>
+            <a:endParaRPr lang="en-US" sz="2400" b="1" dirty="0">
+              <a:solidFill>
+                <a:schemeClr val="bg1"/>
+              </a:solidFill>
+              <a:latin typeface="Times New Roman" panose="02020603050405020304" pitchFamily="18" charset="0"/>
+              <a:cs typeface="Times New Roman" panose="02020603050405020304" pitchFamily="18" charset="0"/>
+            </a:endParaRPr>
+          </a:p>
+          <a:p>
+            <a:pPr marL="342900" indent="-342900">
+              <a:buFont typeface="Arial" panose="020B0604020202020204" pitchFamily="34" charset="0"/>
+              <a:buChar char="•"/>
+            </a:pPr>
+            <a:r>
+              <a:rPr lang="bg-BG" sz="2000" b="1" dirty="0" smtClean="0">
+                <a:solidFill>
+                  <a:schemeClr val="bg2"/>
+                </a:solidFill>
+                <a:latin typeface="Times New Roman" panose="02020603050405020304" pitchFamily="18" charset="0"/>
+                <a:cs typeface="Times New Roman" panose="02020603050405020304" pitchFamily="18" charset="0"/>
+              </a:rPr>
+              <a:t>Лесно добавяне и премахване на храна</a:t>
+            </a:r>
+            <a:endParaRPr lang="en-US" sz="2000" b="1" dirty="0" smtClean="0">
+              <a:solidFill>
+                <a:schemeClr val="bg2"/>
+              </a:solidFill>
+              <a:latin typeface="Times New Roman" panose="02020603050405020304" pitchFamily="18" charset="0"/>
+              <a:cs typeface="Times New Roman" panose="02020603050405020304" pitchFamily="18" charset="0"/>
+            </a:endParaRPr>
+          </a:p>
+          <a:p>
+            <a:pPr marL="342900" indent="-342900">
+              <a:buFont typeface="Arial" panose="020B0604020202020204" pitchFamily="34" charset="0"/>
+              <a:buChar char="•"/>
+            </a:pPr>
+            <a:r>
+              <a:rPr lang="bg-BG" sz="2000" b="1" dirty="0" smtClean="0">
+                <a:solidFill>
+                  <a:schemeClr val="bg2"/>
+                </a:solidFill>
+                <a:latin typeface="Times New Roman" panose="02020603050405020304" pitchFamily="18" charset="0"/>
+                <a:cs typeface="Times New Roman" panose="02020603050405020304" pitchFamily="18" charset="0"/>
+              </a:rPr>
+              <a:t>Промяна в реално време на калориите</a:t>
+            </a:r>
+            <a:endParaRPr lang="en-US" sz="2000" b="1" dirty="0">
+              <a:solidFill>
+                <a:schemeClr val="bg2"/>
+              </a:solidFill>
+              <a:latin typeface="Times New Roman" panose="02020603050405020304" pitchFamily="18" charset="0"/>
+              <a:cs typeface="Times New Roman" panose="02020603050405020304" pitchFamily="18" charset="0"/>
+            </a:endParaRPr>
+          </a:p>
+        </p:txBody>
+      </p:sp>
     </p:spTree>
     <p:extLst>
       <p:ext uri="{BB962C8B-B14F-4D97-AF65-F5344CB8AC3E}">
-        <p14:creationId xmlns:p14="http://schemas.microsoft.com/office/powerpoint/2010/main" val="4259243848"/>
+        <p14:creationId xmlns:p14="http://schemas.microsoft.com/office/powerpoint/2010/main" val="2753425326"/>
       </p:ext>
     </p:extLst>
   </p:cSld>
   <p:clrMapOvr>
     <a:masterClrMapping/>
   </p:clrMapOvr>
+  <p:timing>
+    <p:tnLst>
+      <p:par>
+        <p:cTn id="1" dur="indefinite" restart="never" nodeType="tmRoot"/>
+      </p:par>
+    </p:tnLst>
+  </p:timing>
 </p:sld>
 </file>
 
@@ -3290,26 +6330,127 @@
       </p:grpSpPr>
       <p:sp>
         <p:nvSpPr>
-          <p:cNvPr id="2" name="Title 1"/>
-          <p:cNvSpPr>
-            <a:spLocks noGrp="1"/>
-          </p:cNvSpPr>
-          <p:nvPr>
-            <p:ph type="title"/>
-          </p:nvPr>
-        </p:nvSpPr>
-        <p:spPr/>
+          <p:cNvPr id="8" name="Rectangle 7"/>
+          <p:cNvSpPr/>
+          <p:nvPr/>
+        </p:nvSpPr>
+        <p:spPr>
+          <a:xfrm>
+            <a:off x="235676" y="730706"/>
+            <a:ext cx="11682900" cy="5762170"/>
+          </a:xfrm>
+          <a:prstGeom prst="rect">
+            <a:avLst/>
+          </a:prstGeom>
+          <a:gradFill flip="none" rotWithShape="1">
+            <a:gsLst>
+              <a:gs pos="0">
+                <a:schemeClr val="dk1">
+                  <a:lumMod val="67000"/>
+                </a:schemeClr>
+              </a:gs>
+              <a:gs pos="4000">
+                <a:schemeClr val="dk1">
+                  <a:lumMod val="97000"/>
+                  <a:lumOff val="3000"/>
+                </a:schemeClr>
+              </a:gs>
+              <a:gs pos="100000">
+                <a:schemeClr val="dk1">
+                  <a:lumMod val="60000"/>
+                  <a:lumOff val="40000"/>
+                </a:schemeClr>
+              </a:gs>
+            </a:gsLst>
+            <a:lin ang="8100000" scaled="1"/>
+            <a:tileRect/>
+          </a:gradFill>
+          <a:ln>
+            <a:noFill/>
+          </a:ln>
+        </p:spPr>
+        <p:style>
+          <a:lnRef idx="0">
+            <a:scrgbClr r="0" g="0" b="0"/>
+          </a:lnRef>
+          <a:fillRef idx="0">
+            <a:scrgbClr r="0" g="0" b="0"/>
+          </a:fillRef>
+          <a:effectRef idx="0">
+            <a:scrgbClr r="0" g="0" b="0"/>
+          </a:effectRef>
+          <a:fontRef idx="minor">
+            <a:schemeClr val="lt1"/>
+          </a:fontRef>
+        </p:style>
+        <p:txBody>
+          <a:bodyPr rtlCol="0" anchor="ctr"/>
+          <a:lstStyle/>
+          <a:p>
+            <a:pPr algn="ctr"/>
+            <a:endParaRPr lang="en-US" dirty="0"/>
+          </a:p>
+        </p:txBody>
+      </p:sp>
+      <p:sp>
+        <p:nvSpPr>
+          <p:cNvPr id="3" name="Footer Placeholder 2"/>
+          <p:cNvSpPr>
+            <a:spLocks noGrp="1"/>
+          </p:cNvSpPr>
+          <p:nvPr>
+            <p:ph type="ftr" sz="quarter" idx="11"/>
+          </p:nvPr>
+        </p:nvSpPr>
+        <p:spPr>
+          <a:xfrm>
+            <a:off x="4038600" y="6492875"/>
+            <a:ext cx="4114800" cy="365125"/>
+          </a:xfrm>
+        </p:spPr>
         <p:txBody>
           <a:bodyPr/>
           <a:lstStyle/>
           <a:p>
+            <a:r>
+              <a:rPr lang="en-US" smtClean="0"/>
+              <a:t>http://bit.ly/smarTrainer</a:t>
+            </a:r>
+            <a:endParaRPr lang="en-US"/>
+          </a:p>
+        </p:txBody>
+      </p:sp>
+      <p:sp>
+        <p:nvSpPr>
+          <p:cNvPr id="5" name="Slide Number Placeholder 4"/>
+          <p:cNvSpPr>
+            <a:spLocks noGrp="1"/>
+          </p:cNvSpPr>
+          <p:nvPr>
+            <p:ph type="sldNum" sz="quarter" idx="12"/>
+          </p:nvPr>
+        </p:nvSpPr>
+        <p:spPr>
+          <a:xfrm>
+            <a:off x="8610600" y="6492875"/>
+            <a:ext cx="2743200" cy="365125"/>
+          </a:xfrm>
+        </p:spPr>
+        <p:txBody>
+          <a:bodyPr/>
+          <a:lstStyle/>
+          <a:p>
+            <a:fld id="{C3483869-27D3-4E01-B51C-D2D621F71896}" type="slidenum">
+              <a:rPr lang="en-US" smtClean="0"/>
+              <a:t>5</a:t>
+            </a:fld>
             <a:endParaRPr lang="en-US"/>
           </a:p>
         </p:txBody>
       </p:sp>
       <p:pic>
         <p:nvPicPr>
-          <p:cNvPr id="4" name="Content Placeholder 3"/>
+          <p:cNvPr id="7" name="Content Placeholder 6"/>
           <p:cNvPicPr>
             <a:picLocks noGrp="1" noChangeAspect="1"/>
           </p:cNvPicPr>
@@ -3331,11 +6472,178 @@
         </p:blipFill>
         <p:spPr>
           <a:xfrm>
-            <a:off x="3344091" y="1508801"/>
-            <a:ext cx="5773783" cy="5220463"/>
+            <a:off x="5066360" y="2141537"/>
+            <a:ext cx="8702676" cy="4351338"/>
           </a:xfrm>
         </p:spPr>
       </p:pic>
+      <p:sp>
+        <p:nvSpPr>
+          <p:cNvPr id="4" name="TextBox 3"/>
+          <p:cNvSpPr txBox="1"/>
+          <p:nvPr/>
+        </p:nvSpPr>
+        <p:spPr>
+          <a:xfrm>
+            <a:off x="838200" y="1629423"/>
+            <a:ext cx="3883090" cy="1772816"/>
+          </a:xfrm>
+          <a:prstGeom prst="rect">
+            <a:avLst/>
+          </a:prstGeom>
+          <a:noFill/>
+        </p:spPr>
+        <p:txBody>
+          <a:bodyPr wrap="square" rtlCol="0">
+            <a:spAutoFit/>
+          </a:bodyPr>
+          <a:lstStyle/>
+          <a:p>
+            <a:endParaRPr lang="en-US" dirty="0"/>
+          </a:p>
+        </p:txBody>
+      </p:sp>
+      <p:sp>
+        <p:nvSpPr>
+          <p:cNvPr id="6" name="TextBox 5"/>
+          <p:cNvSpPr txBox="1"/>
+          <p:nvPr/>
+        </p:nvSpPr>
+        <p:spPr>
+          <a:xfrm>
+            <a:off x="838200" y="1968975"/>
+            <a:ext cx="4853473" cy="1077218"/>
+          </a:xfrm>
+          <a:prstGeom prst="rect">
+            <a:avLst/>
+          </a:prstGeom>
+          <a:noFill/>
+        </p:spPr>
+        <p:txBody>
+          <a:bodyPr wrap="square" rtlCol="0">
+            <a:spAutoFit/>
+          </a:bodyPr>
+          <a:lstStyle/>
+          <a:p>
+            <a:r>
+              <a:rPr lang="bg-BG" sz="3200" b="1" dirty="0" smtClean="0">
+                <a:solidFill>
+                  <a:schemeClr val="accent1"/>
+                </a:solidFill>
+                <a:latin typeface="Times New Roman" panose="02020603050405020304" pitchFamily="18" charset="0"/>
+                <a:cs typeface="Times New Roman" panose="02020603050405020304" pitchFamily="18" charset="0"/>
+              </a:rPr>
+              <a:t>Лесно проследяване на прогреса.</a:t>
+            </a:r>
+            <a:endParaRPr lang="en-US" sz="3200" b="1" dirty="0">
+              <a:solidFill>
+                <a:schemeClr val="accent1"/>
+              </a:solidFill>
+              <a:latin typeface="Times New Roman" panose="02020603050405020304" pitchFamily="18" charset="0"/>
+              <a:cs typeface="Times New Roman" panose="02020603050405020304" pitchFamily="18" charset="0"/>
+            </a:endParaRPr>
+          </a:p>
+        </p:txBody>
+      </p:sp>
+      <p:pic>
+        <p:nvPicPr>
+          <p:cNvPr id="9" name="Picture 8"/>
+          <p:cNvPicPr>
+            <a:picLocks noChangeAspect="1"/>
+          </p:cNvPicPr>
+          <p:nvPr/>
+        </p:nvPicPr>
+        <p:blipFill>
+          <a:blip r:embed="rId3" cstate="print">
+            <a:extLst>
+              <a:ext uri="{28A0092B-C50C-407E-A947-70E740481C1C}">
+                <a14:useLocalDpi xmlns:a14="http://schemas.microsoft.com/office/drawing/2010/main" val="0"/>
+              </a:ext>
+            </a:extLst>
+          </a:blip>
+          <a:stretch>
+            <a:fillRect/>
+          </a:stretch>
+        </p:blipFill>
+        <p:spPr>
+          <a:xfrm>
+            <a:off x="235677" y="63389"/>
+            <a:ext cx="602523" cy="667316"/>
+          </a:xfrm>
+          <a:prstGeom prst="rect">
+            <a:avLst/>
+          </a:prstGeom>
+        </p:spPr>
+      </p:pic>
+      <p:sp>
+        <p:nvSpPr>
+          <p:cNvPr id="10" name="TextBox 9"/>
+          <p:cNvSpPr txBox="1"/>
+          <p:nvPr/>
+        </p:nvSpPr>
+        <p:spPr>
+          <a:xfrm>
+            <a:off x="1031421" y="3402239"/>
+            <a:ext cx="3689869" cy="1323439"/>
+          </a:xfrm>
+          <a:prstGeom prst="rect">
+            <a:avLst/>
+          </a:prstGeom>
+          <a:noFill/>
+        </p:spPr>
+        <p:txBody>
+          <a:bodyPr wrap="square" rtlCol="0">
+            <a:spAutoFit/>
+          </a:bodyPr>
+          <a:lstStyle/>
+          <a:p>
+            <a:r>
+              <a:rPr lang="bg-BG" sz="2000" b="1" dirty="0" smtClean="0">
+                <a:solidFill>
+                  <a:schemeClr val="bg1"/>
+                </a:solidFill>
+                <a:latin typeface="Times New Roman" panose="02020603050405020304" pitchFamily="18" charset="0"/>
+                <a:cs typeface="Times New Roman" panose="02020603050405020304" pitchFamily="18" charset="0"/>
+              </a:rPr>
+              <a:t>Проследи лесно прогреса с диетата си</a:t>
+            </a:r>
+            <a:r>
+              <a:rPr lang="en-US" sz="2000" b="1" dirty="0" smtClean="0">
+                <a:solidFill>
+                  <a:schemeClr val="bg1"/>
+                </a:solidFill>
+                <a:latin typeface="Times New Roman" panose="02020603050405020304" pitchFamily="18" charset="0"/>
+                <a:cs typeface="Times New Roman" panose="02020603050405020304" pitchFamily="18" charset="0"/>
+              </a:rPr>
+              <a:t>.</a:t>
+            </a:r>
+          </a:p>
+          <a:p>
+            <a:endParaRPr lang="en-US" sz="2000" b="1" dirty="0">
+              <a:solidFill>
+                <a:schemeClr val="bg1"/>
+              </a:solidFill>
+              <a:latin typeface="Times New Roman" panose="02020603050405020304" pitchFamily="18" charset="0"/>
+              <a:cs typeface="Times New Roman" panose="02020603050405020304" pitchFamily="18" charset="0"/>
+            </a:endParaRPr>
+          </a:p>
+          <a:p>
+            <a:pPr marL="342900" indent="-342900">
+              <a:buFont typeface="Arial" panose="020B0604020202020204" pitchFamily="34" charset="0"/>
+              <a:buChar char="•"/>
+            </a:pPr>
+            <a:endParaRPr lang="en-US" sz="2000" b="1" dirty="0">
+              <a:solidFill>
+                <a:schemeClr val="bg2">
+                  <a:lumMod val="90000"/>
+                </a:schemeClr>
+              </a:solidFill>
+              <a:latin typeface="Times New Roman" panose="02020603050405020304" pitchFamily="18" charset="0"/>
+              <a:cs typeface="Times New Roman" panose="02020603050405020304" pitchFamily="18" charset="0"/>
+            </a:endParaRPr>
+          </a:p>
+        </p:txBody>
+      </p:sp>
     </p:spTree>
     <p:extLst>
       <p:ext uri="{BB962C8B-B14F-4D97-AF65-F5344CB8AC3E}">
@@ -3346,6 +6654,13 @@
   <p:clrMapOvr>
     <a:masterClrMapping/>
   </p:clrMapOvr>
+  <p:timing>
+    <p:tnLst>
+      <p:par>
+        <p:cTn id="1" dur="indefinite" restart="never" nodeType="tmRoot"/>
+      </p:par>
+    </p:tnLst>
+  </p:timing>
 </p:sld>
 </file>
 
@@ -3368,12 +6683,12 @@
       </p:grpSpPr>
       <p:sp>
         <p:nvSpPr>
-          <p:cNvPr id="2" name="Title 1"/>
-          <p:cNvSpPr>
-            <a:spLocks noGrp="1"/>
-          </p:cNvSpPr>
-          <p:nvPr>
-            <p:ph type="title"/>
+          <p:cNvPr id="3" name="Footer Placeholder 2"/>
+          <p:cNvSpPr>
+            <a:spLocks noGrp="1"/>
+          </p:cNvSpPr>
+          <p:nvPr>
+            <p:ph type="ftr" sz="quarter" idx="11"/>
           </p:nvPr>
         </p:nvSpPr>
         <p:spPr/>
@@ -3381,19 +6696,63 @@
           <a:bodyPr/>
           <a:lstStyle/>
           <a:p>
-            <a:endParaRPr lang="en-US"/>
+            <a:r>
+              <a:rPr lang="en-US" smtClean="0"/>
+              <a:t>http://bit.ly/smarTrainer</a:t>
+            </a:r>
+            <a:endParaRPr lang="en-US"/>
+          </a:p>
+        </p:txBody>
+      </p:sp>
+      <p:sp>
+        <p:nvSpPr>
+          <p:cNvPr id="5" name="Slide Number Placeholder 4"/>
+          <p:cNvSpPr>
+            <a:spLocks noGrp="1"/>
+          </p:cNvSpPr>
+          <p:nvPr>
+            <p:ph type="sldNum" sz="quarter" idx="12"/>
+          </p:nvPr>
+        </p:nvSpPr>
+        <p:spPr/>
+        <p:txBody>
+          <a:bodyPr/>
+          <a:lstStyle/>
+          <a:p>
+            <a:fld id="{C3483869-27D3-4E01-B51C-D2D621F71896}" type="slidenum">
+              <a:rPr lang="en-US" smtClean="0"/>
+              <a:t>6</a:t>
+            </a:fld>
+            <a:endParaRPr lang="en-US"/>
+          </a:p>
+        </p:txBody>
+      </p:sp>
+      <p:sp>
+        <p:nvSpPr>
+          <p:cNvPr id="6" name="Content Placeholder 5"/>
+          <p:cNvSpPr>
+            <a:spLocks noGrp="1"/>
+          </p:cNvSpPr>
+          <p:nvPr>
+            <p:ph idx="1"/>
+          </p:nvPr>
+        </p:nvSpPr>
+        <p:spPr/>
+        <p:txBody>
+          <a:bodyPr/>
+          <a:lstStyle/>
+          <a:p>
+            <a:endParaRPr lang="en-US" dirty="0"/>
           </a:p>
         </p:txBody>
       </p:sp>
       <p:pic>
         <p:nvPicPr>
-          <p:cNvPr id="4" name="Content Placeholder 3"/>
+          <p:cNvPr id="7" name="Content Placeholder 7"/>
           <p:cNvPicPr>
-            <a:picLocks noGrp="1" noChangeAspect="1"/>
+            <a:picLocks noChangeAspect="1"/>
           </p:cNvPicPr>
-          <p:nvPr>
-            <p:ph idx="1"/>
-          </p:nvPr>
+          <p:nvPr/>
         </p:nvPicPr>
         <p:blipFill>
           <a:blip r:embed="rId2" cstate="print">
@@ -3409,21 +6768,452 @@
         </p:blipFill>
         <p:spPr>
           <a:xfrm>
-            <a:off x="2471057" y="1690688"/>
-            <a:ext cx="7249885" cy="4985690"/>
-          </a:xfrm>
+            <a:off x="235676" y="733634"/>
+            <a:ext cx="11682900" cy="5600609"/>
+          </a:xfrm>
+          <a:prstGeom prst="rect">
+            <a:avLst/>
+          </a:prstGeom>
         </p:spPr>
       </p:pic>
+      <p:sp>
+        <p:nvSpPr>
+          <p:cNvPr id="8" name="Footer Placeholder 2"/>
+          <p:cNvSpPr txBox="1">
+            <a:spLocks/>
+          </p:cNvSpPr>
+          <p:nvPr/>
+        </p:nvSpPr>
+        <p:spPr>
+          <a:xfrm>
+            <a:off x="4038600" y="6356350"/>
+            <a:ext cx="4114800" cy="365125"/>
+          </a:xfrm>
+          <a:prstGeom prst="rect">
+            <a:avLst/>
+          </a:prstGeom>
+        </p:spPr>
+        <p:txBody>
+          <a:bodyPr vert="horz" lIns="91440" tIns="45720" rIns="91440" bIns="45720" rtlCol="0" anchor="ctr"/>
+          <a:lstStyle>
+            <a:defPPr>
+              <a:defRPr lang="en-US"/>
+            </a:defPPr>
+            <a:lvl1pPr marL="0" algn="ctr" defTabSz="914400" rtl="0" eaLnBrk="1" latinLnBrk="0" hangingPunct="1">
+              <a:defRPr sz="1200" kern="1200">
+                <a:solidFill>
+                  <a:schemeClr val="tx1">
+                    <a:tint val="75000"/>
+                  </a:schemeClr>
+                </a:solidFill>
+                <a:latin typeface="+mn-lt"/>
+                <a:ea typeface="+mn-ea"/>
+                <a:cs typeface="+mn-cs"/>
+              </a:defRPr>
+            </a:lvl1pPr>
+            <a:lvl2pPr marL="457200" algn="l" defTabSz="914400" rtl="0" eaLnBrk="1" latinLnBrk="0" hangingPunct="1">
+              <a:defRPr sz="1800" kern="1200">
+                <a:solidFill>
+                  <a:schemeClr val="tx1"/>
+                </a:solidFill>
+                <a:latin typeface="+mn-lt"/>
+                <a:ea typeface="+mn-ea"/>
+                <a:cs typeface="+mn-cs"/>
+              </a:defRPr>
+            </a:lvl2pPr>
+            <a:lvl3pPr marL="914400" algn="l" defTabSz="914400" rtl="0" eaLnBrk="1" latinLnBrk="0" hangingPunct="1">
+              <a:defRPr sz="1800" kern="1200">
+                <a:solidFill>
+                  <a:schemeClr val="tx1"/>
+                </a:solidFill>
+                <a:latin typeface="+mn-lt"/>
+                <a:ea typeface="+mn-ea"/>
+                <a:cs typeface="+mn-cs"/>
+              </a:defRPr>
+            </a:lvl3pPr>
+            <a:lvl4pPr marL="1371600" algn="l" defTabSz="914400" rtl="0" eaLnBrk="1" latinLnBrk="0" hangingPunct="1">
+              <a:defRPr sz="1800" kern="1200">
+                <a:solidFill>
+                  <a:schemeClr val="tx1"/>
+                </a:solidFill>
+                <a:latin typeface="+mn-lt"/>
+                <a:ea typeface="+mn-ea"/>
+                <a:cs typeface="+mn-cs"/>
+              </a:defRPr>
+            </a:lvl4pPr>
+            <a:lvl5pPr marL="1828800" algn="l" defTabSz="914400" rtl="0" eaLnBrk="1" latinLnBrk="0" hangingPunct="1">
+              <a:defRPr sz="1800" kern="1200">
+                <a:solidFill>
+                  <a:schemeClr val="tx1"/>
+                </a:solidFill>
+                <a:latin typeface="+mn-lt"/>
+                <a:ea typeface="+mn-ea"/>
+                <a:cs typeface="+mn-cs"/>
+              </a:defRPr>
+            </a:lvl5pPr>
+            <a:lvl6pPr marL="2286000" algn="l" defTabSz="914400" rtl="0" eaLnBrk="1" latinLnBrk="0" hangingPunct="1">
+              <a:defRPr sz="1800" kern="1200">
+                <a:solidFill>
+                  <a:schemeClr val="tx1"/>
+                </a:solidFill>
+                <a:latin typeface="+mn-lt"/>
+                <a:ea typeface="+mn-ea"/>
+                <a:cs typeface="+mn-cs"/>
+              </a:defRPr>
+            </a:lvl6pPr>
+            <a:lvl7pPr marL="2743200" algn="l" defTabSz="914400" rtl="0" eaLnBrk="1" latinLnBrk="0" hangingPunct="1">
+              <a:defRPr sz="1800" kern="1200">
+                <a:solidFill>
+                  <a:schemeClr val="tx1"/>
+                </a:solidFill>
+                <a:latin typeface="+mn-lt"/>
+                <a:ea typeface="+mn-ea"/>
+                <a:cs typeface="+mn-cs"/>
+              </a:defRPr>
+            </a:lvl7pPr>
+            <a:lvl8pPr marL="3200400" algn="l" defTabSz="914400" rtl="0" eaLnBrk="1" latinLnBrk="0" hangingPunct="1">
+              <a:defRPr sz="1800" kern="1200">
+                <a:solidFill>
+                  <a:schemeClr val="tx1"/>
+                </a:solidFill>
+                <a:latin typeface="+mn-lt"/>
+                <a:ea typeface="+mn-ea"/>
+                <a:cs typeface="+mn-cs"/>
+              </a:defRPr>
+            </a:lvl8pPr>
+            <a:lvl9pPr marL="3657600" algn="l" defTabSz="914400" rtl="0" eaLnBrk="1" latinLnBrk="0" hangingPunct="1">
+              <a:defRPr sz="1800" kern="1200">
+                <a:solidFill>
+                  <a:schemeClr val="tx1"/>
+                </a:solidFill>
+                <a:latin typeface="+mn-lt"/>
+                <a:ea typeface="+mn-ea"/>
+                <a:cs typeface="+mn-cs"/>
+              </a:defRPr>
+            </a:lvl9pPr>
+          </a:lstStyle>
+          <a:p>
+            <a:r>
+              <a:rPr lang="en-US" smtClean="0"/>
+              <a:t>http://bit.ly/smarTrainer</a:t>
+            </a:r>
+            <a:endParaRPr lang="en-US"/>
+          </a:p>
+        </p:txBody>
+      </p:sp>
+      <p:sp>
+        <p:nvSpPr>
+          <p:cNvPr id="9" name="Slide Number Placeholder 4"/>
+          <p:cNvSpPr txBox="1">
+            <a:spLocks/>
+          </p:cNvSpPr>
+          <p:nvPr/>
+        </p:nvSpPr>
+        <p:spPr>
+          <a:xfrm>
+            <a:off x="8610600" y="6356350"/>
+            <a:ext cx="2743200" cy="365125"/>
+          </a:xfrm>
+          <a:prstGeom prst="rect">
+            <a:avLst/>
+          </a:prstGeom>
+        </p:spPr>
+        <p:txBody>
+          <a:bodyPr vert="horz" lIns="91440" tIns="45720" rIns="91440" bIns="45720" rtlCol="0" anchor="ctr"/>
+          <a:lstStyle>
+            <a:defPPr>
+              <a:defRPr lang="en-US"/>
+            </a:defPPr>
+            <a:lvl1pPr marL="0" algn="r" defTabSz="914400" rtl="0" eaLnBrk="1" latinLnBrk="0" hangingPunct="1">
+              <a:defRPr sz="1200" kern="1200">
+                <a:solidFill>
+                  <a:schemeClr val="tx1">
+                    <a:tint val="75000"/>
+                  </a:schemeClr>
+                </a:solidFill>
+                <a:latin typeface="+mn-lt"/>
+                <a:ea typeface="+mn-ea"/>
+                <a:cs typeface="+mn-cs"/>
+              </a:defRPr>
+            </a:lvl1pPr>
+            <a:lvl2pPr marL="457200" algn="l" defTabSz="914400" rtl="0" eaLnBrk="1" latinLnBrk="0" hangingPunct="1">
+              <a:defRPr sz="1800" kern="1200">
+                <a:solidFill>
+                  <a:schemeClr val="tx1"/>
+                </a:solidFill>
+                <a:latin typeface="+mn-lt"/>
+                <a:ea typeface="+mn-ea"/>
+                <a:cs typeface="+mn-cs"/>
+              </a:defRPr>
+            </a:lvl2pPr>
+            <a:lvl3pPr marL="914400" algn="l" defTabSz="914400" rtl="0" eaLnBrk="1" latinLnBrk="0" hangingPunct="1">
+              <a:defRPr sz="1800" kern="1200">
+                <a:solidFill>
+                  <a:schemeClr val="tx1"/>
+                </a:solidFill>
+                <a:latin typeface="+mn-lt"/>
+                <a:ea typeface="+mn-ea"/>
+                <a:cs typeface="+mn-cs"/>
+              </a:defRPr>
+            </a:lvl3pPr>
+            <a:lvl4pPr marL="1371600" algn="l" defTabSz="914400" rtl="0" eaLnBrk="1" latinLnBrk="0" hangingPunct="1">
+              <a:defRPr sz="1800" kern="1200">
+                <a:solidFill>
+                  <a:schemeClr val="tx1"/>
+                </a:solidFill>
+                <a:latin typeface="+mn-lt"/>
+                <a:ea typeface="+mn-ea"/>
+                <a:cs typeface="+mn-cs"/>
+              </a:defRPr>
+            </a:lvl4pPr>
+            <a:lvl5pPr marL="1828800" algn="l" defTabSz="914400" rtl="0" eaLnBrk="1" latinLnBrk="0" hangingPunct="1">
+              <a:defRPr sz="1800" kern="1200">
+                <a:solidFill>
+                  <a:schemeClr val="tx1"/>
+                </a:solidFill>
+                <a:latin typeface="+mn-lt"/>
+                <a:ea typeface="+mn-ea"/>
+                <a:cs typeface="+mn-cs"/>
+              </a:defRPr>
+            </a:lvl5pPr>
+            <a:lvl6pPr marL="2286000" algn="l" defTabSz="914400" rtl="0" eaLnBrk="1" latinLnBrk="0" hangingPunct="1">
+              <a:defRPr sz="1800" kern="1200">
+                <a:solidFill>
+                  <a:schemeClr val="tx1"/>
+                </a:solidFill>
+                <a:latin typeface="+mn-lt"/>
+                <a:ea typeface="+mn-ea"/>
+                <a:cs typeface="+mn-cs"/>
+              </a:defRPr>
+            </a:lvl6pPr>
+            <a:lvl7pPr marL="2743200" algn="l" defTabSz="914400" rtl="0" eaLnBrk="1" latinLnBrk="0" hangingPunct="1">
+              <a:defRPr sz="1800" kern="1200">
+                <a:solidFill>
+                  <a:schemeClr val="tx1"/>
+                </a:solidFill>
+                <a:latin typeface="+mn-lt"/>
+                <a:ea typeface="+mn-ea"/>
+                <a:cs typeface="+mn-cs"/>
+              </a:defRPr>
+            </a:lvl7pPr>
+            <a:lvl8pPr marL="3200400" algn="l" defTabSz="914400" rtl="0" eaLnBrk="1" latinLnBrk="0" hangingPunct="1">
+              <a:defRPr sz="1800" kern="1200">
+                <a:solidFill>
+                  <a:schemeClr val="tx1"/>
+                </a:solidFill>
+                <a:latin typeface="+mn-lt"/>
+                <a:ea typeface="+mn-ea"/>
+                <a:cs typeface="+mn-cs"/>
+              </a:defRPr>
+            </a:lvl8pPr>
+            <a:lvl9pPr marL="3657600" algn="l" defTabSz="914400" rtl="0" eaLnBrk="1" latinLnBrk="0" hangingPunct="1">
+              <a:defRPr sz="1800" kern="1200">
+                <a:solidFill>
+                  <a:schemeClr val="tx1"/>
+                </a:solidFill>
+                <a:latin typeface="+mn-lt"/>
+                <a:ea typeface="+mn-ea"/>
+                <a:cs typeface="+mn-cs"/>
+              </a:defRPr>
+            </a:lvl9pPr>
+          </a:lstStyle>
+          <a:p>
+            <a:fld id="{C3483869-27D3-4E01-B51C-D2D621F71896}" type="slidenum">
+              <a:rPr lang="en-US" smtClean="0"/>
+              <a:pPr/>
+              <a:t>6</a:t>
+            </a:fld>
+            <a:endParaRPr lang="en-US"/>
+          </a:p>
+        </p:txBody>
+      </p:sp>
+      <p:pic>
+        <p:nvPicPr>
+          <p:cNvPr id="10" name="Picture 9"/>
+          <p:cNvPicPr>
+            <a:picLocks noChangeAspect="1"/>
+          </p:cNvPicPr>
+          <p:nvPr/>
+        </p:nvPicPr>
+        <p:blipFill>
+          <a:blip r:embed="rId3" cstate="print">
+            <a:extLst>
+              <a:ext uri="{28A0092B-C50C-407E-A947-70E740481C1C}">
+                <a14:useLocalDpi xmlns:a14="http://schemas.microsoft.com/office/drawing/2010/main" val="0"/>
+              </a:ext>
+            </a:extLst>
+          </a:blip>
+          <a:stretch>
+            <a:fillRect/>
+          </a:stretch>
+        </p:blipFill>
+        <p:spPr>
+          <a:xfrm>
+            <a:off x="235677" y="90282"/>
+            <a:ext cx="602524" cy="643352"/>
+          </a:xfrm>
+          <a:prstGeom prst="rect">
+            <a:avLst/>
+          </a:prstGeom>
+        </p:spPr>
+      </p:pic>
+      <p:sp>
+        <p:nvSpPr>
+          <p:cNvPr id="11" name="TextBox 10"/>
+          <p:cNvSpPr txBox="1"/>
+          <p:nvPr/>
+        </p:nvSpPr>
+        <p:spPr>
+          <a:xfrm>
+            <a:off x="653143" y="1690688"/>
+            <a:ext cx="3694922" cy="369332"/>
+          </a:xfrm>
+          <a:prstGeom prst="rect">
+            <a:avLst/>
+          </a:prstGeom>
+          <a:noFill/>
+        </p:spPr>
+        <p:txBody>
+          <a:bodyPr wrap="square" rtlCol="0">
+            <a:spAutoFit/>
+          </a:bodyPr>
+          <a:lstStyle/>
+          <a:p>
+            <a:endParaRPr lang="en-US" dirty="0"/>
+          </a:p>
+        </p:txBody>
+      </p:sp>
+      <p:pic>
+        <p:nvPicPr>
+          <p:cNvPr id="12" name="Picture 11"/>
+          <p:cNvPicPr>
+            <a:picLocks noChangeAspect="1"/>
+          </p:cNvPicPr>
+          <p:nvPr/>
+        </p:nvPicPr>
+        <p:blipFill>
+          <a:blip r:embed="rId4">
+            <a:extLst>
+              <a:ext uri="{28A0092B-C50C-407E-A947-70E740481C1C}">
+                <a14:useLocalDpi xmlns:a14="http://schemas.microsoft.com/office/drawing/2010/main" val="0"/>
+              </a:ext>
+            </a:extLst>
+          </a:blip>
+          <a:stretch>
+            <a:fillRect/>
+          </a:stretch>
+        </p:blipFill>
+        <p:spPr>
+          <a:xfrm>
+            <a:off x="5163253" y="2326347"/>
+            <a:ext cx="6525929" cy="3669043"/>
+          </a:xfrm>
+          <a:prstGeom prst="rect">
+            <a:avLst/>
+          </a:prstGeom>
+        </p:spPr>
+      </p:pic>
+      <p:sp>
+        <p:nvSpPr>
+          <p:cNvPr id="13" name="TextBox 12"/>
+          <p:cNvSpPr txBox="1"/>
+          <p:nvPr/>
+        </p:nvSpPr>
+        <p:spPr>
+          <a:xfrm>
+            <a:off x="273424" y="1381084"/>
+            <a:ext cx="4112389" cy="1077218"/>
+          </a:xfrm>
+          <a:prstGeom prst="rect">
+            <a:avLst/>
+          </a:prstGeom>
+          <a:noFill/>
+        </p:spPr>
+        <p:txBody>
+          <a:bodyPr wrap="square" rtlCol="0">
+            <a:spAutoFit/>
+          </a:bodyPr>
+          <a:lstStyle/>
+          <a:p>
+            <a:r>
+              <a:rPr lang="bg-BG" sz="3200" b="1" dirty="0" smtClean="0">
+                <a:solidFill>
+                  <a:schemeClr val="bg1"/>
+                </a:solidFill>
+                <a:latin typeface="Times New Roman" panose="02020603050405020304" pitchFamily="18" charset="0"/>
+                <a:cs typeface="Times New Roman" panose="02020603050405020304" pitchFamily="18" charset="0"/>
+              </a:rPr>
+              <a:t>Твоята тренировка. Твоят дневник.</a:t>
+            </a:r>
+            <a:endParaRPr lang="en-US" sz="3200" b="1" dirty="0">
+              <a:solidFill>
+                <a:schemeClr val="bg1"/>
+              </a:solidFill>
+              <a:latin typeface="Times New Roman" panose="02020603050405020304" pitchFamily="18" charset="0"/>
+              <a:cs typeface="Times New Roman" panose="02020603050405020304" pitchFamily="18" charset="0"/>
+            </a:endParaRPr>
+          </a:p>
+        </p:txBody>
+      </p:sp>
+      <p:sp>
+        <p:nvSpPr>
+          <p:cNvPr id="14" name="TextBox 13"/>
+          <p:cNvSpPr txBox="1"/>
+          <p:nvPr/>
+        </p:nvSpPr>
+        <p:spPr>
+          <a:xfrm>
+            <a:off x="1031421" y="2948472"/>
+            <a:ext cx="3385457" cy="830997"/>
+          </a:xfrm>
+          <a:prstGeom prst="rect">
+            <a:avLst/>
+          </a:prstGeom>
+          <a:noFill/>
+        </p:spPr>
+        <p:txBody>
+          <a:bodyPr wrap="square" rtlCol="0">
+            <a:spAutoFit/>
+          </a:bodyPr>
+          <a:lstStyle/>
+          <a:p>
+            <a:r>
+              <a:rPr lang="bg-BG" sz="2400" b="1" dirty="0" smtClean="0">
+                <a:solidFill>
+                  <a:srgbClr val="00B0F0"/>
+                </a:solidFill>
+                <a:latin typeface="Times New Roman" panose="02020603050405020304" pitchFamily="18" charset="0"/>
+                <a:cs typeface="Times New Roman" panose="02020603050405020304" pitchFamily="18" charset="0"/>
+              </a:rPr>
+              <a:t>Лесно проследяване на прогреса в  залата.</a:t>
+            </a:r>
+            <a:endParaRPr lang="en-US" sz="2400" b="1" dirty="0">
+              <a:solidFill>
+                <a:srgbClr val="00B0F0"/>
+              </a:solidFill>
+              <a:latin typeface="Times New Roman" panose="02020603050405020304" pitchFamily="18" charset="0"/>
+              <a:cs typeface="Times New Roman" panose="02020603050405020304" pitchFamily="18" charset="0"/>
+            </a:endParaRPr>
+          </a:p>
+        </p:txBody>
+      </p:sp>
     </p:spTree>
     <p:extLst>
       <p:ext uri="{BB962C8B-B14F-4D97-AF65-F5344CB8AC3E}">
-        <p14:creationId xmlns:p14="http://schemas.microsoft.com/office/powerpoint/2010/main" val="782134853"/>
+        <p14:creationId xmlns:p14="http://schemas.microsoft.com/office/powerpoint/2010/main" val="3959702835"/>
       </p:ext>
     </p:extLst>
   </p:cSld>
   <p:clrMapOvr>
     <a:masterClrMapping/>
   </p:clrMapOvr>
+  <p:timing>
+    <p:tnLst>
+      <p:par>
+        <p:cTn id="1" dur="indefinite" restart="never" nodeType="tmRoot"/>
+      </p:par>
+    </p:tnLst>
+  </p:timing>
 </p:sld>
 </file>
 
@@ -3446,26 +7236,48 @@
       </p:grpSpPr>
       <p:sp>
         <p:nvSpPr>
-          <p:cNvPr id="2" name="Title 1"/>
-          <p:cNvSpPr>
-            <a:spLocks noGrp="1"/>
-          </p:cNvSpPr>
-          <p:nvPr>
-            <p:ph type="title"/>
-          </p:nvPr>
-        </p:nvSpPr>
-        <p:spPr/>
-        <p:txBody>
-          <a:bodyPr/>
-          <a:lstStyle/>
-          <a:p>
-            <a:endParaRPr lang="en-US"/>
+          <p:cNvPr id="6" name="Rectangle 5"/>
+          <p:cNvSpPr/>
+          <p:nvPr/>
+        </p:nvSpPr>
+        <p:spPr>
+          <a:xfrm>
+            <a:off x="235677" y="726141"/>
+            <a:ext cx="11682900" cy="5630209"/>
+          </a:xfrm>
+          <a:prstGeom prst="rect">
+            <a:avLst/>
+          </a:prstGeom>
+          <a:ln/>
+        </p:spPr>
+        <p:style>
+          <a:lnRef idx="2">
+            <a:schemeClr val="accent6">
+              <a:shade val="50000"/>
+            </a:schemeClr>
+          </a:lnRef>
+          <a:fillRef idx="1">
+            <a:schemeClr val="accent6"/>
+          </a:fillRef>
+          <a:effectRef idx="0">
+            <a:schemeClr val="accent6"/>
+          </a:effectRef>
+          <a:fontRef idx="minor">
+            <a:schemeClr val="lt1"/>
+          </a:fontRef>
+        </p:style>
+        <p:txBody>
+          <a:bodyPr rtlCol="0" anchor="ctr"/>
+          <a:lstStyle/>
+          <a:p>
+            <a:pPr algn="ctr"/>
+            <a:endParaRPr lang="en-US" dirty="0"/>
           </a:p>
         </p:txBody>
       </p:sp>
       <p:pic>
         <p:nvPicPr>
-          <p:cNvPr id="4" name="Content Placeholder 3"/>
+          <p:cNvPr id="8" name="Content Placeholder 7"/>
           <p:cNvPicPr>
             <a:picLocks noGrp="1" noChangeAspect="1"/>
           </p:cNvPicPr>
@@ -3487,21 +7299,188 @@
         </p:blipFill>
         <p:spPr>
           <a:xfrm>
-            <a:off x="2834641" y="2095257"/>
-            <a:ext cx="6244046" cy="4155129"/>
+            <a:off x="4684058" y="2370591"/>
+            <a:ext cx="6057900" cy="3276600"/>
           </a:xfrm>
         </p:spPr>
       </p:pic>
+      <p:sp>
+        <p:nvSpPr>
+          <p:cNvPr id="4" name="Footer Placeholder 3"/>
+          <p:cNvSpPr>
+            <a:spLocks noGrp="1"/>
+          </p:cNvSpPr>
+          <p:nvPr>
+            <p:ph type="ftr" sz="quarter" idx="11"/>
+          </p:nvPr>
+        </p:nvSpPr>
+        <p:spPr/>
+        <p:txBody>
+          <a:bodyPr/>
+          <a:lstStyle/>
+          <a:p>
+            <a:r>
+              <a:rPr lang="en-US" smtClean="0"/>
+              <a:t>http://bit.ly/smarTrainer</a:t>
+            </a:r>
+            <a:endParaRPr lang="en-US"/>
+          </a:p>
+        </p:txBody>
+      </p:sp>
+      <p:sp>
+        <p:nvSpPr>
+          <p:cNvPr id="5" name="Slide Number Placeholder 4"/>
+          <p:cNvSpPr>
+            <a:spLocks noGrp="1"/>
+          </p:cNvSpPr>
+          <p:nvPr>
+            <p:ph type="sldNum" sz="quarter" idx="12"/>
+          </p:nvPr>
+        </p:nvSpPr>
+        <p:spPr/>
+        <p:txBody>
+          <a:bodyPr/>
+          <a:lstStyle/>
+          <a:p>
+            <a:fld id="{C3483869-27D3-4E01-B51C-D2D621F71896}" type="slidenum">
+              <a:rPr lang="en-US" smtClean="0"/>
+              <a:t>7</a:t>
+            </a:fld>
+            <a:endParaRPr lang="en-US"/>
+          </a:p>
+        </p:txBody>
+      </p:sp>
+      <p:pic>
+        <p:nvPicPr>
+          <p:cNvPr id="7" name="Picture 6"/>
+          <p:cNvPicPr>
+            <a:picLocks noChangeAspect="1"/>
+          </p:cNvPicPr>
+          <p:nvPr/>
+        </p:nvPicPr>
+        <p:blipFill>
+          <a:blip r:embed="rId3" cstate="print">
+            <a:extLst>
+              <a:ext uri="{28A0092B-C50C-407E-A947-70E740481C1C}">
+                <a14:useLocalDpi xmlns:a14="http://schemas.microsoft.com/office/drawing/2010/main" val="0"/>
+              </a:ext>
+            </a:extLst>
+          </a:blip>
+          <a:stretch>
+            <a:fillRect/>
+          </a:stretch>
+        </p:blipFill>
+        <p:spPr>
+          <a:xfrm>
+            <a:off x="235677" y="63389"/>
+            <a:ext cx="602523" cy="662752"/>
+          </a:xfrm>
+          <a:prstGeom prst="rect">
+            <a:avLst/>
+          </a:prstGeom>
+        </p:spPr>
+      </p:pic>
+      <p:sp>
+        <p:nvSpPr>
+          <p:cNvPr id="9" name="TextBox 8"/>
+          <p:cNvSpPr txBox="1"/>
+          <p:nvPr/>
+        </p:nvSpPr>
+        <p:spPr>
+          <a:xfrm>
+            <a:off x="838200" y="3326953"/>
+            <a:ext cx="3463441" cy="830997"/>
+          </a:xfrm>
+          <a:prstGeom prst="rect">
+            <a:avLst/>
+          </a:prstGeom>
+          <a:noFill/>
+        </p:spPr>
+        <p:txBody>
+          <a:bodyPr wrap="square" rtlCol="0">
+            <a:spAutoFit/>
+          </a:bodyPr>
+          <a:lstStyle/>
+          <a:p>
+            <a:r>
+              <a:rPr lang="bg-BG" sz="2400" dirty="0" smtClean="0">
+                <a:solidFill>
+                  <a:srgbClr val="002060"/>
+                </a:solidFill>
+                <a:latin typeface="Times New Roman" panose="02020603050405020304" pitchFamily="18" charset="0"/>
+                <a:cs typeface="Times New Roman" panose="02020603050405020304" pitchFamily="18" charset="0"/>
+              </a:rPr>
+              <a:t>Приложението е кросплатформено</a:t>
+            </a:r>
+            <a:endParaRPr lang="en-US" sz="2400" dirty="0">
+              <a:solidFill>
+                <a:srgbClr val="002060"/>
+              </a:solidFill>
+              <a:latin typeface="Times New Roman" panose="02020603050405020304" pitchFamily="18" charset="0"/>
+              <a:cs typeface="Times New Roman" panose="02020603050405020304" pitchFamily="18" charset="0"/>
+            </a:endParaRPr>
+          </a:p>
+        </p:txBody>
+      </p:sp>
+      <p:sp>
+        <p:nvSpPr>
+          <p:cNvPr id="10" name="TextBox 9"/>
+          <p:cNvSpPr txBox="1"/>
+          <p:nvPr/>
+        </p:nvSpPr>
+        <p:spPr>
+          <a:xfrm>
+            <a:off x="546023" y="2012549"/>
+            <a:ext cx="4410635" cy="1015663"/>
+          </a:xfrm>
+          <a:prstGeom prst="rect">
+            <a:avLst/>
+          </a:prstGeom>
+          <a:noFill/>
+        </p:spPr>
+        <p:txBody>
+          <a:bodyPr wrap="square" rtlCol="0">
+            <a:spAutoFit/>
+          </a:bodyPr>
+          <a:lstStyle/>
+          <a:p>
+            <a:r>
+              <a:rPr lang="bg-BG" sz="3000" dirty="0" smtClean="0">
+                <a:solidFill>
+                  <a:schemeClr val="bg1"/>
+                </a:solidFill>
+                <a:latin typeface="Times New Roman" panose="02020603050405020304" pitchFamily="18" charset="0"/>
+                <a:cs typeface="Times New Roman" panose="02020603050405020304" pitchFamily="18" charset="0"/>
+              </a:rPr>
+              <a:t>Нямаш телефон или таблет. Това не е проблем</a:t>
+            </a:r>
+            <a:endParaRPr lang="en-US" sz="3000" dirty="0">
+              <a:solidFill>
+                <a:schemeClr val="bg1"/>
+              </a:solidFill>
+              <a:latin typeface="Times New Roman" panose="02020603050405020304" pitchFamily="18" charset="0"/>
+              <a:cs typeface="Times New Roman" panose="02020603050405020304" pitchFamily="18" charset="0"/>
+            </a:endParaRPr>
+          </a:p>
+        </p:txBody>
+      </p:sp>
     </p:spTree>
     <p:extLst>
       <p:ext uri="{BB962C8B-B14F-4D97-AF65-F5344CB8AC3E}">
-        <p14:creationId xmlns:p14="http://schemas.microsoft.com/office/powerpoint/2010/main" val="3959702835"/>
+        <p14:creationId xmlns:p14="http://schemas.microsoft.com/office/powerpoint/2010/main" val="971835228"/>
       </p:ext>
     </p:extLst>
   </p:cSld>
   <p:clrMapOvr>
     <a:masterClrMapping/>
   </p:clrMapOvr>
+  <p:timing>
+    <p:tnLst>
+      <p:par>
+        <p:cTn id="1" dur="indefinite" restart="never" nodeType="tmRoot"/>
+      </p:par>
+    </p:tnLst>
+  </p:timing>
 </p:sld>
 </file>
 
@@ -3522,32 +7501,9 @@
           <a:chExt cx="0" cy="0"/>
         </a:xfrm>
       </p:grpSpPr>
-      <p:sp>
-        <p:nvSpPr>
-          <p:cNvPr id="2" name="Title 1"/>
-          <p:cNvSpPr>
-            <a:spLocks noGrp="1"/>
-          </p:cNvSpPr>
-          <p:nvPr>
-            <p:ph type="title"/>
-          </p:nvPr>
-        </p:nvSpPr>
-        <p:spPr/>
-        <p:txBody>
-          <a:bodyPr/>
-          <a:lstStyle/>
-          <a:p>
-            <a:r>
-              <a:rPr lang="bg-BG" dirty="0" smtClean="0"/>
-              <a:t>Макронутриенти</a:t>
-            </a:r>
-            <a:endParaRPr lang="en-US" dirty="0"/>
-          </a:p>
-        </p:txBody>
-      </p:sp>
       <p:pic>
         <p:nvPicPr>
-          <p:cNvPr id="4" name="Content Placeholder 3"/>
+          <p:cNvPr id="8" name="Content Placeholder 7"/>
           <p:cNvPicPr>
             <a:picLocks noGrp="1" noChangeAspect="1"/>
           </p:cNvPicPr>
@@ -3569,11 +7525,854 @@
         </p:blipFill>
         <p:spPr>
           <a:xfrm>
-            <a:off x="1123405" y="1567543"/>
-            <a:ext cx="10032997" cy="4754879"/>
+            <a:off x="336176" y="777520"/>
+            <a:ext cx="11524130" cy="5556724"/>
           </a:xfrm>
         </p:spPr>
       </p:pic>
+      <p:sp>
+        <p:nvSpPr>
+          <p:cNvPr id="3" name="Footer Placeholder 2"/>
+          <p:cNvSpPr>
+            <a:spLocks noGrp="1"/>
+          </p:cNvSpPr>
+          <p:nvPr>
+            <p:ph type="ftr" sz="quarter" idx="11"/>
+          </p:nvPr>
+        </p:nvSpPr>
+        <p:spPr/>
+        <p:txBody>
+          <a:bodyPr/>
+          <a:lstStyle/>
+          <a:p>
+            <a:r>
+              <a:rPr lang="en-US" dirty="0" smtClean="0"/>
+              <a:t>http://bit.ly/smarTrainer</a:t>
+            </a:r>
+            <a:endParaRPr lang="en-US" dirty="0"/>
+          </a:p>
+        </p:txBody>
+      </p:sp>
+      <p:sp>
+        <p:nvSpPr>
+          <p:cNvPr id="5" name="Slide Number Placeholder 4"/>
+          <p:cNvSpPr>
+            <a:spLocks noGrp="1"/>
+          </p:cNvSpPr>
+          <p:nvPr>
+            <p:ph type="sldNum" sz="quarter" idx="12"/>
+          </p:nvPr>
+        </p:nvSpPr>
+        <p:spPr/>
+        <p:txBody>
+          <a:bodyPr/>
+          <a:lstStyle/>
+          <a:p>
+            <a:fld id="{C3483869-27D3-4E01-B51C-D2D621F71896}" type="slidenum">
+              <a:rPr lang="en-US" smtClean="0"/>
+              <a:t>8</a:t>
+            </a:fld>
+            <a:endParaRPr lang="en-US"/>
+          </a:p>
+        </p:txBody>
+      </p:sp>
+      <p:pic>
+        <p:nvPicPr>
+          <p:cNvPr id="9" name="Picture 8"/>
+          <p:cNvPicPr>
+            <a:picLocks noChangeAspect="1"/>
+          </p:cNvPicPr>
+          <p:nvPr/>
+        </p:nvPicPr>
+        <p:blipFill>
+          <a:blip r:embed="rId3" cstate="print">
+            <a:extLst>
+              <a:ext uri="{28A0092B-C50C-407E-A947-70E740481C1C}">
+                <a14:useLocalDpi xmlns:a14="http://schemas.microsoft.com/office/drawing/2010/main" val="0"/>
+              </a:ext>
+            </a:extLst>
+          </a:blip>
+          <a:stretch>
+            <a:fillRect/>
+          </a:stretch>
+        </p:blipFill>
+        <p:spPr>
+          <a:xfrm>
+            <a:off x="235676" y="41405"/>
+            <a:ext cx="665277" cy="736114"/>
+          </a:xfrm>
+          <a:prstGeom prst="rect">
+            <a:avLst/>
+          </a:prstGeom>
+        </p:spPr>
+      </p:pic>
+      <p:sp>
+        <p:nvSpPr>
+          <p:cNvPr id="10" name="TextBox 9"/>
+          <p:cNvSpPr txBox="1"/>
+          <p:nvPr/>
+        </p:nvSpPr>
+        <p:spPr>
+          <a:xfrm>
+            <a:off x="653143" y="1690688"/>
+            <a:ext cx="3694922" cy="369332"/>
+          </a:xfrm>
+          <a:prstGeom prst="rect">
+            <a:avLst/>
+          </a:prstGeom>
+          <a:noFill/>
+        </p:spPr>
+        <p:txBody>
+          <a:bodyPr wrap="square" rtlCol="0">
+            <a:spAutoFit/>
+          </a:bodyPr>
+          <a:lstStyle/>
+          <a:p>
+            <a:endParaRPr lang="en-US" dirty="0"/>
+          </a:p>
+        </p:txBody>
+      </p:sp>
+      <p:sp>
+        <p:nvSpPr>
+          <p:cNvPr id="14" name="TextBox 13"/>
+          <p:cNvSpPr txBox="1"/>
+          <p:nvPr/>
+        </p:nvSpPr>
+        <p:spPr>
+          <a:xfrm>
+            <a:off x="5207414" y="1105913"/>
+            <a:ext cx="5505061" cy="584775"/>
+          </a:xfrm>
+          <a:prstGeom prst="rect">
+            <a:avLst/>
+          </a:prstGeom>
+          <a:noFill/>
+        </p:spPr>
+        <p:txBody>
+          <a:bodyPr wrap="square" rtlCol="0">
+            <a:spAutoFit/>
+          </a:bodyPr>
+          <a:lstStyle/>
+          <a:p>
+            <a:r>
+              <a:rPr lang="bg-BG" sz="3200" b="1" dirty="0" smtClean="0">
+                <a:solidFill>
+                  <a:srgbClr val="00B0F0"/>
+                </a:solidFill>
+                <a:latin typeface="Times New Roman" panose="02020603050405020304" pitchFamily="18" charset="0"/>
+                <a:cs typeface="Times New Roman" panose="02020603050405020304" pitchFamily="18" charset="0"/>
+              </a:rPr>
+              <a:t>Бързо и лесно инсталиране</a:t>
+            </a:r>
+            <a:endParaRPr lang="en-US" sz="3200" b="1" dirty="0">
+              <a:solidFill>
+                <a:srgbClr val="00B0F0"/>
+              </a:solidFill>
+              <a:latin typeface="Times New Roman" panose="02020603050405020304" pitchFamily="18" charset="0"/>
+              <a:cs typeface="Times New Roman" panose="02020603050405020304" pitchFamily="18" charset="0"/>
+            </a:endParaRPr>
+          </a:p>
+        </p:txBody>
+      </p:sp>
+      <p:sp>
+        <p:nvSpPr>
+          <p:cNvPr id="15" name="Rectangle 14"/>
+          <p:cNvSpPr/>
+          <p:nvPr/>
+        </p:nvSpPr>
+        <p:spPr>
+          <a:xfrm>
+            <a:off x="510228" y="1872802"/>
+            <a:ext cx="3459481" cy="1836500"/>
+          </a:xfrm>
+          <a:prstGeom prst="rect">
+            <a:avLst/>
+          </a:prstGeom>
+          <a:solidFill>
+            <a:schemeClr val="dk1">
+              <a:alpha val="50000"/>
+            </a:schemeClr>
+          </a:solidFill>
+          <a:ln>
+            <a:noFill/>
+          </a:ln>
+        </p:spPr>
+        <p:style>
+          <a:lnRef idx="0">
+            <a:scrgbClr r="0" g="0" b="0"/>
+          </a:lnRef>
+          <a:fillRef idx="0">
+            <a:scrgbClr r="0" g="0" b="0"/>
+          </a:fillRef>
+          <a:effectRef idx="0">
+            <a:scrgbClr r="0" g="0" b="0"/>
+          </a:effectRef>
+          <a:fontRef idx="minor">
+            <a:schemeClr val="lt1"/>
+          </a:fontRef>
+        </p:style>
+        <p:txBody>
+          <a:bodyPr rtlCol="0" anchor="ctr"/>
+          <a:lstStyle/>
+          <a:p>
+            <a:pPr algn="ctr"/>
+            <a:endParaRPr lang="en-US"/>
+          </a:p>
+        </p:txBody>
+      </p:sp>
+      <p:sp>
+        <p:nvSpPr>
+          <p:cNvPr id="16" name="TextBox 15"/>
+          <p:cNvSpPr txBox="1"/>
+          <p:nvPr/>
+        </p:nvSpPr>
+        <p:spPr>
+          <a:xfrm>
+            <a:off x="741161" y="2173415"/>
+            <a:ext cx="3085635" cy="1107996"/>
+          </a:xfrm>
+          <a:prstGeom prst="rect">
+            <a:avLst/>
+          </a:prstGeom>
+          <a:noFill/>
+        </p:spPr>
+        <p:txBody>
+          <a:bodyPr wrap="square" rtlCol="0">
+            <a:spAutoFit/>
+          </a:bodyPr>
+          <a:lstStyle/>
+          <a:p>
+            <a:pPr algn="ctr"/>
+            <a:r>
+              <a:rPr lang="en-US" sz="3600" dirty="0" smtClean="0">
+                <a:solidFill>
+                  <a:schemeClr val="bg1"/>
+                </a:solidFill>
+                <a:latin typeface="Times New Roman" panose="02020603050405020304" pitchFamily="18" charset="0"/>
+                <a:cs typeface="Times New Roman" panose="02020603050405020304" pitchFamily="18" charset="0"/>
+              </a:rPr>
+              <a:t>1. </a:t>
+            </a:r>
+            <a:r>
+              <a:rPr lang="bg-BG" sz="3000" dirty="0" smtClean="0">
+                <a:solidFill>
+                  <a:schemeClr val="bg1"/>
+                </a:solidFill>
+                <a:latin typeface="Times New Roman" panose="02020603050405020304" pitchFamily="18" charset="0"/>
+                <a:cs typeface="Times New Roman" panose="02020603050405020304" pitchFamily="18" charset="0"/>
+              </a:rPr>
+              <a:t>Регистирай се с няколко клика</a:t>
+            </a:r>
+            <a:endParaRPr lang="en-US" sz="3000" dirty="0">
+              <a:solidFill>
+                <a:schemeClr val="bg1"/>
+              </a:solidFill>
+              <a:latin typeface="Times New Roman" panose="02020603050405020304" pitchFamily="18" charset="0"/>
+              <a:cs typeface="Times New Roman" panose="02020603050405020304" pitchFamily="18" charset="0"/>
+            </a:endParaRPr>
+          </a:p>
+        </p:txBody>
+      </p:sp>
+      <p:sp>
+        <p:nvSpPr>
+          <p:cNvPr id="17" name="Rectangle 16"/>
+          <p:cNvSpPr/>
+          <p:nvPr/>
+        </p:nvSpPr>
+        <p:spPr>
+          <a:xfrm>
+            <a:off x="4500464" y="1809163"/>
+            <a:ext cx="3459481" cy="1836500"/>
+          </a:xfrm>
+          <a:prstGeom prst="rect">
+            <a:avLst/>
+          </a:prstGeom>
+          <a:solidFill>
+            <a:schemeClr val="dk1">
+              <a:alpha val="50000"/>
+            </a:schemeClr>
+          </a:solidFill>
+          <a:ln>
+            <a:noFill/>
+          </a:ln>
+        </p:spPr>
+        <p:style>
+          <a:lnRef idx="0">
+            <a:scrgbClr r="0" g="0" b="0"/>
+          </a:lnRef>
+          <a:fillRef idx="0">
+            <a:scrgbClr r="0" g="0" b="0"/>
+          </a:fillRef>
+          <a:effectRef idx="0">
+            <a:scrgbClr r="0" g="0" b="0"/>
+          </a:effectRef>
+          <a:fontRef idx="minor">
+            <a:schemeClr val="lt1"/>
+          </a:fontRef>
+        </p:style>
+        <p:txBody>
+          <a:bodyPr rtlCol="0" anchor="ctr"/>
+          <a:lstStyle/>
+          <a:p>
+            <a:pPr algn="ctr"/>
+            <a:endParaRPr lang="en-US" dirty="0"/>
+          </a:p>
+        </p:txBody>
+      </p:sp>
+      <p:sp>
+        <p:nvSpPr>
+          <p:cNvPr id="18" name="TextBox 17"/>
+          <p:cNvSpPr txBox="1"/>
+          <p:nvPr/>
+        </p:nvSpPr>
+        <p:spPr>
+          <a:xfrm>
+            <a:off x="4553182" y="2173415"/>
+            <a:ext cx="3085635" cy="1107996"/>
+          </a:xfrm>
+          <a:prstGeom prst="rect">
+            <a:avLst/>
+          </a:prstGeom>
+          <a:noFill/>
+          <a:ln>
+            <a:noFill/>
+          </a:ln>
+        </p:spPr>
+        <p:style>
+          <a:lnRef idx="0">
+            <a:scrgbClr r="0" g="0" b="0"/>
+          </a:lnRef>
+          <a:fillRef idx="0">
+            <a:scrgbClr r="0" g="0" b="0"/>
+          </a:fillRef>
+          <a:effectRef idx="0">
+            <a:scrgbClr r="0" g="0" b="0"/>
+          </a:effectRef>
+          <a:fontRef idx="minor">
+            <a:schemeClr val="dk1"/>
+          </a:fontRef>
+        </p:style>
+        <p:txBody>
+          <a:bodyPr wrap="square" rtlCol="0">
+            <a:spAutoFit/>
+          </a:bodyPr>
+          <a:lstStyle/>
+          <a:p>
+            <a:pPr algn="ctr"/>
+            <a:r>
+              <a:rPr lang="bg-BG" sz="3600" dirty="0">
+                <a:solidFill>
+                  <a:schemeClr val="bg1"/>
+                </a:solidFill>
+                <a:latin typeface="Times New Roman" panose="02020603050405020304" pitchFamily="18" charset="0"/>
+                <a:cs typeface="Times New Roman" panose="02020603050405020304" pitchFamily="18" charset="0"/>
+              </a:rPr>
+              <a:t>2</a:t>
+            </a:r>
+            <a:r>
+              <a:rPr lang="en-US" sz="3600" dirty="0" smtClean="0">
+                <a:solidFill>
+                  <a:schemeClr val="bg1"/>
+                </a:solidFill>
+                <a:latin typeface="Times New Roman" panose="02020603050405020304" pitchFamily="18" charset="0"/>
+                <a:cs typeface="Times New Roman" panose="02020603050405020304" pitchFamily="18" charset="0"/>
+              </a:rPr>
+              <a:t>. </a:t>
+            </a:r>
+            <a:r>
+              <a:rPr lang="bg-BG" sz="3000" dirty="0" smtClean="0">
+                <a:solidFill>
+                  <a:schemeClr val="bg1"/>
+                </a:solidFill>
+                <a:latin typeface="Times New Roman" panose="02020603050405020304" pitchFamily="18" charset="0"/>
+                <a:cs typeface="Times New Roman" panose="02020603050405020304" pitchFamily="18" charset="0"/>
+              </a:rPr>
+              <a:t>Въведи си данните</a:t>
+            </a:r>
+            <a:endParaRPr lang="en-US" sz="3000" dirty="0">
+              <a:solidFill>
+                <a:schemeClr val="bg1"/>
+              </a:solidFill>
+              <a:latin typeface="Times New Roman" panose="02020603050405020304" pitchFamily="18" charset="0"/>
+              <a:cs typeface="Times New Roman" panose="02020603050405020304" pitchFamily="18" charset="0"/>
+            </a:endParaRPr>
+          </a:p>
+        </p:txBody>
+      </p:sp>
+      <p:sp>
+        <p:nvSpPr>
+          <p:cNvPr id="19" name="Rectangle 18"/>
+          <p:cNvSpPr/>
+          <p:nvPr/>
+        </p:nvSpPr>
+        <p:spPr>
+          <a:xfrm>
+            <a:off x="8409678" y="1778520"/>
+            <a:ext cx="3356067" cy="1836500"/>
+          </a:xfrm>
+          <a:prstGeom prst="rect">
+            <a:avLst/>
+          </a:prstGeom>
+          <a:solidFill>
+            <a:schemeClr val="dk1">
+              <a:alpha val="50000"/>
+            </a:schemeClr>
+          </a:solidFill>
+          <a:ln>
+            <a:noFill/>
+          </a:ln>
+        </p:spPr>
+        <p:style>
+          <a:lnRef idx="0">
+            <a:scrgbClr r="0" g="0" b="0"/>
+          </a:lnRef>
+          <a:fillRef idx="0">
+            <a:scrgbClr r="0" g="0" b="0"/>
+          </a:fillRef>
+          <a:effectRef idx="0">
+            <a:scrgbClr r="0" g="0" b="0"/>
+          </a:effectRef>
+          <a:fontRef idx="minor">
+            <a:schemeClr val="lt1"/>
+          </a:fontRef>
+        </p:style>
+        <p:txBody>
+          <a:bodyPr rtlCol="0" anchor="ctr"/>
+          <a:lstStyle/>
+          <a:p>
+            <a:pPr algn="ctr"/>
+            <a:endParaRPr lang="en-US" dirty="0"/>
+          </a:p>
+        </p:txBody>
+      </p:sp>
+      <p:sp>
+        <p:nvSpPr>
+          <p:cNvPr id="20" name="TextBox 19"/>
+          <p:cNvSpPr txBox="1"/>
+          <p:nvPr/>
+        </p:nvSpPr>
+        <p:spPr>
+          <a:xfrm>
+            <a:off x="8596600" y="2205919"/>
+            <a:ext cx="3085635" cy="646331"/>
+          </a:xfrm>
+          <a:prstGeom prst="rect">
+            <a:avLst/>
+          </a:prstGeom>
+          <a:noFill/>
+        </p:spPr>
+        <p:txBody>
+          <a:bodyPr wrap="square" rtlCol="0">
+            <a:spAutoFit/>
+          </a:bodyPr>
+          <a:lstStyle/>
+          <a:p>
+            <a:pPr algn="ctr"/>
+            <a:r>
+              <a:rPr lang="bg-BG" sz="3600" dirty="0" smtClean="0">
+                <a:solidFill>
+                  <a:schemeClr val="bg1"/>
+                </a:solidFill>
+                <a:latin typeface="Times New Roman" panose="02020603050405020304" pitchFamily="18" charset="0"/>
+                <a:cs typeface="Times New Roman" panose="02020603050405020304" pitchFamily="18" charset="0"/>
+              </a:rPr>
+              <a:t>3</a:t>
+            </a:r>
+            <a:r>
+              <a:rPr lang="en-US" sz="3600" dirty="0" smtClean="0">
+                <a:solidFill>
+                  <a:schemeClr val="bg1"/>
+                </a:solidFill>
+                <a:latin typeface="Times New Roman" panose="02020603050405020304" pitchFamily="18" charset="0"/>
+                <a:cs typeface="Times New Roman" panose="02020603050405020304" pitchFamily="18" charset="0"/>
+              </a:rPr>
+              <a:t>. </a:t>
+            </a:r>
+            <a:r>
+              <a:rPr lang="bg-BG" sz="3000" dirty="0" smtClean="0">
+                <a:solidFill>
+                  <a:schemeClr val="bg1"/>
+                </a:solidFill>
+                <a:latin typeface="Times New Roman" panose="02020603050405020304" pitchFamily="18" charset="0"/>
+                <a:cs typeface="Times New Roman" panose="02020603050405020304" pitchFamily="18" charset="0"/>
+              </a:rPr>
+              <a:t>Използвай</a:t>
+            </a:r>
+            <a:endParaRPr lang="en-US" sz="3000" dirty="0">
+              <a:solidFill>
+                <a:schemeClr val="bg1"/>
+              </a:solidFill>
+              <a:latin typeface="Times New Roman" panose="02020603050405020304" pitchFamily="18" charset="0"/>
+              <a:cs typeface="Times New Roman" panose="02020603050405020304" pitchFamily="18" charset="0"/>
+            </a:endParaRPr>
+          </a:p>
+        </p:txBody>
+      </p:sp>
+      <p:sp>
+        <p:nvSpPr>
+          <p:cNvPr id="24" name="Rectangle 23"/>
+          <p:cNvSpPr/>
+          <p:nvPr/>
+        </p:nvSpPr>
+        <p:spPr>
+          <a:xfrm>
+            <a:off x="1843700" y="4218795"/>
+            <a:ext cx="8332730" cy="1077218"/>
+          </a:xfrm>
+          <a:prstGeom prst="rect">
+            <a:avLst/>
+          </a:prstGeom>
+          <a:noFill/>
+        </p:spPr>
+        <p:txBody>
+          <a:bodyPr wrap="none" lIns="91440" tIns="45720" rIns="91440" bIns="45720">
+            <a:spAutoFit/>
+          </a:bodyPr>
+          <a:lstStyle/>
+          <a:p>
+            <a:r>
+              <a:rPr lang="bg-BG" sz="3200" b="1" dirty="0">
+                <a:ln w="10160">
+                  <a:solidFill>
+                    <a:schemeClr val="accent5"/>
+                  </a:solidFill>
+                  <a:prstDash val="solid"/>
+                </a:ln>
+                <a:solidFill>
+                  <a:srgbClr val="FFFFFF"/>
+                </a:solidFill>
+                <a:effectLst>
+                  <a:outerShdw blurRad="38100" dist="22860" dir="5400000" algn="tl" rotWithShape="0">
+                    <a:srgbClr val="000000">
+                      <a:alpha val="30000"/>
+                    </a:srgbClr>
+                  </a:outerShdw>
+                </a:effectLst>
+                <a:latin typeface="Times New Roman" panose="02020603050405020304" pitchFamily="18" charset="0"/>
+                <a:cs typeface="Times New Roman" panose="02020603050405020304" pitchFamily="18" charset="0"/>
+              </a:rPr>
+              <a:t>Регистрирай се сега</a:t>
+            </a:r>
+            <a:r>
+              <a:rPr lang="en-US" sz="3200" b="1" dirty="0">
+                <a:ln w="10160">
+                  <a:solidFill>
+                    <a:schemeClr val="accent5"/>
+                  </a:solidFill>
+                  <a:prstDash val="solid"/>
+                </a:ln>
+                <a:solidFill>
+                  <a:srgbClr val="FFFFFF"/>
+                </a:solidFill>
+                <a:effectLst>
+                  <a:outerShdw blurRad="38100" dist="22860" dir="5400000" algn="tl" rotWithShape="0">
+                    <a:srgbClr val="000000">
+                      <a:alpha val="30000"/>
+                    </a:srgbClr>
+                  </a:outerShdw>
+                </a:effectLst>
+                <a:latin typeface="Times New Roman" panose="02020603050405020304" pitchFamily="18" charset="0"/>
+                <a:cs typeface="Times New Roman" panose="02020603050405020304" pitchFamily="18" charset="0"/>
+              </a:rPr>
+              <a:t> http://bit.ly/smarTrainer</a:t>
+            </a:r>
+          </a:p>
+          <a:p>
+            <a:r>
+              <a:rPr lang="en-US" sz="3200" b="1" dirty="0">
+                <a:ln w="10160">
+                  <a:solidFill>
+                    <a:schemeClr val="accent5"/>
+                  </a:solidFill>
+                  <a:prstDash val="solid"/>
+                </a:ln>
+                <a:solidFill>
+                  <a:srgbClr val="FFFFFF"/>
+                </a:solidFill>
+                <a:effectLst>
+                  <a:outerShdw blurRad="38100" dist="22860" dir="5400000" algn="tl" rotWithShape="0">
+                    <a:srgbClr val="000000">
+                      <a:alpha val="30000"/>
+                    </a:srgbClr>
+                  </a:outerShdw>
+                </a:effectLst>
+                <a:latin typeface="Times New Roman" panose="02020603050405020304" pitchFamily="18" charset="0"/>
+                <a:cs typeface="Times New Roman" panose="02020603050405020304" pitchFamily="18" charset="0"/>
+              </a:rPr>
+              <a:t> </a:t>
+            </a:r>
+            <a:r>
+              <a:rPr lang="bg-BG" sz="3200" b="1" dirty="0">
+                <a:ln w="10160">
+                  <a:solidFill>
+                    <a:schemeClr val="accent5"/>
+                  </a:solidFill>
+                  <a:prstDash val="solid"/>
+                </a:ln>
+                <a:solidFill>
+                  <a:srgbClr val="FFFFFF"/>
+                </a:solidFill>
+                <a:effectLst>
+                  <a:outerShdw blurRad="38100" dist="22860" dir="5400000" algn="tl" rotWithShape="0">
+                    <a:srgbClr val="000000">
+                      <a:alpha val="30000"/>
+                    </a:srgbClr>
+                  </a:outerShdw>
+                </a:effectLst>
+                <a:latin typeface="Times New Roman" panose="02020603050405020304" pitchFamily="18" charset="0"/>
+                <a:cs typeface="Times New Roman" panose="02020603050405020304" pitchFamily="18" charset="0"/>
+              </a:rPr>
+              <a:t> </a:t>
+            </a:r>
+            <a:endParaRPr lang="en-US" sz="3200" b="1" dirty="0">
+              <a:ln w="10160">
+                <a:solidFill>
+                  <a:schemeClr val="accent5"/>
+                </a:solidFill>
+                <a:prstDash val="solid"/>
+              </a:ln>
+              <a:solidFill>
+                <a:srgbClr val="FFFFFF"/>
+              </a:solidFill>
+              <a:effectLst>
+                <a:outerShdw blurRad="38100" dist="22860" dir="5400000" algn="tl" rotWithShape="0">
+                  <a:srgbClr val="000000">
+                    <a:alpha val="30000"/>
+                  </a:srgbClr>
+                </a:outerShdw>
+              </a:effectLst>
+              <a:latin typeface="Times New Roman" panose="02020603050405020304" pitchFamily="18" charset="0"/>
+              <a:cs typeface="Times New Roman" panose="02020603050405020304" pitchFamily="18" charset="0"/>
+            </a:endParaRPr>
+          </a:p>
+        </p:txBody>
+      </p:sp>
+    </p:spTree>
+    <p:extLst>
+      <p:ext uri="{BB962C8B-B14F-4D97-AF65-F5344CB8AC3E}">
+        <p14:creationId xmlns:p14="http://schemas.microsoft.com/office/powerpoint/2010/main" val="782134853"/>
+      </p:ext>
+    </p:extLst>
+  </p:cSld>
+  <p:clrMapOvr>
+    <a:masterClrMapping/>
+  </p:clrMapOvr>
+  <p:timing>
+    <p:tnLst>
+      <p:par>
+        <p:cTn id="1" dur="indefinite" restart="never" nodeType="tmRoot"/>
+      </p:par>
+    </p:tnLst>
+  </p:timing>
+</p:sld>
+</file>
+
+<file path=ppt/slides/slide9.xml><?xml version="1.0" encoding="utf-8"?>
+<p:sld xmlns:a="http://schemas.openxmlformats.org/drawingml/2006/main" xmlns:r="http://schemas.openxmlformats.org/officeDocument/2006/relationships" xmlns:p="http://schemas.openxmlformats.org/presentationml/2006/main">
+  <p:cSld>
+    <p:spTree>
+      <p:nvGrpSpPr>
+        <p:cNvPr id="1" name=""/>
+        <p:cNvGrpSpPr/>
+        <p:nvPr/>
+      </p:nvGrpSpPr>
+      <p:grpSpPr>
+        <a:xfrm>
+          <a:off x="0" y="0"/>
+          <a:ext cx="0" cy="0"/>
+          <a:chOff x="0" y="0"/>
+          <a:chExt cx="0" cy="0"/>
+        </a:xfrm>
+      </p:grpSpPr>
+      <p:sp>
+        <p:nvSpPr>
+          <p:cNvPr id="3" name="Footer Placeholder 2"/>
+          <p:cNvSpPr>
+            <a:spLocks noGrp="1"/>
+          </p:cNvSpPr>
+          <p:nvPr>
+            <p:ph type="ftr" sz="quarter" idx="11"/>
+          </p:nvPr>
+        </p:nvSpPr>
+        <p:spPr/>
+        <p:txBody>
+          <a:bodyPr/>
+          <a:lstStyle/>
+          <a:p>
+            <a:r>
+              <a:rPr lang="en-US" smtClean="0"/>
+              <a:t>http://bit.ly/smarTrainer</a:t>
+            </a:r>
+            <a:endParaRPr lang="en-US"/>
+          </a:p>
+        </p:txBody>
+      </p:sp>
+      <p:sp>
+        <p:nvSpPr>
+          <p:cNvPr id="5" name="Slide Number Placeholder 4"/>
+          <p:cNvSpPr>
+            <a:spLocks noGrp="1"/>
+          </p:cNvSpPr>
+          <p:nvPr>
+            <p:ph type="sldNum" sz="quarter" idx="12"/>
+          </p:nvPr>
+        </p:nvSpPr>
+        <p:spPr/>
+        <p:txBody>
+          <a:bodyPr/>
+          <a:lstStyle/>
+          <a:p>
+            <a:fld id="{C3483869-27D3-4E01-B51C-D2D621F71896}" type="slidenum">
+              <a:rPr lang="en-US" smtClean="0"/>
+              <a:t>9</a:t>
+            </a:fld>
+            <a:endParaRPr lang="en-US"/>
+          </a:p>
+        </p:txBody>
+      </p:sp>
+      <p:sp>
+        <p:nvSpPr>
+          <p:cNvPr id="9" name="Rectangle 8"/>
+          <p:cNvSpPr/>
+          <p:nvPr/>
+        </p:nvSpPr>
+        <p:spPr>
+          <a:xfrm>
+            <a:off x="235676" y="739589"/>
+            <a:ext cx="11682900" cy="5616762"/>
+          </a:xfrm>
+          <a:prstGeom prst="rect">
+            <a:avLst/>
+          </a:prstGeom>
+          <a:gradFill flip="none" rotWithShape="1">
+            <a:gsLst>
+              <a:gs pos="0">
+                <a:schemeClr val="accent3">
+                  <a:tint val="66000"/>
+                  <a:satMod val="160000"/>
+                </a:schemeClr>
+              </a:gs>
+              <a:gs pos="50000">
+                <a:schemeClr val="accent3">
+                  <a:tint val="44500"/>
+                  <a:satMod val="160000"/>
+                </a:schemeClr>
+              </a:gs>
+              <a:gs pos="100000">
+                <a:schemeClr val="accent3">
+                  <a:tint val="23500"/>
+                  <a:satMod val="160000"/>
+                </a:schemeClr>
+              </a:gs>
+            </a:gsLst>
+            <a:path path="circle">
+              <a:fillToRect l="100000" t="100000"/>
+            </a:path>
+            <a:tileRect r="-100000" b="-100000"/>
+          </a:gradFill>
+          <a:ln>
+            <a:noFill/>
+          </a:ln>
+        </p:spPr>
+        <p:style>
+          <a:lnRef idx="0">
+            <a:scrgbClr r="0" g="0" b="0"/>
+          </a:lnRef>
+          <a:fillRef idx="0">
+            <a:scrgbClr r="0" g="0" b="0"/>
+          </a:fillRef>
+          <a:effectRef idx="0">
+            <a:scrgbClr r="0" g="0" b="0"/>
+          </a:effectRef>
+          <a:fontRef idx="minor">
+            <a:schemeClr val="lt1"/>
+          </a:fontRef>
+        </p:style>
+        <p:txBody>
+          <a:bodyPr rtlCol="0" anchor="ctr"/>
+          <a:lstStyle/>
+          <a:p>
+            <a:pPr algn="ctr"/>
+            <a:endParaRPr lang="en-US" dirty="0"/>
+          </a:p>
+        </p:txBody>
+      </p:sp>
+      <p:pic>
+        <p:nvPicPr>
+          <p:cNvPr id="10" name="Picture 9"/>
+          <p:cNvPicPr>
+            <a:picLocks noChangeAspect="1"/>
+          </p:cNvPicPr>
+          <p:nvPr/>
+        </p:nvPicPr>
+        <p:blipFill>
+          <a:blip r:embed="rId2" cstate="print">
+            <a:extLst>
+              <a:ext uri="{28A0092B-C50C-407E-A947-70E740481C1C}">
+                <a14:useLocalDpi xmlns:a14="http://schemas.microsoft.com/office/drawing/2010/main" val="0"/>
+              </a:ext>
+            </a:extLst>
+          </a:blip>
+          <a:stretch>
+            <a:fillRect/>
+          </a:stretch>
+        </p:blipFill>
+        <p:spPr>
+          <a:xfrm>
+            <a:off x="250020" y="56137"/>
+            <a:ext cx="650934" cy="683451"/>
+          </a:xfrm>
+          <a:prstGeom prst="rect">
+            <a:avLst/>
+          </a:prstGeom>
+        </p:spPr>
+      </p:pic>
+      <p:sp>
+        <p:nvSpPr>
+          <p:cNvPr id="11" name="TextBox 10"/>
+          <p:cNvSpPr txBox="1"/>
+          <p:nvPr/>
+        </p:nvSpPr>
+        <p:spPr>
+          <a:xfrm>
+            <a:off x="685800" y="1573306"/>
+            <a:ext cx="5513294" cy="1200329"/>
+          </a:xfrm>
+          <a:prstGeom prst="rect">
+            <a:avLst/>
+          </a:prstGeom>
+          <a:noFill/>
+        </p:spPr>
+        <p:txBody>
+          <a:bodyPr wrap="square" rtlCol="0">
+            <a:spAutoFit/>
+          </a:bodyPr>
+          <a:lstStyle/>
+          <a:p>
+            <a:r>
+              <a:rPr lang="bg-BG" sz="3600" dirty="0" smtClean="0">
+                <a:solidFill>
+                  <a:schemeClr val="accent3">
+                    <a:lumMod val="50000"/>
+                  </a:schemeClr>
+                </a:solidFill>
+                <a:latin typeface="Times New Roman" panose="02020603050405020304" pitchFamily="18" charset="0"/>
+                <a:cs typeface="Times New Roman" panose="02020603050405020304" pitchFamily="18" charset="0"/>
+              </a:rPr>
+              <a:t>Мнението на нашите потребители</a:t>
+            </a:r>
+            <a:endParaRPr lang="en-US" sz="3600" dirty="0">
+              <a:solidFill>
+                <a:schemeClr val="accent3">
+                  <a:lumMod val="50000"/>
+                </a:schemeClr>
+              </a:solidFill>
+              <a:latin typeface="Times New Roman" panose="02020603050405020304" pitchFamily="18" charset="0"/>
+              <a:cs typeface="Times New Roman" panose="02020603050405020304" pitchFamily="18" charset="0"/>
+            </a:endParaRPr>
+          </a:p>
+        </p:txBody>
+      </p:sp>
     </p:spTree>
     <p:extLst>
       <p:ext uri="{BB962C8B-B14F-4D97-AF65-F5344CB8AC3E}">
@@ -3584,6 +8383,13 @@
   <p:clrMapOvr>
     <a:masterClrMapping/>
   </p:clrMapOvr>
+  <p:timing>
+    <p:tnLst>
+      <p:par>
+        <p:cTn id="1" dur="indefinite" restart="never" nodeType="tmRoot"/>
+      </p:par>
+    </p:tnLst>
+  </p:timing>
 </p:sld>
 </file>
 
@@ -3846,4 +8652,526 @@
     </a:ext>
   </a:extLst>
 </a:theme>
+</file>
+
+<file path=ppt/theme/theme2.xml><?xml version="1.0" encoding="utf-8"?>
+<a:theme xmlns:a="http://schemas.openxmlformats.org/drawingml/2006/main" name="Office Theme">
+  <a:themeElements>
+    <a:clrScheme name="Office">
+      <a:dk1>
+        <a:sysClr val="windowText" lastClr="000000"/>
+      </a:dk1>
+      <a:lt1>
+        <a:sysClr val="window" lastClr="FFFFFF"/>
+      </a:lt1>
+      <a:dk2>
+        <a:srgbClr val="44546A"/>
+      </a:dk2>
+      <a:lt2>
+        <a:srgbClr val="E7E6E6"/>
+      </a:lt2>
+      <a:accent1>
+        <a:srgbClr val="5B9BD5"/>
+      </a:accent1>
+      <a:accent2>
+        <a:srgbClr val="ED7D31"/>
+      </a:accent2>
+      <a:accent3>
+        <a:srgbClr val="A5A5A5"/>
+      </a:accent3>
+      <a:accent4>
+        <a:srgbClr val="FFC000"/>
+      </a:accent4>
+      <a:accent5>
+        <a:srgbClr val="4472C4"/>
+      </a:accent5>
+      <a:accent6>
+        <a:srgbClr val="70AD47"/>
+      </a:accent6>
+      <a:hlink>
+        <a:srgbClr val="0563C1"/>
+      </a:hlink>
+      <a:folHlink>
+        <a:srgbClr val="954F72"/>
+      </a:folHlink>
+    </a:clrScheme>
+    <a:fontScheme name="Office">
+      <a:majorFont>
+        <a:latin typeface="Calibri Light" panose="020F0302020204030204"/>
+        <a:ea typeface=""/>
+        <a:cs typeface=""/>
+        <a:font script="Jpan" typeface="游ゴシック Light"/>
+        <a:font script="Hang" typeface="맑은 고딕"/>
+        <a:font script="Hans" typeface="等线 Light"/>
+        <a:font script="Hant" typeface="新細明體"/>
+        <a:font script="Arab" typeface="Times New Roman"/>
+        <a:font script="Hebr" typeface="Times New Roman"/>
+        <a:font script="Thai" typeface="Angsana New"/>
+        <a:font script="Ethi" typeface="Nyala"/>
+        <a:font script="Beng" typeface="Vrinda"/>
+        <a:font script="Gujr" typeface="Shruti"/>
+        <a:font script="Khmr" typeface="MoolBoran"/>
+        <a:font script="Knda" typeface="Tunga"/>
+        <a:font script="Guru" typeface="Raavi"/>
+        <a:font script="Cans" typeface="Euphemia"/>
+        <a:font script="Cher" typeface="Plantagenet Cherokee"/>
+        <a:font script="Yiii" typeface="Microsoft Yi Baiti"/>
+        <a:font script="Tibt" typeface="Microsoft Himalaya"/>
+        <a:font script="Thaa" typeface="MV Boli"/>
+        <a:font script="Deva" typeface="Mangal"/>
+        <a:font script="Telu" typeface="Gautami"/>
+        <a:font script="Taml" typeface="Latha"/>
+        <a:font script="Syrc" typeface="Estrangelo Edessa"/>
+        <a:font script="Orya" typeface="Kalinga"/>
+        <a:font script="Mlym" typeface="Kartika"/>
+        <a:font script="Laoo" typeface="DokChampa"/>
+        <a:font script="Sinh" typeface="Iskoola Pota"/>
+        <a:font script="Mong" typeface="Mongolian Baiti"/>
+        <a:font script="Viet" typeface="Times New Roman"/>
+        <a:font script="Uigh" typeface="Microsoft Uighur"/>
+        <a:font script="Geor" typeface="Sylfaen"/>
+      </a:majorFont>
+      <a:minorFont>
+        <a:latin typeface="Calibri" panose="020F0502020204030204"/>
+        <a:ea typeface=""/>
+        <a:cs typeface=""/>
+        <a:font script="Jpan" typeface="游ゴシック"/>
+        <a:font script="Hang" typeface="맑은 고딕"/>
+        <a:font script="Hans" typeface="等线"/>
+        <a:font script="Hant" typeface="新細明體"/>
+        <a:font script="Arab" typeface="Arial"/>
+        <a:font script="Hebr" typeface="Arial"/>
+        <a:font script="Thai" typeface="Cordia New"/>
+        <a:font script="Ethi" typeface="Nyala"/>
+        <a:font script="Beng" typeface="Vrinda"/>
+        <a:font script="Gujr" typeface="Shruti"/>
+        <a:font script="Khmr" typeface="DaunPenh"/>
+        <a:font script="Knda" typeface="Tunga"/>
+        <a:font script="Guru" typeface="Raavi"/>
+        <a:font script="Cans" typeface="Euphemia"/>
+        <a:font script="Cher" typeface="Plantagenet Cherokee"/>
+        <a:font script="Yiii" typeface="Microsoft Yi Baiti"/>
+        <a:font script="Tibt" typeface="Microsoft Himalaya"/>
+        <a:font script="Thaa" typeface="MV Boli"/>
+        <a:font script="Deva" typeface="Mangal"/>
+        <a:font script="Telu" typeface="Gautami"/>
+        <a:font script="Taml" typeface="Latha"/>
+        <a:font script="Syrc" typeface="Estrangelo Edessa"/>
+        <a:font script="Orya" typeface="Kalinga"/>
+        <a:font script="Mlym" typeface="Kartika"/>
+        <a:font script="Laoo" typeface="DokChampa"/>
+        <a:font script="Sinh" typeface="Iskoola Pota"/>
+        <a:font script="Mong" typeface="Mongolian Baiti"/>
+        <a:font script="Viet" typeface="Arial"/>
+        <a:font script="Uigh" typeface="Microsoft Uighur"/>
+        <a:font script="Geor" typeface="Sylfaen"/>
+      </a:minorFont>
+    </a:fontScheme>
+    <a:fmtScheme name="Office">
+      <a:fillStyleLst>
+        <a:solidFill>
+          <a:schemeClr val="phClr"/>
+        </a:solidFill>
+        <a:gradFill rotWithShape="1">
+          <a:gsLst>
+            <a:gs pos="0">
+              <a:schemeClr val="phClr">
+                <a:lumMod val="110000"/>
+                <a:satMod val="105000"/>
+                <a:tint val="67000"/>
+              </a:schemeClr>
+            </a:gs>
+            <a:gs pos="50000">
+              <a:schemeClr val="phClr">
+                <a:lumMod val="105000"/>
+                <a:satMod val="103000"/>
+                <a:tint val="73000"/>
+              </a:schemeClr>
+            </a:gs>
+            <a:gs pos="100000">
+              <a:schemeClr val="phClr">
+                <a:lumMod val="105000"/>
+                <a:satMod val="109000"/>
+                <a:tint val="81000"/>
+              </a:schemeClr>
+            </a:gs>
+          </a:gsLst>
+          <a:lin ang="5400000" scaled="0"/>
+        </a:gradFill>
+        <a:gradFill rotWithShape="1">
+          <a:gsLst>
+            <a:gs pos="0">
+              <a:schemeClr val="phClr">
+                <a:satMod val="103000"/>
+                <a:lumMod val="102000"/>
+                <a:tint val="94000"/>
+              </a:schemeClr>
+            </a:gs>
+            <a:gs pos="50000">
+              <a:schemeClr val="phClr">
+                <a:satMod val="110000"/>
+                <a:lumMod val="100000"/>
+                <a:shade val="100000"/>
+              </a:schemeClr>
+            </a:gs>
+            <a:gs pos="100000">
+              <a:schemeClr val="phClr">
+                <a:lumMod val="99000"/>
+                <a:satMod val="120000"/>
+                <a:shade val="78000"/>
+              </a:schemeClr>
+            </a:gs>
+          </a:gsLst>
+          <a:lin ang="5400000" scaled="0"/>
+        </a:gradFill>
+      </a:fillStyleLst>
+      <a:lnStyleLst>
+        <a:ln w="6350" cap="flat" cmpd="sng" algn="ctr">
+          <a:solidFill>
+            <a:schemeClr val="phClr"/>
+          </a:solidFill>
+          <a:prstDash val="solid"/>
+          <a:miter lim="800000"/>
+        </a:ln>
+        <a:ln w="12700" cap="flat" cmpd="sng" algn="ctr">
+          <a:solidFill>
+            <a:schemeClr val="phClr"/>
+          </a:solidFill>
+          <a:prstDash val="solid"/>
+          <a:miter lim="800000"/>
+        </a:ln>
+        <a:ln w="19050" cap="flat" cmpd="sng" algn="ctr">
+          <a:solidFill>
+            <a:schemeClr val="phClr"/>
+          </a:solidFill>
+          <a:prstDash val="solid"/>
+          <a:miter lim="800000"/>
+        </a:ln>
+      </a:lnStyleLst>
+      <a:effectStyleLst>
+        <a:effectStyle>
+          <a:effectLst/>
+        </a:effectStyle>
+        <a:effectStyle>
+          <a:effectLst/>
+        </a:effectStyle>
+        <a:effectStyle>
+          <a:effectLst>
+            <a:outerShdw blurRad="57150" dist="19050" dir="5400000" algn="ctr" rotWithShape="0">
+              <a:srgbClr val="000000">
+                <a:alpha val="63000"/>
+              </a:srgbClr>
+            </a:outerShdw>
+          </a:effectLst>
+        </a:effectStyle>
+      </a:effectStyleLst>
+      <a:bgFillStyleLst>
+        <a:solidFill>
+          <a:schemeClr val="phClr"/>
+        </a:solidFill>
+        <a:solidFill>
+          <a:schemeClr val="phClr">
+            <a:tint val="95000"/>
+            <a:satMod val="170000"/>
+          </a:schemeClr>
+        </a:solidFill>
+        <a:gradFill rotWithShape="1">
+          <a:gsLst>
+            <a:gs pos="0">
+              <a:schemeClr val="phClr">
+                <a:tint val="93000"/>
+                <a:satMod val="150000"/>
+                <a:shade val="98000"/>
+                <a:lumMod val="102000"/>
+              </a:schemeClr>
+            </a:gs>
+            <a:gs pos="50000">
+              <a:schemeClr val="phClr">
+                <a:tint val="98000"/>
+                <a:satMod val="130000"/>
+                <a:shade val="90000"/>
+                <a:lumMod val="103000"/>
+              </a:schemeClr>
+            </a:gs>
+            <a:gs pos="100000">
+              <a:schemeClr val="phClr">
+                <a:shade val="63000"/>
+                <a:satMod val="120000"/>
+              </a:schemeClr>
+            </a:gs>
+          </a:gsLst>
+          <a:lin ang="5400000" scaled="0"/>
+        </a:gradFill>
+      </a:bgFillStyleLst>
+    </a:fmtScheme>
+  </a:themeElements>
+  <a:objectDefaults/>
+  <a:extraClrSchemeLst/>
+  <a:extLst>
+    <a:ext uri="{05A4C25C-085E-4340-85A3-A5531E510DB2}">
+      <thm15:themeFamily xmlns:thm15="http://schemas.microsoft.com/office/thememl/2012/main" name="Office Theme" id="{62F939B6-93AF-4DB8-9C6B-D6C7DFDC589F}" vid="{4A3C46E8-61CC-4603-A589-7422A47A8E4A}"/>
+    </a:ext>
+  </a:extLst>
+</a:theme>
+</file>
+
+<file path=ppt/theme/theme3.xml><?xml version="1.0" encoding="utf-8"?>
+<a:theme xmlns:a="http://schemas.openxmlformats.org/drawingml/2006/main" name="Office Theme">
+  <a:themeElements>
+    <a:clrScheme name="Office">
+      <a:dk1>
+        <a:sysClr val="windowText" lastClr="000000"/>
+      </a:dk1>
+      <a:lt1>
+        <a:sysClr val="window" lastClr="FFFFFF"/>
+      </a:lt1>
+      <a:dk2>
+        <a:srgbClr val="44546A"/>
+      </a:dk2>
+      <a:lt2>
+        <a:srgbClr val="E7E6E6"/>
+      </a:lt2>
+      <a:accent1>
+        <a:srgbClr val="5B9BD5"/>
+      </a:accent1>
+      <a:accent2>
+        <a:srgbClr val="ED7D31"/>
+      </a:accent2>
+      <a:accent3>
+        <a:srgbClr val="A5A5A5"/>
+      </a:accent3>
+      <a:accent4>
+        <a:srgbClr val="FFC000"/>
+      </a:accent4>
+      <a:accent5>
+        <a:srgbClr val="4472C4"/>
+      </a:accent5>
+      <a:accent6>
+        <a:srgbClr val="70AD47"/>
+      </a:accent6>
+      <a:hlink>
+        <a:srgbClr val="0563C1"/>
+      </a:hlink>
+      <a:folHlink>
+        <a:srgbClr val="954F72"/>
+      </a:folHlink>
+    </a:clrScheme>
+    <a:fontScheme name="Office">
+      <a:majorFont>
+        <a:latin typeface="Calibri Light" panose="020F0302020204030204"/>
+        <a:ea typeface=""/>
+        <a:cs typeface=""/>
+        <a:font script="Jpan" typeface="游ゴシック Light"/>
+        <a:font script="Hang" typeface="맑은 고딕"/>
+        <a:font script="Hans" typeface="等线 Light"/>
+        <a:font script="Hant" typeface="新細明體"/>
+        <a:font script="Arab" typeface="Times New Roman"/>
+        <a:font script="Hebr" typeface="Times New Roman"/>
+        <a:font script="Thai" typeface="Angsana New"/>
+        <a:font script="Ethi" typeface="Nyala"/>
+        <a:font script="Beng" typeface="Vrinda"/>
+        <a:font script="Gujr" typeface="Shruti"/>
+        <a:font script="Khmr" typeface="MoolBoran"/>
+        <a:font script="Knda" typeface="Tunga"/>
+        <a:font script="Guru" typeface="Raavi"/>
+        <a:font script="Cans" typeface="Euphemia"/>
+        <a:font script="Cher" typeface="Plantagenet Cherokee"/>
+        <a:font script="Yiii" typeface="Microsoft Yi Baiti"/>
+        <a:font script="Tibt" typeface="Microsoft Himalaya"/>
+        <a:font script="Thaa" typeface="MV Boli"/>
+        <a:font script="Deva" typeface="Mangal"/>
+        <a:font script="Telu" typeface="Gautami"/>
+        <a:font script="Taml" typeface="Latha"/>
+        <a:font script="Syrc" typeface="Estrangelo Edessa"/>
+        <a:font script="Orya" typeface="Kalinga"/>
+        <a:font script="Mlym" typeface="Kartika"/>
+        <a:font script="Laoo" typeface="DokChampa"/>
+        <a:font script="Sinh" typeface="Iskoola Pota"/>
+        <a:font script="Mong" typeface="Mongolian Baiti"/>
+        <a:font script="Viet" typeface="Times New Roman"/>
+        <a:font script="Uigh" typeface="Microsoft Uighur"/>
+        <a:font script="Geor" typeface="Sylfaen"/>
+      </a:majorFont>
+      <a:minorFont>
+        <a:latin typeface="Calibri" panose="020F0502020204030204"/>
+        <a:ea typeface=""/>
+        <a:cs typeface=""/>
+        <a:font script="Jpan" typeface="游ゴシック"/>
+        <a:font script="Hang" typeface="맑은 고딕"/>
+        <a:font script="Hans" typeface="等线"/>
+        <a:font script="Hant" typeface="新細明體"/>
+        <a:font script="Arab" typeface="Arial"/>
+        <a:font script="Hebr" typeface="Arial"/>
+        <a:font script="Thai" typeface="Cordia New"/>
+        <a:font script="Ethi" typeface="Nyala"/>
+        <a:font script="Beng" typeface="Vrinda"/>
+        <a:font script="Gujr" typeface="Shruti"/>
+        <a:font script="Khmr" typeface="DaunPenh"/>
+        <a:font script="Knda" typeface="Tunga"/>
+        <a:font script="Guru" typeface="Raavi"/>
+        <a:font script="Cans" typeface="Euphemia"/>
+        <a:font script="Cher" typeface="Plantagenet Cherokee"/>
+        <a:font script="Yiii" typeface="Microsoft Yi Baiti"/>
+        <a:font script="Tibt" typeface="Microsoft Himalaya"/>
+        <a:font script="Thaa" typeface="MV Boli"/>
+        <a:font script="Deva" typeface="Mangal"/>
+        <a:font script="Telu" typeface="Gautami"/>
+        <a:font script="Taml" typeface="Latha"/>
+        <a:font script="Syrc" typeface="Estrangelo Edessa"/>
+        <a:font script="Orya" typeface="Kalinga"/>
+        <a:font script="Mlym" typeface="Kartika"/>
+        <a:font script="Laoo" typeface="DokChampa"/>
+        <a:font script="Sinh" typeface="Iskoola Pota"/>
+        <a:font script="Mong" typeface="Mongolian Baiti"/>
+        <a:font script="Viet" typeface="Arial"/>
+        <a:font script="Uigh" typeface="Microsoft Uighur"/>
+        <a:font script="Geor" typeface="Sylfaen"/>
+      </a:minorFont>
+    </a:fontScheme>
+    <a:fmtScheme name="Office">
+      <a:fillStyleLst>
+        <a:solidFill>
+          <a:schemeClr val="phClr"/>
+        </a:solidFill>
+        <a:gradFill rotWithShape="1">
+          <a:gsLst>
+            <a:gs pos="0">
+              <a:schemeClr val="phClr">
+                <a:lumMod val="110000"/>
+                <a:satMod val="105000"/>
+                <a:tint val="67000"/>
+              </a:schemeClr>
+            </a:gs>
+            <a:gs pos="50000">
+              <a:schemeClr val="phClr">
+                <a:lumMod val="105000"/>
+                <a:satMod val="103000"/>
+                <a:tint val="73000"/>
+              </a:schemeClr>
+            </a:gs>
+            <a:gs pos="100000">
+              <a:schemeClr val="phClr">
+                <a:lumMod val="105000"/>
+                <a:satMod val="109000"/>
+                <a:tint val="81000"/>
+              </a:schemeClr>
+            </a:gs>
+          </a:gsLst>
+          <a:lin ang="5400000" scaled="0"/>
+        </a:gradFill>
+        <a:gradFill rotWithShape="1">
+          <a:gsLst>
+            <a:gs pos="0">
+              <a:schemeClr val="phClr">
+                <a:satMod val="103000"/>
+                <a:lumMod val="102000"/>
+                <a:tint val="94000"/>
+              </a:schemeClr>
+            </a:gs>
+            <a:gs pos="50000">
+              <a:schemeClr val="phClr">
+                <a:satMod val="110000"/>
+                <a:lumMod val="100000"/>
+                <a:shade val="100000"/>
+              </a:schemeClr>
+            </a:gs>
+            <a:gs pos="100000">
+              <a:schemeClr val="phClr">
+                <a:lumMod val="99000"/>
+                <a:satMod val="120000"/>
+                <a:shade val="78000"/>
+              </a:schemeClr>
+            </a:gs>
+          </a:gsLst>
+          <a:lin ang="5400000" scaled="0"/>
+        </a:gradFill>
+      </a:fillStyleLst>
+      <a:lnStyleLst>
+        <a:ln w="6350" cap="flat" cmpd="sng" algn="ctr">
+          <a:solidFill>
+            <a:schemeClr val="phClr"/>
+          </a:solidFill>
+          <a:prstDash val="solid"/>
+          <a:miter lim="800000"/>
+        </a:ln>
+        <a:ln w="12700" cap="flat" cmpd="sng" algn="ctr">
+          <a:solidFill>
+            <a:schemeClr val="phClr"/>
+          </a:solidFill>
+          <a:prstDash val="solid"/>
+          <a:miter lim="800000"/>
+        </a:ln>
+        <a:ln w="19050" cap="flat" cmpd="sng" algn="ctr">
+          <a:solidFill>
+            <a:schemeClr val="phClr"/>
+          </a:solidFill>
+          <a:prstDash val="solid"/>
+          <a:miter lim="800000"/>
+        </a:ln>
+      </a:lnStyleLst>
+      <a:effectStyleLst>
+        <a:effectStyle>
+          <a:effectLst/>
+        </a:effectStyle>
+        <a:effectStyle>
+          <a:effectLst/>
+        </a:effectStyle>
+        <a:effectStyle>
+          <a:effectLst>
+            <a:outerShdw blurRad="57150" dist="19050" dir="5400000" algn="ctr" rotWithShape="0">
+              <a:srgbClr val="000000">
+                <a:alpha val="63000"/>
+              </a:srgbClr>
+            </a:outerShdw>
+          </a:effectLst>
+        </a:effectStyle>
+      </a:effectStyleLst>
+      <a:bgFillStyleLst>
+        <a:solidFill>
+          <a:schemeClr val="phClr"/>
+        </a:solidFill>
+        <a:solidFill>
+          <a:schemeClr val="phClr">
+            <a:tint val="95000"/>
+            <a:satMod val="170000"/>
+          </a:schemeClr>
+        </a:solidFill>
+        <a:gradFill rotWithShape="1">
+          <a:gsLst>
+            <a:gs pos="0">
+              <a:schemeClr val="phClr">
+                <a:tint val="93000"/>
+                <a:satMod val="150000"/>
+                <a:shade val="98000"/>
+                <a:lumMod val="102000"/>
+              </a:schemeClr>
+            </a:gs>
+            <a:gs pos="50000">
+              <a:schemeClr val="phClr">
+                <a:tint val="98000"/>
+                <a:satMod val="130000"/>
+                <a:shade val="90000"/>
+                <a:lumMod val="103000"/>
+              </a:schemeClr>
+            </a:gs>
+            <a:gs pos="100000">
+              <a:schemeClr val="phClr">
+                <a:shade val="63000"/>
+                <a:satMod val="120000"/>
+              </a:schemeClr>
+            </a:gs>
+          </a:gsLst>
+          <a:lin ang="5400000" scaled="0"/>
+        </a:gradFill>
+      </a:bgFillStyleLst>
+    </a:fmtScheme>
+  </a:themeElements>
+  <a:objectDefaults/>
+  <a:extraClrSchemeLst/>
+  <a:extLst>
+    <a:ext uri="{05A4C25C-085E-4340-85A3-A5531E510DB2}">
+      <thm15:themeFamily xmlns:thm15="http://schemas.microsoft.com/office/thememl/2012/main" name="Office Theme" id="{62F939B6-93AF-4DB8-9C6B-D6C7DFDC589F}" vid="{4A3C46E8-61CC-4603-A589-7422A47A8E4A}"/>
+    </a:ext>
+  </a:extLst>
+</a:theme>
 </file>